--- a/Poster/Assignment09_B4Poster.pptx
+++ b/Poster/Assignment09_B4Poster.pptx
@@ -192,7 +192,7 @@
           <a:p>
             <a:fld id="{DCA15321-D945-4C39-A0F1-0189193F3860}" type="datetimeFigureOut">
               <a:rPr lang="en-US" smtClean="0"/>
-              <a:t>4/16/2012</a:t>
+              <a:t>4/18/2012</a:t>
             </a:fld>
             <a:endParaRPr lang="en-US"/>
           </a:p>
@@ -508,18 +508,6 @@
           </a:bodyPr>
           <a:lstStyle/>
           <a:p>
-            <a:r>
-              <a:rPr lang="en-US" dirty="0" smtClean="0"/>
-              <a:t>TODO: change </a:t>
-            </a:r>
-            <a:r>
-              <a:rPr lang="en-US" smtClean="0"/>
-              <a:t>screen</a:t>
-            </a:r>
-            <a:r>
-              <a:rPr lang="en-US" baseline="0" smtClean="0"/>
-              <a:t> shot</a:t>
-            </a:r>
             <a:endParaRPr lang="en-US" dirty="0"/>
           </a:p>
         </p:txBody>
@@ -737,7 +725,7 @@
             <a:fld id="{9876F7F0-7CB2-44DF-8187-F3931CF59CB8}" type="datetimeFigureOut">
               <a:rPr lang="en-US" smtClean="0"/>
               <a:pPr/>
-              <a:t>4/16/2012</a:t>
+              <a:t>4/18/2012</a:t>
             </a:fld>
             <a:endParaRPr lang="en-US"/>
           </a:p>
@@ -904,7 +892,7 @@
             <a:fld id="{9876F7F0-7CB2-44DF-8187-F3931CF59CB8}" type="datetimeFigureOut">
               <a:rPr lang="en-US" smtClean="0"/>
               <a:pPr/>
-              <a:t>4/16/2012</a:t>
+              <a:t>4/18/2012</a:t>
             </a:fld>
             <a:endParaRPr lang="en-US"/>
           </a:p>
@@ -1081,7 +1069,7 @@
             <a:fld id="{9876F7F0-7CB2-44DF-8187-F3931CF59CB8}" type="datetimeFigureOut">
               <a:rPr lang="en-US" smtClean="0"/>
               <a:pPr/>
-              <a:t>4/16/2012</a:t>
+              <a:t>4/18/2012</a:t>
             </a:fld>
             <a:endParaRPr lang="en-US"/>
           </a:p>
@@ -1248,7 +1236,7 @@
             <a:fld id="{9876F7F0-7CB2-44DF-8187-F3931CF59CB8}" type="datetimeFigureOut">
               <a:rPr lang="en-US" smtClean="0"/>
               <a:pPr/>
-              <a:t>4/16/2012</a:t>
+              <a:t>4/18/2012</a:t>
             </a:fld>
             <a:endParaRPr lang="en-US"/>
           </a:p>
@@ -1491,7 +1479,7 @@
             <a:fld id="{9876F7F0-7CB2-44DF-8187-F3931CF59CB8}" type="datetimeFigureOut">
               <a:rPr lang="en-US" smtClean="0"/>
               <a:pPr/>
-              <a:t>4/16/2012</a:t>
+              <a:t>4/18/2012</a:t>
             </a:fld>
             <a:endParaRPr lang="en-US"/>
           </a:p>
@@ -1776,7 +1764,7 @@
             <a:fld id="{9876F7F0-7CB2-44DF-8187-F3931CF59CB8}" type="datetimeFigureOut">
               <a:rPr lang="en-US" smtClean="0"/>
               <a:pPr/>
-              <a:t>4/16/2012</a:t>
+              <a:t>4/18/2012</a:t>
             </a:fld>
             <a:endParaRPr lang="en-US"/>
           </a:p>
@@ -2195,7 +2183,7 @@
             <a:fld id="{9876F7F0-7CB2-44DF-8187-F3931CF59CB8}" type="datetimeFigureOut">
               <a:rPr lang="en-US" smtClean="0"/>
               <a:pPr/>
-              <a:t>4/16/2012</a:t>
+              <a:t>4/18/2012</a:t>
             </a:fld>
             <a:endParaRPr lang="en-US"/>
           </a:p>
@@ -2310,7 +2298,7 @@
             <a:fld id="{9876F7F0-7CB2-44DF-8187-F3931CF59CB8}" type="datetimeFigureOut">
               <a:rPr lang="en-US" smtClean="0"/>
               <a:pPr/>
-              <a:t>4/16/2012</a:t>
+              <a:t>4/18/2012</a:t>
             </a:fld>
             <a:endParaRPr lang="en-US"/>
           </a:p>
@@ -2402,7 +2390,7 @@
             <a:fld id="{9876F7F0-7CB2-44DF-8187-F3931CF59CB8}" type="datetimeFigureOut">
               <a:rPr lang="en-US" smtClean="0"/>
               <a:pPr/>
-              <a:t>4/16/2012</a:t>
+              <a:t>4/18/2012</a:t>
             </a:fld>
             <a:endParaRPr lang="en-US"/>
           </a:p>
@@ -2676,7 +2664,7 @@
             <a:fld id="{9876F7F0-7CB2-44DF-8187-F3931CF59CB8}" type="datetimeFigureOut">
               <a:rPr lang="en-US" smtClean="0"/>
               <a:pPr/>
-              <a:t>4/16/2012</a:t>
+              <a:t>4/18/2012</a:t>
             </a:fld>
             <a:endParaRPr lang="en-US"/>
           </a:p>
@@ -2926,7 +2914,7 @@
             <a:fld id="{9876F7F0-7CB2-44DF-8187-F3931CF59CB8}" type="datetimeFigureOut">
               <a:rPr lang="en-US" smtClean="0"/>
               <a:pPr/>
-              <a:t>4/16/2012</a:t>
+              <a:t>4/18/2012</a:t>
             </a:fld>
             <a:endParaRPr lang="en-US"/>
           </a:p>
@@ -3136,7 +3124,7 @@
             <a:fld id="{9876F7F0-7CB2-44DF-8187-F3931CF59CB8}" type="datetimeFigureOut">
               <a:rPr lang="en-US" smtClean="0"/>
               <a:pPr/>
-              <a:t>4/16/2012</a:t>
+              <a:t>4/18/2012</a:t>
             </a:fld>
             <a:endParaRPr lang="en-US"/>
           </a:p>
@@ -3515,7 +3503,7 @@
         </p:nvSpPr>
         <p:spPr>
           <a:xfrm>
-            <a:off x="0" y="609600"/>
+            <a:off x="152400" y="838200"/>
             <a:ext cx="32918400" cy="6247864"/>
           </a:xfrm>
           <a:prstGeom prst="rect">
@@ -3528,54 +3516,172 @@
         <p:txBody>
           <a:bodyPr wrap="square" lIns="91440" tIns="45720" rIns="91440" bIns="45720">
             <a:spAutoFit/>
+            <a:scene3d>
+              <a:camera prst="orthographicFront">
+                <a:rot lat="0" lon="0" rev="0"/>
+              </a:camera>
+              <a:lightRig rig="glow" dir="t">
+                <a:rot lat="0" lon="0" rev="3600000"/>
+              </a:lightRig>
+            </a:scene3d>
+            <a:sp3d prstMaterial="softEdge">
+              <a:bevelT w="29210" h="16510"/>
+              <a:contourClr>
+                <a:schemeClr val="accent4">
+                  <a:alpha val="95000"/>
+                </a:schemeClr>
+              </a:contourClr>
+            </a:sp3d>
           </a:bodyPr>
           <a:lstStyle/>
           <a:p>
             <a:pPr algn="ctr"/>
             <a:r>
-              <a:rPr lang="en-US" sz="20000" b="1" cap="none" spc="0" dirty="0" smtClean="0">
-                <a:ln w="12700">
+              <a:rPr lang="en-US" sz="20000" b="1" dirty="0" smtClean="0">
+                <a:ln w="10541" cmpd="sng">
                   <a:solidFill>
-                    <a:schemeClr val="tx2">
-                      <a:satMod val="155000"/>
-                    </a:schemeClr>
+                    <a:srgbClr val="7D7D7D">
+                      <a:tint val="100000"/>
+                      <a:shade val="100000"/>
+                      <a:satMod val="110000"/>
+                    </a:srgbClr>
                   </a:solidFill>
                   <a:prstDash val="solid"/>
                 </a:ln>
-                <a:solidFill>
-                  <a:srgbClr val="DA0000"/>
-                </a:solidFill>
-                <a:effectLst>
-                  <a:outerShdw blurRad="41275" dist="20320" dir="1800000" algn="tl" rotWithShape="0">
-                    <a:srgbClr val="000000">
-                      <a:alpha val="40000"/>
-                    </a:srgbClr>
-                  </a:outerShdw>
-                </a:effectLst>
+                <a:gradFill>
+                  <a:gsLst>
+                    <a:gs pos="0">
+                      <a:srgbClr val="FFFFFF">
+                        <a:tint val="40000"/>
+                        <a:satMod val="250000"/>
+                      </a:srgbClr>
+                    </a:gs>
+                    <a:gs pos="9000">
+                      <a:srgbClr val="FFFFFF">
+                        <a:tint val="52000"/>
+                        <a:satMod val="300000"/>
+                      </a:srgbClr>
+                    </a:gs>
+                    <a:gs pos="50000">
+                      <a:srgbClr val="FFFFFF">
+                        <a:shade val="20000"/>
+                        <a:satMod val="300000"/>
+                      </a:srgbClr>
+                    </a:gs>
+                    <a:gs pos="79000">
+                      <a:srgbClr val="FFFFFF">
+                        <a:tint val="52000"/>
+                        <a:satMod val="300000"/>
+                      </a:srgbClr>
+                    </a:gs>
+                    <a:gs pos="100000">
+                      <a:srgbClr val="FFFFFF">
+                        <a:tint val="40000"/>
+                        <a:satMod val="250000"/>
+                      </a:srgbClr>
+                    </a:gs>
+                  </a:gsLst>
+                  <a:lin ang="5400000"/>
+                </a:gradFill>
               </a:rPr>
               <a:t>@10dance</a:t>
             </a:r>
-            <a:endParaRPr lang="en-US" sz="9600" b="1" dirty="0"/>
-          </a:p>
-          <a:p>
-            <a:pPr algn="ctr"/>
-            <a:endParaRPr lang="en-US" sz="20000" b="1" cap="none" spc="0" dirty="0">
-              <a:ln w="12700">
+            <a:endParaRPr lang="en-US" sz="9600" b="1" dirty="0">
+              <a:ln w="10541" cmpd="sng">
                 <a:solidFill>
-                  <a:schemeClr val="tx2">
-                    <a:satMod val="155000"/>
-                  </a:schemeClr>
+                  <a:srgbClr val="7D7D7D">
+                    <a:tint val="100000"/>
+                    <a:shade val="100000"/>
+                    <a:satMod val="110000"/>
+                  </a:srgbClr>
                 </a:solidFill>
                 <a:prstDash val="solid"/>
               </a:ln>
-              <a:solidFill>
-                <a:srgbClr val="DA0000"/>
-              </a:solidFill>
+              <a:gradFill>
+                <a:gsLst>
+                  <a:gs pos="0">
+                    <a:srgbClr val="FFFFFF">
+                      <a:tint val="40000"/>
+                      <a:satMod val="250000"/>
+                    </a:srgbClr>
+                  </a:gs>
+                  <a:gs pos="9000">
+                    <a:srgbClr val="FFFFFF">
+                      <a:tint val="52000"/>
+                      <a:satMod val="300000"/>
+                    </a:srgbClr>
+                  </a:gs>
+                  <a:gs pos="50000">
+                    <a:srgbClr val="FFFFFF">
+                      <a:shade val="20000"/>
+                      <a:satMod val="300000"/>
+                    </a:srgbClr>
+                  </a:gs>
+                  <a:gs pos="79000">
+                    <a:srgbClr val="FFFFFF">
+                      <a:tint val="52000"/>
+                      <a:satMod val="300000"/>
+                    </a:srgbClr>
+                  </a:gs>
+                  <a:gs pos="100000">
+                    <a:srgbClr val="FFFFFF">
+                      <a:tint val="40000"/>
+                      <a:satMod val="250000"/>
+                    </a:srgbClr>
+                  </a:gs>
+                </a:gsLst>
+                <a:lin ang="5400000"/>
+              </a:gradFill>
+            </a:endParaRPr>
+          </a:p>
+          <a:p>
+            <a:pPr algn="ctr"/>
+            <a:endParaRPr lang="en-US" sz="20000" b="1" dirty="0">
+              <a:ln>
+                <a:prstDash val="solid"/>
+              </a:ln>
+              <a:gradFill rotWithShape="1">
+                <a:gsLst>
+                  <a:gs pos="0">
+                    <a:schemeClr val="accent4">
+                      <a:tint val="70000"/>
+                      <a:satMod val="200000"/>
+                    </a:schemeClr>
+                  </a:gs>
+                  <a:gs pos="40000">
+                    <a:schemeClr val="accent4">
+                      <a:tint val="90000"/>
+                      <a:satMod val="130000"/>
+                    </a:schemeClr>
+                  </a:gs>
+                  <a:gs pos="50000">
+                    <a:schemeClr val="accent4">
+                      <a:tint val="90000"/>
+                      <a:satMod val="130000"/>
+                    </a:schemeClr>
+                  </a:gs>
+                  <a:gs pos="68000">
+                    <a:schemeClr val="accent4">
+                      <a:tint val="90000"/>
+                      <a:satMod val="130000"/>
+                    </a:schemeClr>
+                  </a:gs>
+                  <a:gs pos="100000">
+                    <a:schemeClr val="accent4">
+                      <a:tint val="70000"/>
+                      <a:satMod val="200000"/>
+                    </a:schemeClr>
+                  </a:gs>
+                </a:gsLst>
+                <a:lin ang="5400000"/>
+              </a:gradFill>
               <a:effectLst>
-                <a:outerShdw blurRad="41275" dist="20320" dir="1800000" algn="tl" rotWithShape="0">
-                  <a:srgbClr val="000000">
-                    <a:alpha val="40000"/>
-                  </a:srgbClr>
+                <a:outerShdw blurRad="88000" dist="50800" dir="5040000" algn="tl">
+                  <a:schemeClr val="accent4">
+                    <a:tint val="80000"/>
+                    <a:satMod val="250000"/>
+                    <a:alpha val="45000"/>
+                  </a:schemeClr>
                 </a:outerShdw>
               </a:effectLst>
             </a:endParaRPr>
@@ -3590,8 +3696,8 @@
         </p:nvSpPr>
         <p:spPr>
           <a:xfrm>
-            <a:off x="11909428" y="3810000"/>
-            <a:ext cx="9784986" cy="8032968"/>
+            <a:off x="12503809" y="4029968"/>
+            <a:ext cx="8215582" cy="6955750"/>
           </a:xfrm>
           <a:prstGeom prst="rect">
             <a:avLst/>
@@ -3606,47 +3712,49 @@
           <a:p>
             <a:pPr algn="ctr"/>
             <a:r>
-              <a:rPr lang="en-US" dirty="0" smtClean="0"/>
-              <a:t>Yifei Zhu</a:t>
-            </a:r>
-            <a:endParaRPr lang="en-US" dirty="0" smtClean="0"/>
+              <a:rPr lang="en-US" sz="7200" dirty="0" smtClean="0"/>
+              <a:t>Brandon Maxwell</a:t>
+            </a:r>
           </a:p>
           <a:p>
             <a:pPr algn="ctr"/>
             <a:r>
-              <a:rPr lang="en-US" dirty="0" smtClean="0"/>
-              <a:t>Brandon Maxwell</a:t>
-            </a:r>
-            <a:endParaRPr lang="en-US" dirty="0" smtClean="0"/>
+              <a:rPr lang="en-US" sz="7200" dirty="0"/>
+              <a:t>Yifei </a:t>
+            </a:r>
+            <a:r>
+              <a:rPr lang="en-US" sz="7200" dirty="0" smtClean="0"/>
+              <a:t>Zhu</a:t>
+            </a:r>
           </a:p>
           <a:p>
             <a:pPr algn="ctr"/>
             <a:r>
-              <a:rPr lang="en-US" dirty="0" smtClean="0"/>
+              <a:rPr lang="en-US" sz="7200" dirty="0" smtClean="0"/>
               <a:t>Curtis </a:t>
             </a:r>
             <a:r>
-              <a:rPr lang="en-US" dirty="0" err="1" smtClean="0"/>
+              <a:rPr lang="en-US" sz="7200" dirty="0" err="1" smtClean="0"/>
               <a:t>Ullerich</a:t>
             </a:r>
-            <a:endParaRPr lang="en-US" dirty="0" smtClean="0"/>
+            <a:endParaRPr lang="en-US" sz="7200" dirty="0" smtClean="0"/>
           </a:p>
           <a:p>
             <a:pPr algn="ctr"/>
             <a:r>
-              <a:rPr lang="en-US" dirty="0" smtClean="0"/>
+              <a:rPr lang="en-US" sz="7200" dirty="0" smtClean="0"/>
               <a:t>Todd </a:t>
             </a:r>
             <a:r>
-              <a:rPr lang="en-US" dirty="0" err="1" smtClean="0"/>
+              <a:rPr lang="en-US" sz="7200" dirty="0" err="1" smtClean="0"/>
               <a:t>Wegter</a:t>
             </a:r>
-            <a:endParaRPr lang="en-US" dirty="0" smtClean="0"/>
+            <a:endParaRPr lang="en-US" sz="7200" dirty="0" smtClean="0"/>
           </a:p>
           <a:p>
             <a:pPr algn="ctr"/>
             <a:r>
-              <a:rPr lang="en-US" dirty="0" smtClean="0"/>
+              <a:rPr lang="en-US" sz="7200" dirty="0" smtClean="0"/>
               <a:t>COM S 309 SPR 2012 </a:t>
             </a:r>
           </a:p>
@@ -3670,21 +3778,18 @@
           <a:prstGeom prst="roundRect">
             <a:avLst/>
           </a:prstGeom>
-          <a:solidFill>
-            <a:srgbClr val="C00000"/>
-          </a:solidFill>
         </p:spPr>
         <p:style>
           <a:lnRef idx="2">
-            <a:schemeClr val="accent1">
+            <a:schemeClr val="accent2">
               <a:shade val="50000"/>
             </a:schemeClr>
           </a:lnRef>
           <a:fillRef idx="1">
-            <a:schemeClr val="accent1"/>
+            <a:schemeClr val="accent2"/>
           </a:fillRef>
           <a:effectRef idx="0">
-            <a:schemeClr val="accent1"/>
+            <a:schemeClr val="accent2"/>
           </a:effectRef>
           <a:fontRef idx="minor">
             <a:schemeClr val="lt1"/>
@@ -3695,7 +3800,13 @@
           <a:lstStyle/>
           <a:p>
             <a:pPr algn="ctr"/>
-            <a:endParaRPr lang="en-US" dirty="0"/>
+            <a:endParaRPr lang="en-US" dirty="0">
+              <a:solidFill>
+                <a:schemeClr val="bg1">
+                  <a:lumMod val="85000"/>
+                </a:schemeClr>
+              </a:solidFill>
+            </a:endParaRPr>
           </a:p>
         </p:txBody>
       </p:sp>
@@ -3713,9 +3824,192 @@
           <a:prstGeom prst="roundRect">
             <a:avLst/>
           </a:prstGeom>
-          <a:solidFill>
-            <a:srgbClr val="FFFF00"/>
-          </a:solidFill>
+        </p:spPr>
+        <p:style>
+          <a:lnRef idx="3">
+            <a:schemeClr val="lt1"/>
+          </a:lnRef>
+          <a:fillRef idx="1">
+            <a:schemeClr val="accent5"/>
+          </a:fillRef>
+          <a:effectRef idx="1">
+            <a:schemeClr val="accent5"/>
+          </a:effectRef>
+          <a:fontRef idx="minor">
+            <a:schemeClr val="lt1"/>
+          </a:fontRef>
+        </p:style>
+        <p:txBody>
+          <a:bodyPr rtlCol="0" anchor="ctr"/>
+          <a:lstStyle/>
+          <a:p>
+            <a:pPr algn="ctr"/>
+            <a:endParaRPr lang="en-US"/>
+          </a:p>
+        </p:txBody>
+      </p:sp>
+      <p:sp>
+        <p:nvSpPr>
+          <p:cNvPr id="11" name="Rounded Rectangle 10"/>
+          <p:cNvSpPr/>
+          <p:nvPr/>
+        </p:nvSpPr>
+        <p:spPr>
+          <a:xfrm>
+            <a:off x="8610600" y="16383000"/>
+            <a:ext cx="15316200" cy="16383000"/>
+          </a:xfrm>
+          <a:prstGeom prst="roundRect">
+            <a:avLst/>
+          </a:prstGeom>
+        </p:spPr>
+        <p:style>
+          <a:lnRef idx="1">
+            <a:schemeClr val="accent4"/>
+          </a:lnRef>
+          <a:fillRef idx="3">
+            <a:schemeClr val="accent4"/>
+          </a:fillRef>
+          <a:effectRef idx="2">
+            <a:schemeClr val="accent4"/>
+          </a:effectRef>
+          <a:fontRef idx="minor">
+            <a:schemeClr val="lt1"/>
+          </a:fontRef>
+        </p:style>
+        <p:txBody>
+          <a:bodyPr rtlCol="0" anchor="ctr"/>
+          <a:lstStyle/>
+          <a:p>
+            <a:pPr algn="ctr"/>
+            <a:endParaRPr lang="en-US"/>
+          </a:p>
+        </p:txBody>
+      </p:sp>
+      <p:sp>
+        <p:nvSpPr>
+          <p:cNvPr id="14" name="TextBox 13"/>
+          <p:cNvSpPr txBox="1"/>
+          <p:nvPr/>
+        </p:nvSpPr>
+        <p:spPr>
+          <a:xfrm>
+            <a:off x="2286000" y="10896600"/>
+            <a:ext cx="12573000" cy="10679847"/>
+          </a:xfrm>
+          <a:prstGeom prst="rect">
+            <a:avLst/>
+          </a:prstGeom>
+          <a:noFill/>
+        </p:spPr>
+        <p:txBody>
+          <a:bodyPr wrap="square" rtlCol="0">
+            <a:spAutoFit/>
+          </a:bodyPr>
+          <a:lstStyle/>
+          <a:p>
+            <a:r>
+              <a:rPr lang="en-US" sz="6600" b="1" dirty="0" smtClean="0"/>
+              <a:t>Project Description:</a:t>
+            </a:r>
+          </a:p>
+          <a:p>
+            <a:r>
+              <a:rPr lang="en-US" sz="4400" dirty="0" smtClean="0"/>
+              <a:t>@10dance is designed for ISU Marching band to take attendance. TA can be able to take attendance during performance and rehearsal,  students can also be able to submit absence form, and the director can be able to  view and keep track of attendance from our system</a:t>
+            </a:r>
+          </a:p>
+          <a:p>
+            <a:pPr>
+              <a:buFont typeface="Arial" pitchFamily="34" charset="0"/>
+              <a:buChar char="•"/>
+            </a:pPr>
+            <a:endParaRPr lang="en-US" sz="1800" dirty="0"/>
+          </a:p>
+          <a:p>
+            <a:r>
+              <a:rPr lang="en-US" sz="5400" b="1" dirty="0" smtClean="0"/>
+              <a:t>Users:</a:t>
+            </a:r>
+          </a:p>
+          <a:p>
+            <a:r>
+              <a:rPr lang="en-US" sz="4400" dirty="0" smtClean="0"/>
+              <a:t>Students</a:t>
+            </a:r>
+          </a:p>
+          <a:p>
+            <a:r>
+              <a:rPr lang="en-US" sz="4400" dirty="0" smtClean="0"/>
+              <a:t>Director</a:t>
+            </a:r>
+          </a:p>
+          <a:p>
+            <a:r>
+              <a:rPr lang="en-US" sz="4400" dirty="0" smtClean="0"/>
+              <a:t>TA</a:t>
+            </a:r>
+          </a:p>
+          <a:p>
+            <a:endParaRPr lang="en-US" dirty="0"/>
+          </a:p>
+          <a:p>
+            <a:endParaRPr lang="en-US" dirty="0"/>
+          </a:p>
+        </p:txBody>
+      </p:sp>
+      <p:sp>
+        <p:nvSpPr>
+          <p:cNvPr id="13" name="Rounded Rectangle 12"/>
+          <p:cNvSpPr/>
+          <p:nvPr/>
+        </p:nvSpPr>
+        <p:spPr>
+          <a:xfrm>
+            <a:off x="15316200" y="26441400"/>
+            <a:ext cx="15544800" cy="16154400"/>
+          </a:xfrm>
+          <a:prstGeom prst="roundRect">
+            <a:avLst/>
+          </a:prstGeom>
+        </p:spPr>
+        <p:style>
+          <a:lnRef idx="1">
+            <a:schemeClr val="accent6"/>
+          </a:lnRef>
+          <a:fillRef idx="3">
+            <a:schemeClr val="accent6"/>
+          </a:fillRef>
+          <a:effectRef idx="2">
+            <a:schemeClr val="accent6"/>
+          </a:effectRef>
+          <a:fontRef idx="minor">
+            <a:schemeClr val="lt1"/>
+          </a:fontRef>
+        </p:style>
+        <p:txBody>
+          <a:bodyPr rtlCol="0" anchor="ctr"/>
+          <a:lstStyle/>
+          <a:p>
+            <a:pPr algn="ctr"/>
+            <a:endParaRPr lang="en-US"/>
+          </a:p>
+        </p:txBody>
+      </p:sp>
+      <p:sp>
+        <p:nvSpPr>
+          <p:cNvPr id="12" name="Rounded Rectangle 11"/>
+          <p:cNvSpPr/>
+          <p:nvPr/>
+        </p:nvSpPr>
+        <p:spPr>
+          <a:xfrm>
+            <a:off x="1295400" y="25222200"/>
+            <a:ext cx="12115800" cy="16611600"/>
+          </a:xfrm>
+          <a:prstGeom prst="roundRect">
+            <a:avLst/>
+          </a:prstGeom>
         </p:spPr>
         <p:style>
           <a:lnRef idx="0">
@@ -3742,57 +4036,14 @@
       </p:sp>
       <p:sp>
         <p:nvSpPr>
-          <p:cNvPr id="11" name="Rounded Rectangle 10"/>
-          <p:cNvSpPr/>
+          <p:cNvPr id="15" name="TextBox 14"/>
+          <p:cNvSpPr txBox="1"/>
           <p:nvPr/>
         </p:nvSpPr>
         <p:spPr>
           <a:xfrm>
-            <a:off x="8610600" y="16383000"/>
-            <a:ext cx="15316200" cy="18897600"/>
-          </a:xfrm>
-          <a:prstGeom prst="roundRect">
-            <a:avLst/>
-          </a:prstGeom>
-          <a:solidFill>
-            <a:srgbClr val="0D0DFF"/>
-          </a:solidFill>
-        </p:spPr>
-        <p:style>
-          <a:lnRef idx="2">
-            <a:schemeClr val="accent1">
-              <a:shade val="50000"/>
-            </a:schemeClr>
-          </a:lnRef>
-          <a:fillRef idx="1">
-            <a:schemeClr val="accent1"/>
-          </a:fillRef>
-          <a:effectRef idx="0">
-            <a:schemeClr val="accent1"/>
-          </a:effectRef>
-          <a:fontRef idx="minor">
-            <a:schemeClr val="lt1"/>
-          </a:fontRef>
-        </p:style>
-        <p:txBody>
-          <a:bodyPr rtlCol="0" anchor="ctr"/>
-          <a:lstStyle/>
-          <a:p>
-            <a:pPr algn="ctr"/>
-            <a:endParaRPr lang="en-US"/>
-          </a:p>
-        </p:txBody>
-      </p:sp>
-      <p:sp>
-        <p:nvSpPr>
-          <p:cNvPr id="14" name="TextBox 13"/>
-          <p:cNvSpPr txBox="1"/>
-          <p:nvPr/>
-        </p:nvSpPr>
-        <p:spPr>
-          <a:xfrm>
-            <a:off x="2286000" y="10896600"/>
-            <a:ext cx="12573000" cy="10679847"/>
+            <a:off x="17602200" y="10515600"/>
+            <a:ext cx="12801600" cy="8556188"/>
           </a:xfrm>
           <a:prstGeom prst="rect">
             <a:avLst/>
@@ -3807,76 +4058,980 @@
           <a:p>
             <a:r>
               <a:rPr lang="en-US" sz="6600" b="1" dirty="0" smtClean="0"/>
-              <a:t>Project Description</a:t>
-            </a:r>
-            <a:r>
-              <a:rPr lang="en-US" sz="6600" b="1" dirty="0" smtClean="0"/>
-              <a:t>:</a:t>
-            </a:r>
-            <a:endParaRPr lang="en-US" sz="6600" b="1" dirty="0" smtClean="0"/>
-          </a:p>
-          <a:p>
-            <a:r>
-              <a:rPr lang="en-US" sz="4400" dirty="0" smtClean="0"/>
-              <a:t>@10dance is designed for ISU </a:t>
-            </a:r>
-            <a:r>
-              <a:rPr lang="en-US" sz="4400" dirty="0" smtClean="0"/>
-              <a:t>Marching band to take attendance. TA can be able to take attendance during performance and rehearsal,  students can also be able to submit absence form, director can be able to  view and keep track of attendance from our system</a:t>
-            </a:r>
-            <a:endParaRPr lang="en-US" sz="4400" dirty="0" smtClean="0"/>
+              <a:t>User Interfaces</a:t>
+            </a:r>
           </a:p>
           <a:p>
             <a:pPr>
               <a:buFont typeface="Arial" pitchFamily="34" charset="0"/>
               <a:buChar char="•"/>
             </a:pPr>
+            <a:r>
+              <a:rPr lang="en-US" sz="4400" b="1" dirty="0" smtClean="0"/>
+              <a:t>Take attendance</a:t>
+            </a:r>
+          </a:p>
+          <a:p>
+            <a:r>
+              <a:rPr lang="en-US" sz="4400" dirty="0" smtClean="0"/>
+              <a:t>The TA can be able to take attendance before performance and rehearsal </a:t>
+            </a:r>
+          </a:p>
+          <a:p>
+            <a:pPr>
+              <a:buFont typeface="Arial" pitchFamily="34" charset="0"/>
+              <a:buChar char="•"/>
+            </a:pPr>
+            <a:r>
+              <a:rPr lang="en-US" sz="4400" b="1" dirty="0" smtClean="0"/>
+              <a:t>Submit Tardy</a:t>
+            </a:r>
+          </a:p>
+          <a:p>
+            <a:r>
+              <a:rPr lang="en-US" sz="4400" dirty="0" smtClean="0"/>
+              <a:t>The student can be able to submit tardy</a:t>
+            </a:r>
+          </a:p>
+          <a:p>
+            <a:pPr>
+              <a:buFont typeface="Arial" pitchFamily="34" charset="0"/>
+              <a:buChar char="•"/>
+            </a:pPr>
+            <a:r>
+              <a:rPr lang="en-US" sz="4400" b="1" dirty="0" smtClean="0"/>
+              <a:t>Submit Form</a:t>
+            </a:r>
+          </a:p>
+          <a:p>
+            <a:r>
+              <a:rPr lang="en-US" sz="4400" dirty="0" smtClean="0"/>
+              <a:t>The student can be able to submit forms online</a:t>
+            </a:r>
+          </a:p>
+          <a:p>
+            <a:pPr lvl="3">
+              <a:buFont typeface="Arial" pitchFamily="34" charset="0"/>
+              <a:buChar char="•"/>
+            </a:pPr>
+            <a:r>
+              <a:rPr lang="en-US" sz="4400" b="1" dirty="0" smtClean="0"/>
+              <a:t>Approve Form</a:t>
+            </a:r>
+          </a:p>
+          <a:p>
+            <a:r>
+              <a:rPr lang="en-US" sz="4400" dirty="0" smtClean="0"/>
+              <a:t>	                 The Director can be able 	                  to approve students’ 	                  forms</a:t>
+            </a:r>
             <a:endParaRPr lang="en-US" sz="4400" dirty="0"/>
           </a:p>
-          <a:p>
-            <a:r>
-              <a:rPr lang="en-US" sz="5400" b="1" dirty="0" smtClean="0"/>
-              <a:t>Users:</a:t>
+        </p:txBody>
+      </p:sp>
+      <p:sp>
+        <p:nvSpPr>
+          <p:cNvPr id="17" name="TextBox 16"/>
+          <p:cNvSpPr txBox="1"/>
+          <p:nvPr/>
+        </p:nvSpPr>
+        <p:spPr>
+          <a:xfrm>
+            <a:off x="2133600" y="25527000"/>
+            <a:ext cx="10668000" cy="17420153"/>
+          </a:xfrm>
+          <a:prstGeom prst="rect">
+            <a:avLst/>
+          </a:prstGeom>
+          <a:noFill/>
+        </p:spPr>
+        <p:txBody>
+          <a:bodyPr wrap="square" rtlCol="0">
+            <a:spAutoFit/>
+          </a:bodyPr>
+          <a:lstStyle/>
+          <a:p>
+            <a:r>
+              <a:rPr lang="en-US" sz="6000" b="1" dirty="0" smtClean="0"/>
+              <a:t>Module Interfaces: </a:t>
+            </a:r>
+          </a:p>
+          <a:p>
+            <a:r>
+              <a:rPr lang="en-US" sz="1800" b="1" dirty="0" smtClean="0"/>
+              <a:t>1.1 Google </a:t>
+            </a:r>
+            <a:r>
+              <a:rPr lang="en-US" sz="1800" b="1" dirty="0"/>
+              <a:t>App Engine </a:t>
+            </a:r>
+            <a:r>
+              <a:rPr lang="en-US" sz="1800" b="1" dirty="0" err="1"/>
+              <a:t>Datastore</a:t>
+            </a:r>
+            <a:r>
+              <a:rPr lang="en-US" sz="1800" b="1" dirty="0"/>
+              <a:t> </a:t>
+            </a:r>
+            <a:endParaRPr lang="en-US" sz="1800" b="1" dirty="0" smtClean="0"/>
+          </a:p>
+          <a:p>
+            <a:r>
+              <a:rPr lang="en-US" sz="1800" dirty="0"/>
+              <a:t>Our desired schema is a top-level Person class with fields for all personal information as Strings </a:t>
+            </a:r>
+            <a:endParaRPr lang="en-US" sz="1800" dirty="0" smtClean="0"/>
+          </a:p>
+          <a:p>
+            <a:r>
+              <a:rPr lang="en-US" sz="1800" dirty="0" smtClean="0"/>
+              <a:t>and </a:t>
+            </a:r>
+            <a:r>
+              <a:rPr lang="en-US" sz="1800" dirty="0"/>
+              <a:t>an </a:t>
+            </a:r>
+            <a:r>
+              <a:rPr lang="en-US" sz="1800" dirty="0" err="1"/>
+              <a:t>AttendanceRecord</a:t>
+            </a:r>
+            <a:r>
+              <a:rPr lang="en-US" sz="1800" dirty="0"/>
+              <a:t>, which in turn has fields for all </a:t>
+            </a:r>
+            <a:r>
+              <a:rPr lang="en-US" sz="1800" dirty="0" err="1"/>
+              <a:t>Tardies</a:t>
+            </a:r>
+            <a:r>
+              <a:rPr lang="en-US" sz="1800" dirty="0"/>
+              <a:t>, Absences, </a:t>
+            </a:r>
+            <a:r>
+              <a:rPr lang="en-US" sz="1800" dirty="0" err="1"/>
+              <a:t>AbsenceRequests</a:t>
+            </a:r>
+            <a:r>
+              <a:rPr lang="en-US" sz="1800" dirty="0"/>
+              <a:t>, </a:t>
+            </a:r>
+            <a:r>
+              <a:rPr lang="en-US" sz="1800" dirty="0" err="1"/>
+              <a:t>ClassConflictForms</a:t>
+            </a:r>
+            <a:r>
+              <a:rPr lang="en-US" sz="1800" dirty="0"/>
+              <a:t>, etc. The </a:t>
+            </a:r>
+            <a:r>
+              <a:rPr lang="en-US" sz="1800" dirty="0" err="1"/>
+              <a:t>datastore</a:t>
+            </a:r>
+            <a:r>
+              <a:rPr lang="en-US" sz="1800" dirty="0"/>
+              <a:t> also contains a top-level Event object that has child types of Performance and Absence</a:t>
+            </a:r>
+            <a:r>
+              <a:rPr lang="en-US" sz="1800" dirty="0" smtClean="0"/>
+              <a:t>.</a:t>
+            </a:r>
+          </a:p>
+          <a:p>
+            <a:r>
+              <a:rPr lang="en-US" sz="1800" b="1" dirty="0"/>
+              <a:t>public void </a:t>
+            </a:r>
+            <a:r>
+              <a:rPr lang="en-US" sz="1800" b="1" dirty="0" err="1"/>
+              <a:t>setAttendanceRecord</a:t>
+            </a:r>
+            <a:r>
+              <a:rPr lang="en-US" sz="1800" b="1" dirty="0"/>
+              <a:t>(</a:t>
+            </a:r>
+            <a:r>
+              <a:rPr lang="en-US" sz="1800" b="1" dirty="0" err="1"/>
+              <a:t>AttendanceRecord</a:t>
+            </a:r>
+            <a:r>
+              <a:rPr lang="en-US" sz="1800" b="1" dirty="0"/>
+              <a:t> record); </a:t>
+            </a:r>
+            <a:endParaRPr lang="en-US" sz="1800" b="1" dirty="0" smtClean="0"/>
+          </a:p>
+          <a:p>
+            <a:r>
+              <a:rPr lang="en-US" sz="1800" dirty="0" smtClean="0"/>
+              <a:t>This </a:t>
+            </a:r>
+            <a:r>
+              <a:rPr lang="en-US" sz="1800" dirty="0"/>
+              <a:t>method sets the value of a private String field of the User to the key of </a:t>
+            </a:r>
+            <a:r>
+              <a:rPr lang="en-US" sz="1800" dirty="0" err="1"/>
+              <a:t>AttendanceRecord</a:t>
+            </a:r>
+            <a:r>
+              <a:rPr lang="en-US" sz="1800" dirty="0"/>
+              <a:t> record, which is stored as a top-level object in the </a:t>
+            </a:r>
+            <a:r>
+              <a:rPr lang="en-US" sz="1800" dirty="0" err="1"/>
+              <a:t>datastore</a:t>
+            </a:r>
+            <a:r>
+              <a:rPr lang="en-US" sz="1800" dirty="0"/>
+              <a:t>. </a:t>
+            </a:r>
+            <a:endParaRPr lang="en-US" sz="1800" dirty="0" smtClean="0"/>
+          </a:p>
+          <a:p>
+            <a:r>
+              <a:rPr lang="en-US" sz="1800" b="1" dirty="0" smtClean="0"/>
+              <a:t>public </a:t>
+            </a:r>
+            <a:r>
+              <a:rPr lang="en-US" sz="1800" b="1" dirty="0" err="1"/>
+              <a:t>AttendanceRecord</a:t>
+            </a:r>
+            <a:r>
+              <a:rPr lang="en-US" sz="1800" b="1" dirty="0"/>
+              <a:t> </a:t>
+            </a:r>
+            <a:r>
+              <a:rPr lang="en-US" sz="1800" b="1" dirty="0" err="1"/>
+              <a:t>getAttendanceRecord</a:t>
+            </a:r>
+            <a:r>
+              <a:rPr lang="en-US" sz="1800" b="1" dirty="0"/>
+              <a:t>(); </a:t>
+            </a:r>
+            <a:endParaRPr lang="en-US" sz="1800" b="1" dirty="0" smtClean="0"/>
+          </a:p>
+          <a:p>
+            <a:r>
+              <a:rPr lang="en-US" sz="1800" dirty="0" smtClean="0"/>
+              <a:t>This </a:t>
+            </a:r>
+            <a:r>
+              <a:rPr lang="en-US" sz="1800" dirty="0"/>
+              <a:t>queries the database using the private String field of the User that corresponds to the User's Attendance Record. </a:t>
+            </a:r>
+            <a:endParaRPr lang="en-US" sz="1800" dirty="0" smtClean="0"/>
+          </a:p>
+          <a:p>
+            <a:r>
+              <a:rPr lang="en-US" sz="1800" dirty="0" smtClean="0"/>
+              <a:t>We </a:t>
+            </a:r>
+            <a:r>
+              <a:rPr lang="en-US" sz="1800" dirty="0"/>
+              <a:t>add and remove entities from the database using an interface defined in our </a:t>
+            </a:r>
+            <a:r>
+              <a:rPr lang="en-US" sz="1800" dirty="0" err="1"/>
+              <a:t>DatabaseUtil</a:t>
+            </a:r>
+            <a:r>
+              <a:rPr lang="en-US" sz="1800" dirty="0"/>
+              <a:t> class. Simple getters and setters encapsulate the retrieval of the database service and persistence. </a:t>
+            </a:r>
+            <a:endParaRPr lang="en-US" sz="1800" dirty="0" smtClean="0"/>
+          </a:p>
+          <a:p>
+            <a:r>
+              <a:rPr lang="en-US" sz="1800" b="1" dirty="0" smtClean="0"/>
+              <a:t>public </a:t>
+            </a:r>
+            <a:r>
+              <a:rPr lang="en-US" sz="1800" b="1" dirty="0"/>
+              <a:t>static User </a:t>
+            </a:r>
+            <a:r>
+              <a:rPr lang="en-US" sz="1800" b="1" dirty="0" err="1"/>
+              <a:t>getUser</a:t>
+            </a:r>
+            <a:r>
+              <a:rPr lang="en-US" sz="1800" b="1" dirty="0"/>
+              <a:t>(String </a:t>
+            </a:r>
+            <a:r>
+              <a:rPr lang="en-US" sz="1800" b="1" dirty="0" err="1"/>
+              <a:t>netID</a:t>
+            </a:r>
+            <a:r>
+              <a:rPr lang="en-US" sz="1800" b="1" dirty="0"/>
+              <a:t>) </a:t>
+            </a:r>
+            <a:endParaRPr lang="en-US" sz="1800" b="1" dirty="0" smtClean="0"/>
+          </a:p>
+          <a:p>
+            <a:r>
+              <a:rPr lang="en-US" sz="1800" b="1" dirty="0" smtClean="0"/>
+              <a:t>public </a:t>
+            </a:r>
+            <a:r>
+              <a:rPr lang="en-US" sz="1800" b="1" dirty="0"/>
+              <a:t>static void </a:t>
+            </a:r>
+            <a:r>
+              <a:rPr lang="en-US" sz="1800" b="1" dirty="0" err="1"/>
+              <a:t>addUser</a:t>
+            </a:r>
+            <a:r>
+              <a:rPr lang="en-US" sz="1800" b="1" dirty="0"/>
+              <a:t>(User guy</a:t>
+            </a:r>
+            <a:r>
+              <a:rPr lang="en-US" sz="1800" b="1" dirty="0" smtClean="0"/>
+              <a:t>)</a:t>
+            </a:r>
+            <a:endParaRPr lang="en-US" sz="1800" dirty="0"/>
+          </a:p>
+          <a:p>
+            <a:r>
+              <a:rPr lang="en-US" sz="1800" b="1" dirty="0"/>
+              <a:t>public static void </a:t>
+            </a:r>
+            <a:r>
+              <a:rPr lang="en-US" sz="1800" b="1" dirty="0" err="1"/>
+              <a:t>addEvent</a:t>
+            </a:r>
+            <a:r>
+              <a:rPr lang="en-US" sz="1800" b="1" dirty="0"/>
+              <a:t>(Event </a:t>
+            </a:r>
+            <a:r>
+              <a:rPr lang="en-US" sz="1800" b="1" dirty="0" err="1"/>
+              <a:t>toAdd</a:t>
+            </a:r>
+            <a:r>
+              <a:rPr lang="en-US" sz="1800" b="1" dirty="0"/>
+              <a:t>) </a:t>
+            </a:r>
+            <a:endParaRPr lang="en-US" sz="1800" b="1" dirty="0" smtClean="0"/>
+          </a:p>
+          <a:p>
+            <a:r>
+              <a:rPr lang="en-US" sz="1800" b="1" dirty="0" smtClean="0"/>
+              <a:t>public </a:t>
+            </a:r>
+            <a:r>
+              <a:rPr lang="en-US" sz="1800" b="1" dirty="0"/>
+              <a:t>static String[] </a:t>
+            </a:r>
+            <a:r>
+              <a:rPr lang="en-US" sz="1800" b="1" dirty="0" err="1"/>
+              <a:t>listAllUsers</a:t>
+            </a:r>
+            <a:r>
+              <a:rPr lang="en-US" sz="1800" b="1" dirty="0" smtClean="0"/>
+              <a:t>()</a:t>
+            </a:r>
+          </a:p>
+          <a:p>
+            <a:endParaRPr lang="en-US" sz="1800" b="1" dirty="0"/>
+          </a:p>
+          <a:p>
+            <a:r>
+              <a:rPr lang="en-US" sz="1800" b="1" dirty="0" smtClean="0"/>
+              <a:t>1.2 http</a:t>
+            </a:r>
+            <a:r>
+              <a:rPr lang="en-US" sz="1800" b="1" dirty="0"/>
+              <a:t>:// Communication Between Mobile Application and Server</a:t>
+            </a:r>
+          </a:p>
+          <a:p>
+            <a:r>
+              <a:rPr lang="en-US" sz="1800" dirty="0"/>
+              <a:t>This is accomplished through a data serialization interface. The mobile app needs to send all relevant data currently stored in </a:t>
+            </a:r>
+            <a:r>
+              <a:rPr lang="en-US" sz="1800" dirty="0" err="1"/>
+              <a:t>localStorage</a:t>
+            </a:r>
+            <a:r>
+              <a:rPr lang="en-US" sz="1800" dirty="0"/>
+              <a:t> to the server. It concatenates the keys of all absences, </a:t>
+            </a:r>
+            <a:r>
+              <a:rPr lang="en-US" sz="1800" dirty="0" err="1"/>
+              <a:t>tardies</a:t>
+            </a:r>
+            <a:r>
+              <a:rPr lang="en-US" sz="1800" dirty="0"/>
+              <a:t>, and events stored in </a:t>
+            </a:r>
+            <a:r>
+              <a:rPr lang="en-US" sz="1800" dirty="0" err="1"/>
+              <a:t>localStorage</a:t>
+            </a:r>
+            <a:r>
+              <a:rPr lang="en-US" sz="1800" dirty="0"/>
+              <a:t> (both as described above) into a comma-delimited string that is sent to the server via an HTML POST request and parsed using a servlet's </a:t>
+            </a:r>
+            <a:r>
+              <a:rPr lang="en-US" sz="1800" dirty="0" err="1"/>
+              <a:t>doPost</a:t>
+            </a:r>
+            <a:r>
+              <a:rPr lang="en-US" sz="1800" dirty="0"/>
+              <a:t> method. This interface for serialization makes parsing easy, as two calls to </a:t>
+            </a:r>
+            <a:r>
+              <a:rPr lang="en-US" sz="1800" dirty="0" err="1"/>
+              <a:t>String.split</a:t>
+            </a:r>
+            <a:r>
+              <a:rPr lang="en-US" sz="1800" dirty="0"/>
+              <a:t>(char delimiter) can create a 2D array of everything that was previously stored in </a:t>
+            </a:r>
+            <a:r>
+              <a:rPr lang="en-US" sz="1800" dirty="0" err="1"/>
+              <a:t>localStorage</a:t>
+            </a:r>
+            <a:r>
+              <a:rPr lang="en-US" sz="1800" dirty="0"/>
+              <a:t> at the client side</a:t>
+            </a:r>
+            <a:r>
+              <a:rPr lang="en-US" sz="1800" dirty="0" smtClean="0"/>
+              <a:t>.</a:t>
+            </a:r>
+          </a:p>
+          <a:p>
+            <a:endParaRPr lang="en-US" sz="1800" b="1" dirty="0" smtClean="0"/>
+          </a:p>
+          <a:p>
+            <a:r>
+              <a:rPr lang="en-US" sz="1800" b="1" dirty="0" smtClean="0"/>
+              <a:t>1.3 Mobile </a:t>
+            </a:r>
+            <a:r>
+              <a:rPr lang="en-US" sz="1800" b="1" dirty="0"/>
+              <a:t>Application html5 </a:t>
+            </a:r>
+            <a:r>
+              <a:rPr lang="en-US" sz="1800" b="1" dirty="0" err="1" smtClean="0"/>
+              <a:t>localStorage</a:t>
+            </a:r>
+            <a:endParaRPr lang="en-US" sz="1800" b="1" dirty="0" smtClean="0"/>
+          </a:p>
+          <a:p>
+            <a:r>
+              <a:rPr lang="en-US" sz="1800" dirty="0"/>
+              <a:t>HTML5 </a:t>
+            </a:r>
+            <a:r>
+              <a:rPr lang="en-US" sz="1800" dirty="0" err="1"/>
+              <a:t>localStorage</a:t>
+            </a:r>
+            <a:r>
+              <a:rPr lang="en-US" sz="1800" dirty="0"/>
+              <a:t> is a key-value map that deals only with Strings. Because of the many types of data we store in </a:t>
+            </a:r>
+            <a:r>
+              <a:rPr lang="en-US" sz="1800" dirty="0" err="1"/>
+              <a:t>localStorage</a:t>
+            </a:r>
+            <a:r>
+              <a:rPr lang="en-US" sz="1800" dirty="0"/>
+              <a:t>, we defined an interface for the common serialization of four different data types: Users, events, </a:t>
+            </a:r>
+            <a:r>
+              <a:rPr lang="en-US" sz="1800" dirty="0" err="1"/>
+              <a:t>tardies</a:t>
+            </a:r>
+            <a:r>
+              <a:rPr lang="en-US" sz="1800" dirty="0"/>
+              <a:t>, and absences</a:t>
+            </a:r>
+            <a:r>
+              <a:rPr lang="en-US" sz="1800" dirty="0" smtClean="0"/>
+              <a:t>.</a:t>
+            </a:r>
+            <a:endParaRPr lang="en-US" sz="1800" b="1" dirty="0"/>
+          </a:p>
+          <a:p>
+            <a:r>
+              <a:rPr lang="en-US" sz="1800" b="1" dirty="0"/>
+              <a:t>Example for an absence: "</a:t>
+            </a:r>
+            <a:r>
+              <a:rPr lang="en-US" sz="1800" b="1" dirty="0" err="1"/>
+              <a:t>absentStudentRehearsal</a:t>
+            </a:r>
+            <a:r>
+              <a:rPr lang="en-US" sz="1800" b="1" dirty="0"/>
+              <a:t> Curtis </a:t>
+            </a:r>
+            <a:r>
+              <a:rPr lang="en-US" sz="1800" b="1" dirty="0" err="1"/>
+              <a:t>Ullerich</a:t>
+            </a:r>
+            <a:r>
+              <a:rPr lang="en-US" sz="1800" b="1" dirty="0"/>
+              <a:t> </a:t>
+            </a:r>
+            <a:r>
+              <a:rPr lang="en-US" sz="1800" b="1" dirty="0" err="1"/>
+              <a:t>curtisu</a:t>
+            </a:r>
+            <a:r>
+              <a:rPr lang="en-US" sz="1800" b="1" dirty="0"/>
+              <a:t> 2012-3-28 1630 1750 000001" </a:t>
+            </a:r>
+            <a:endParaRPr lang="en-US" sz="1800" b="1" dirty="0" smtClean="0"/>
+          </a:p>
+          <a:p>
+            <a:r>
+              <a:rPr lang="en-US" sz="1800" dirty="0" smtClean="0"/>
+              <a:t>This </a:t>
+            </a:r>
+            <a:r>
+              <a:rPr lang="en-US" sz="1800" dirty="0"/>
+              <a:t>allows for </a:t>
+            </a:r>
+            <a:r>
+              <a:rPr lang="en-US" sz="1800" dirty="0" err="1"/>
+              <a:t>util</a:t>
+            </a:r>
+            <a:r>
+              <a:rPr lang="en-US" sz="1800" dirty="0"/>
+              <a:t> functions for storing and retrieving items from </a:t>
+            </a:r>
+            <a:r>
+              <a:rPr lang="en-US" sz="1800" dirty="0" err="1"/>
+              <a:t>localstorage</a:t>
+            </a:r>
+            <a:r>
+              <a:rPr lang="en-US" sz="1800" dirty="0"/>
+              <a:t>, as well as searching and aggregating entities of a particular type for sorting, storing, </a:t>
+            </a:r>
+            <a:r>
+              <a:rPr lang="en-US" sz="1800" dirty="0" err="1"/>
+              <a:t>POSTing</a:t>
+            </a:r>
+            <a:r>
+              <a:rPr lang="en-US" sz="1800" dirty="0"/>
+              <a:t>, etc</a:t>
+            </a:r>
+            <a:r>
+              <a:rPr lang="en-US" sz="1800" dirty="0" smtClean="0"/>
+              <a:t>.</a:t>
+            </a:r>
+          </a:p>
+          <a:p>
+            <a:endParaRPr lang="en-US" sz="1800" b="1" dirty="0"/>
+          </a:p>
+          <a:p>
+            <a:r>
+              <a:rPr lang="en-US" sz="1800" b="1" dirty="0" smtClean="0"/>
+              <a:t>1.4 JSP-Backend </a:t>
+            </a:r>
+            <a:endParaRPr lang="en-US" sz="1800" b="1" dirty="0"/>
+          </a:p>
+          <a:p>
+            <a:r>
+              <a:rPr lang="en-US" sz="1800" dirty="0"/>
+              <a:t>The JSPs that comprise the GUI for our web application pull user information from the </a:t>
+            </a:r>
+            <a:r>
+              <a:rPr lang="en-US" sz="1800" dirty="0" err="1"/>
+              <a:t>datastore</a:t>
+            </a:r>
+            <a:r>
+              <a:rPr lang="en-US" sz="1800" dirty="0"/>
+              <a:t> using the interface defined in 5.1.1 above. We use a standard interface for servlets for pushing data to the server using an HTML POST request: </a:t>
+            </a:r>
+            <a:endParaRPr lang="en-US" sz="1800" dirty="0" smtClean="0"/>
+          </a:p>
+          <a:p>
+            <a:r>
+              <a:rPr lang="en-US" sz="1800" b="1" dirty="0" smtClean="0"/>
+              <a:t>public </a:t>
+            </a:r>
+            <a:r>
+              <a:rPr lang="en-US" sz="1800" b="1" dirty="0"/>
+              <a:t>void </a:t>
+            </a:r>
+            <a:r>
+              <a:rPr lang="en-US" sz="1800" b="1" dirty="0" err="1"/>
+              <a:t>doPost</a:t>
+            </a:r>
+            <a:r>
+              <a:rPr lang="en-US" sz="1800" b="1" dirty="0"/>
+              <a:t>(</a:t>
+            </a:r>
+            <a:r>
+              <a:rPr lang="en-US" sz="1800" b="1" dirty="0" err="1"/>
+              <a:t>HttpServletRequest</a:t>
+            </a:r>
+            <a:r>
+              <a:rPr lang="en-US" sz="1800" b="1" dirty="0"/>
+              <a:t> </a:t>
+            </a:r>
+            <a:r>
+              <a:rPr lang="en-US" sz="1800" b="1" dirty="0" err="1"/>
+              <a:t>req</a:t>
+            </a:r>
+            <a:r>
+              <a:rPr lang="en-US" sz="1800" b="1" dirty="0"/>
+              <a:t>, </a:t>
+            </a:r>
+            <a:r>
+              <a:rPr lang="en-US" sz="1800" b="1" dirty="0" err="1"/>
+              <a:t>HttpServletResponse</a:t>
+            </a:r>
+            <a:r>
+              <a:rPr lang="en-US" sz="1800" b="1" dirty="0"/>
+              <a:t> </a:t>
+            </a:r>
+            <a:r>
+              <a:rPr lang="en-US" sz="1800" b="1" dirty="0" err="1"/>
+              <a:t>resp</a:t>
+            </a:r>
+            <a:r>
+              <a:rPr lang="en-US" sz="1800" b="1" dirty="0"/>
+              <a:t>) </a:t>
+            </a:r>
+            <a:endParaRPr lang="en-US" sz="1800" b="1" dirty="0" smtClean="0"/>
+          </a:p>
+          <a:p>
+            <a:r>
+              <a:rPr lang="en-US" sz="1800" dirty="0" smtClean="0"/>
+              <a:t>For </a:t>
+            </a:r>
+            <a:r>
+              <a:rPr lang="en-US" sz="1800" dirty="0"/>
+              <a:t>each type of servlet necessary (in which we send various types of data and handle the POST differently), we use this method to accept data. Each servlet class extends </a:t>
+            </a:r>
+            <a:r>
+              <a:rPr lang="en-US" sz="1800" dirty="0" err="1"/>
+              <a:t>HttpServlet</a:t>
+            </a:r>
+            <a:r>
+              <a:rPr lang="en-US" sz="1800" dirty="0"/>
+              <a:t>. </a:t>
+            </a:r>
+            <a:endParaRPr lang="en-US" sz="1800" dirty="0" smtClean="0"/>
+          </a:p>
+          <a:p>
+            <a:r>
+              <a:rPr lang="en-US" sz="1800" dirty="0" smtClean="0"/>
+              <a:t>From </a:t>
+            </a:r>
+            <a:r>
+              <a:rPr lang="en-US" sz="1800" dirty="0"/>
+              <a:t>the HTML page, a POST is done as the method of a standard HTML form and sends the values of all form fields to the servlet, where they are processed in our </a:t>
+            </a:r>
+            <a:r>
+              <a:rPr lang="en-US" sz="1800" dirty="0" err="1"/>
+              <a:t>doPost</a:t>
+            </a:r>
+            <a:r>
+              <a:rPr lang="en-US" sz="1800" dirty="0"/>
+              <a:t> method.</a:t>
+            </a:r>
+            <a:endParaRPr lang="en-US" sz="1800" b="1" dirty="0" smtClean="0"/>
+          </a:p>
+          <a:p>
+            <a:r>
+              <a:rPr lang="en-US" sz="6000" b="1" dirty="0" smtClean="0"/>
+              <a:t>Design Decisions:</a:t>
+            </a:r>
+          </a:p>
+          <a:p>
+            <a:pPr>
+              <a:buFont typeface="Arial" pitchFamily="34" charset="0"/>
+              <a:buChar char="•"/>
+            </a:pPr>
+            <a:r>
+              <a:rPr lang="en-US" sz="2800" dirty="0"/>
+              <a:t>Google App Engine. </a:t>
+            </a:r>
+            <a:endParaRPr lang="en-US" sz="2800" dirty="0" smtClean="0"/>
+          </a:p>
+          <a:p>
+            <a:pPr>
+              <a:buFont typeface="Arial" pitchFamily="34" charset="0"/>
+              <a:buChar char="•"/>
+            </a:pPr>
+            <a:r>
+              <a:rPr lang="en-US" sz="2800" dirty="0"/>
+              <a:t>Java </a:t>
+            </a:r>
+            <a:r>
+              <a:rPr lang="en-US" sz="2800" dirty="0" smtClean="0"/>
+              <a:t> and  html5</a:t>
+            </a:r>
+          </a:p>
+          <a:p>
+            <a:pPr>
+              <a:buFont typeface="Arial" pitchFamily="34" charset="0"/>
+              <a:buChar char="•"/>
+            </a:pPr>
+            <a:r>
+              <a:rPr lang="en-US" sz="2800" dirty="0" smtClean="0"/>
+              <a:t>common </a:t>
+            </a:r>
+            <a:r>
+              <a:rPr lang="en-US" sz="2800" dirty="0"/>
+              <a:t>methods </a:t>
+            </a:r>
+            <a:r>
+              <a:rPr lang="en-US" sz="2800" dirty="0" smtClean="0"/>
+              <a:t>in  </a:t>
+            </a:r>
+            <a:r>
+              <a:rPr lang="en-US" sz="2800" dirty="0"/>
+              <a:t>all the sub-classes</a:t>
+            </a:r>
+            <a:r>
+              <a:rPr lang="en-US" sz="2800" dirty="0" smtClean="0"/>
+              <a:t> </a:t>
+            </a:r>
+          </a:p>
+          <a:p>
+            <a:pPr>
+              <a:buFont typeface="Arial" pitchFamily="34" charset="0"/>
+              <a:buChar char="•"/>
+            </a:pPr>
+            <a:r>
+              <a:rPr lang="en-US" sz="2800" dirty="0"/>
+              <a:t>store the information in the </a:t>
+            </a:r>
+            <a:r>
+              <a:rPr lang="en-US" sz="2800" dirty="0" smtClean="0"/>
+              <a:t> KEY</a:t>
+            </a:r>
+            <a:endParaRPr lang="en-US" sz="5400" dirty="0" smtClean="0"/>
+          </a:p>
+          <a:p>
+            <a:endParaRPr lang="en-US" sz="6000" b="1" dirty="0" smtClean="0"/>
+          </a:p>
+          <a:p>
+            <a:endParaRPr lang="en-US" sz="6000" b="1" dirty="0"/>
+          </a:p>
+        </p:txBody>
+      </p:sp>
+      <p:sp>
+        <p:nvSpPr>
+          <p:cNvPr id="23" name="TextBox 22"/>
+          <p:cNvSpPr txBox="1"/>
+          <p:nvPr/>
+        </p:nvSpPr>
+        <p:spPr>
+          <a:xfrm>
+            <a:off x="17145000" y="27355800"/>
+            <a:ext cx="13411200" cy="26130230"/>
+          </a:xfrm>
+          <a:prstGeom prst="rect">
+            <a:avLst/>
+          </a:prstGeom>
+          <a:noFill/>
+        </p:spPr>
+        <p:txBody>
+          <a:bodyPr wrap="square" rtlCol="0">
+            <a:spAutoFit/>
+          </a:bodyPr>
+          <a:lstStyle/>
+          <a:p>
+            <a:r>
+              <a:rPr lang="en-US" sz="6600" b="1" dirty="0" smtClean="0"/>
+              <a:t>Team Info:</a:t>
             </a:r>
           </a:p>
           <a:p>
             <a:r>
               <a:rPr lang="en-US" sz="4400" dirty="0" smtClean="0"/>
-              <a:t>Students</a:t>
+              <a:t>Team B4</a:t>
+            </a:r>
+          </a:p>
+          <a:p>
+            <a:r>
+              <a:rPr lang="en-US" sz="4400" dirty="0" smtClean="0"/>
+              <a:t>Brandon Maxwell – COM S</a:t>
+            </a:r>
+            <a:endParaRPr lang="en-US" sz="4400" dirty="0"/>
+          </a:p>
+          <a:p>
+            <a:r>
+              <a:rPr lang="en-US" sz="4400" dirty="0"/>
+              <a:t>Yifei Zhu –  CPR </a:t>
+            </a:r>
+            <a:r>
+              <a:rPr lang="en-US" sz="4400" dirty="0" smtClean="0"/>
+              <a:t>E</a:t>
+            </a:r>
+          </a:p>
+          <a:p>
+            <a:r>
+              <a:rPr lang="en-US" sz="4400" dirty="0" smtClean="0"/>
+              <a:t>Curtis </a:t>
+            </a:r>
+            <a:r>
+              <a:rPr lang="en-US" sz="4400" dirty="0" err="1" smtClean="0"/>
+              <a:t>Ullerich</a:t>
+            </a:r>
+            <a:r>
+              <a:rPr lang="en-US" sz="4400" dirty="0" smtClean="0"/>
+              <a:t> – CPR E</a:t>
+            </a:r>
+            <a:endParaRPr lang="en-US" sz="4400" dirty="0"/>
+          </a:p>
+          <a:p>
+            <a:r>
+              <a:rPr lang="en-US" sz="4400" dirty="0"/>
+              <a:t>Todd </a:t>
+            </a:r>
+            <a:r>
+              <a:rPr lang="en-US" sz="4400" dirty="0" err="1" smtClean="0"/>
+              <a:t>Wegter</a:t>
+            </a:r>
+            <a:r>
+              <a:rPr lang="en-US" sz="4400" dirty="0" smtClean="0"/>
+              <a:t> – CPR E</a:t>
+            </a:r>
+            <a:endParaRPr lang="en-US" sz="4400" dirty="0"/>
+          </a:p>
+          <a:p>
+            <a:endParaRPr lang="en-US" sz="6600" b="1" dirty="0" smtClean="0"/>
+          </a:p>
+          <a:p>
+            <a:r>
+              <a:rPr lang="en-US" sz="6600" b="1" dirty="0" smtClean="0"/>
+              <a:t>What went wrong:</a:t>
+            </a:r>
+          </a:p>
+          <a:p>
+            <a:pPr>
+              <a:buFont typeface="Arial" pitchFamily="34" charset="0"/>
+              <a:buChar char="•"/>
+            </a:pPr>
+            <a:r>
+              <a:rPr lang="en-US" sz="4400" dirty="0" smtClean="0"/>
+              <a:t>We couldn’t </a:t>
+            </a:r>
+            <a:r>
+              <a:rPr lang="en-US" sz="4400" dirty="0"/>
+              <a:t>use polymorphism</a:t>
             </a:r>
             <a:endParaRPr lang="en-US" sz="4400" dirty="0" smtClean="0"/>
           </a:p>
           <a:p>
+            <a:endParaRPr lang="en-US" sz="6600" b="1" dirty="0" smtClean="0"/>
+          </a:p>
+          <a:p>
+            <a:r>
+              <a:rPr lang="en-US" sz="6600" b="1" dirty="0" smtClean="0"/>
+              <a:t>      What went right: </a:t>
+            </a:r>
+          </a:p>
+          <a:p>
+            <a:pPr lvl="1">
+              <a:buFont typeface="Arial" pitchFamily="34" charset="0"/>
+              <a:buChar char="•"/>
+            </a:pPr>
             <a:r>
               <a:rPr lang="en-US" sz="4400" dirty="0" smtClean="0"/>
-              <a:t>Director</a:t>
-            </a:r>
-          </a:p>
-          <a:p>
+              <a:t>   Working complete project</a:t>
+            </a:r>
+          </a:p>
+          <a:p>
+            <a:pPr lvl="1">
+              <a:buFont typeface="Arial" pitchFamily="34" charset="0"/>
+              <a:buChar char="•"/>
+            </a:pPr>
             <a:r>
               <a:rPr lang="en-US" sz="4400" dirty="0" smtClean="0"/>
-              <a:t>TA</a:t>
-            </a:r>
-            <a:endParaRPr lang="en-US" sz="4400" dirty="0" smtClean="0"/>
-          </a:p>
-          <a:p>
-            <a:endParaRPr lang="en-US" dirty="0"/>
-          </a:p>
-          <a:p>
-            <a:endParaRPr lang="en-US" dirty="0"/>
+              <a:t>   Tool can be able to use by ISU Marching Band</a:t>
+            </a:r>
+            <a:endParaRPr lang="en-US" sz="4400" dirty="0"/>
+          </a:p>
+          <a:p>
+            <a:r>
+              <a:rPr lang="en-US" sz="6600" b="1" dirty="0" smtClean="0"/>
+              <a:t>      </a:t>
+            </a:r>
+          </a:p>
+          <a:p>
+            <a:r>
+              <a:rPr lang="en-US" sz="6600" b="1" dirty="0" smtClean="0"/>
+              <a:t>      Lessons Learned:</a:t>
+            </a:r>
+          </a:p>
+          <a:p>
+            <a:pPr lvl="1">
+              <a:buFont typeface="Arial" pitchFamily="34" charset="0"/>
+              <a:buChar char="•"/>
+            </a:pPr>
+            <a:r>
+              <a:rPr lang="en-US" sz="4400" dirty="0" smtClean="0"/>
+              <a:t>     Database , </a:t>
+            </a:r>
+            <a:r>
+              <a:rPr lang="en-US" sz="4400" dirty="0" err="1" smtClean="0"/>
+              <a:t>Javascript</a:t>
+            </a:r>
+            <a:r>
+              <a:rPr lang="en-US" sz="4400" dirty="0" smtClean="0"/>
+              <a:t>, HTML, Google App Engine    </a:t>
+            </a:r>
+            <a:endParaRPr lang="en-US" sz="4400" dirty="0"/>
+          </a:p>
+          <a:p>
+            <a:endParaRPr lang="en-US" sz="6600" b="1" dirty="0"/>
+          </a:p>
+          <a:p>
+            <a:endParaRPr lang="en-US" sz="6600" b="1" dirty="0" smtClean="0"/>
+          </a:p>
+          <a:p>
+            <a:endParaRPr lang="en-US" sz="6600" b="1" dirty="0"/>
+          </a:p>
+          <a:p>
+            <a:endParaRPr lang="en-US" sz="6600" b="1" dirty="0" smtClean="0"/>
+          </a:p>
+          <a:p>
+            <a:endParaRPr lang="en-US" sz="6600" b="1" dirty="0"/>
+          </a:p>
+          <a:p>
+            <a:endParaRPr lang="en-US" sz="6600" b="1" dirty="0" smtClean="0"/>
+          </a:p>
+          <a:p>
+            <a:endParaRPr lang="en-US" sz="6600" b="1" dirty="0"/>
+          </a:p>
+          <a:p>
+            <a:endParaRPr lang="en-US" sz="6600" b="1" dirty="0" smtClean="0"/>
+          </a:p>
+          <a:p>
+            <a:endParaRPr lang="en-US" sz="6600" b="1" dirty="0"/>
+          </a:p>
+          <a:p>
+            <a:endParaRPr lang="en-US" sz="6600" b="1" dirty="0" smtClean="0"/>
+          </a:p>
+          <a:p>
+            <a:endParaRPr lang="en-US" b="1" dirty="0"/>
           </a:p>
         </p:txBody>
       </p:sp>
       <p:pic>
         <p:nvPicPr>
-          <p:cNvPr id="1026" name="Picture 2" descr="untitled"/>
+          <p:cNvPr id="2" name="Picture 2" descr="C:\Users\yzhu\Desktop\delete\Capture.PNG"/>
           <p:cNvPicPr>
             <a:picLocks noChangeAspect="1" noChangeArrowheads="1"/>
           </p:cNvPicPr>
           <p:nvPr/>
         </p:nvPicPr>
         <p:blipFill>
-          <a:blip r:embed="rId3"/>
+          <a:blip r:embed="rId3">
+            <a:extLst>
+              <a:ext uri="{28A0092B-C50C-407E-A947-70E740481C1C}">
+                <a14:useLocalDpi xmlns:a14="http://schemas.microsoft.com/office/drawing/2010/main" val="0"/>
+              </a:ext>
+            </a:extLst>
+          </a:blip>
           <a:srcRect/>
           <a:stretch>
             <a:fillRect/>
@@ -3884,627 +5039,49 @@
         </p:blipFill>
         <p:spPr bwMode="auto">
           <a:xfrm>
-            <a:off x="10515600" y="17145000"/>
-            <a:ext cx="11201400" cy="8451356"/>
+            <a:off x="11261725" y="16748120"/>
+            <a:ext cx="9861550" cy="10120585"/>
           </a:xfrm>
           <a:prstGeom prst="rect">
             <a:avLst/>
           </a:prstGeom>
-          <a:noFill/>
-          <a:ln w="9525">
+          <a:ln>
             <a:noFill/>
-            <a:miter lim="800000"/>
-            <a:headEnd/>
-            <a:tailEnd/>
           </a:ln>
+          <a:effectLst>
+            <a:outerShdw blurRad="190500" algn="tl" rotWithShape="0">
+              <a:srgbClr val="000000">
+                <a:alpha val="70000"/>
+              </a:srgbClr>
+            </a:outerShdw>
+          </a:effectLst>
+          <a:extLst>
+            <a:ext uri="{909E8E84-426E-40DD-AFC4-6F175D3DCCD1}">
+              <a14:hiddenFill xmlns:a14="http://schemas.microsoft.com/office/drawing/2010/main">
+                <a:solidFill>
+                  <a:srgbClr val="FFFFFF"/>
+                </a:solidFill>
+              </a14:hiddenFill>
+            </a:ext>
+          </a:extLst>
         </p:spPr>
       </p:pic>
-      <p:sp>
-        <p:nvSpPr>
-          <p:cNvPr id="13" name="Rounded Rectangle 12"/>
-          <p:cNvSpPr/>
-          <p:nvPr/>
-        </p:nvSpPr>
-        <p:spPr>
-          <a:xfrm>
-            <a:off x="15316200" y="26441400"/>
-            <a:ext cx="15544800" cy="16154400"/>
-          </a:xfrm>
-          <a:prstGeom prst="roundRect">
-            <a:avLst/>
-          </a:prstGeom>
-          <a:solidFill>
-            <a:srgbClr val="FA8F00"/>
-          </a:solidFill>
-        </p:spPr>
-        <p:style>
-          <a:lnRef idx="2">
-            <a:schemeClr val="accent1">
-              <a:shade val="50000"/>
-            </a:schemeClr>
-          </a:lnRef>
-          <a:fillRef idx="1">
-            <a:schemeClr val="accent1"/>
-          </a:fillRef>
-          <a:effectRef idx="0">
-            <a:schemeClr val="accent1"/>
-          </a:effectRef>
-          <a:fontRef idx="minor">
-            <a:schemeClr val="lt1"/>
-          </a:fontRef>
-        </p:style>
-        <p:txBody>
-          <a:bodyPr rtlCol="0" anchor="ctr"/>
-          <a:lstStyle/>
-          <a:p>
-            <a:pPr algn="ctr"/>
-            <a:endParaRPr lang="en-US"/>
-          </a:p>
-        </p:txBody>
-      </p:sp>
-      <p:sp>
-        <p:nvSpPr>
-          <p:cNvPr id="15" name="TextBox 14"/>
-          <p:cNvSpPr txBox="1"/>
-          <p:nvPr/>
-        </p:nvSpPr>
-        <p:spPr>
-          <a:xfrm>
-            <a:off x="17602200" y="10515600"/>
-            <a:ext cx="12801600" cy="9233297"/>
-          </a:xfrm>
-          <a:prstGeom prst="rect">
-            <a:avLst/>
-          </a:prstGeom>
-          <a:noFill/>
-        </p:spPr>
-        <p:txBody>
-          <a:bodyPr wrap="square" rtlCol="0">
-            <a:spAutoFit/>
-          </a:bodyPr>
-          <a:lstStyle/>
-          <a:p>
-            <a:r>
-              <a:rPr lang="en-US" sz="6600" b="1" dirty="0" smtClean="0"/>
-              <a:t>User </a:t>
-            </a:r>
-            <a:r>
-              <a:rPr lang="en-US" sz="6600" b="1" dirty="0" smtClean="0"/>
-              <a:t>Interfaces --TODO</a:t>
-            </a:r>
-            <a:endParaRPr lang="en-US" sz="6600" b="1" dirty="0" smtClean="0"/>
-          </a:p>
-          <a:p>
-            <a:pPr>
-              <a:buFont typeface="Arial" pitchFamily="34" charset="0"/>
-              <a:buChar char="•"/>
-            </a:pPr>
-            <a:r>
-              <a:rPr lang="en-US" sz="4400" dirty="0" smtClean="0"/>
-              <a:t>Schedule Creator</a:t>
-            </a:r>
-          </a:p>
-          <a:p>
-            <a:r>
-              <a:rPr lang="en-US" sz="4400" dirty="0" smtClean="0"/>
-              <a:t>User inputs their class schedule</a:t>
-            </a:r>
-          </a:p>
-          <a:p>
-            <a:pPr>
-              <a:buFont typeface="Arial" pitchFamily="34" charset="0"/>
-              <a:buChar char="•"/>
-            </a:pPr>
-            <a:r>
-              <a:rPr lang="en-US" sz="4400" dirty="0" smtClean="0"/>
-              <a:t>Text Schedule Viewer</a:t>
-            </a:r>
-          </a:p>
-          <a:p>
-            <a:r>
-              <a:rPr lang="en-US" sz="4400" dirty="0" smtClean="0"/>
-              <a:t>User views their generated schedule</a:t>
-            </a:r>
-          </a:p>
-          <a:p>
-            <a:pPr>
-              <a:buFont typeface="Arial" pitchFamily="34" charset="0"/>
-              <a:buChar char="•"/>
-            </a:pPr>
-            <a:r>
-              <a:rPr lang="en-US" sz="4400" dirty="0" smtClean="0"/>
-              <a:t>Interactive Map</a:t>
-            </a:r>
-          </a:p>
-          <a:p>
-            <a:r>
-              <a:rPr lang="en-US" sz="4400" dirty="0" smtClean="0"/>
-              <a:t>User can view where on the map the bus stops are located</a:t>
-            </a:r>
-          </a:p>
-          <a:p>
-            <a:pPr lvl="3">
-              <a:buFont typeface="Arial" pitchFamily="34" charset="0"/>
-              <a:buChar char="•"/>
-            </a:pPr>
-            <a:r>
-              <a:rPr lang="en-US" sz="4400" dirty="0" smtClean="0"/>
-              <a:t>Administration  Data Editor</a:t>
-            </a:r>
-          </a:p>
-          <a:p>
-            <a:r>
-              <a:rPr lang="en-US" sz="4400" dirty="0" smtClean="0"/>
-              <a:t>	                  Allows for changes to the 	                  data used in calculating 	                  the routes</a:t>
-            </a:r>
-            <a:endParaRPr lang="en-US" sz="4400" dirty="0"/>
-          </a:p>
-        </p:txBody>
-      </p:sp>
-      <p:sp>
-        <p:nvSpPr>
-          <p:cNvPr id="12" name="Rounded Rectangle 11"/>
-          <p:cNvSpPr/>
-          <p:nvPr/>
-        </p:nvSpPr>
-        <p:spPr>
-          <a:xfrm>
-            <a:off x="1752600" y="25222200"/>
-            <a:ext cx="12115800" cy="16611600"/>
-          </a:xfrm>
-          <a:prstGeom prst="roundRect">
-            <a:avLst/>
-          </a:prstGeom>
-          <a:solidFill>
-            <a:srgbClr val="19FE0E"/>
-          </a:solidFill>
-        </p:spPr>
-        <p:style>
-          <a:lnRef idx="2">
-            <a:schemeClr val="accent1">
-              <a:shade val="50000"/>
-            </a:schemeClr>
-          </a:lnRef>
-          <a:fillRef idx="1">
-            <a:schemeClr val="accent1"/>
-          </a:fillRef>
-          <a:effectRef idx="0">
-            <a:schemeClr val="accent1"/>
-          </a:effectRef>
-          <a:fontRef idx="minor">
-            <a:schemeClr val="lt1"/>
-          </a:fontRef>
-        </p:style>
-        <p:txBody>
-          <a:bodyPr rtlCol="0" anchor="ctr"/>
-          <a:lstStyle/>
-          <a:p>
-            <a:pPr algn="ctr"/>
-            <a:endParaRPr lang="en-US"/>
-          </a:p>
-        </p:txBody>
-      </p:sp>
-      <p:sp>
-        <p:nvSpPr>
-          <p:cNvPr id="17" name="TextBox 16"/>
-          <p:cNvSpPr txBox="1"/>
-          <p:nvPr/>
-        </p:nvSpPr>
-        <p:spPr>
-          <a:xfrm>
-            <a:off x="2438400" y="25527000"/>
-            <a:ext cx="10668000" cy="19051369"/>
-          </a:xfrm>
-          <a:prstGeom prst="rect">
-            <a:avLst/>
-          </a:prstGeom>
-          <a:noFill/>
-        </p:spPr>
-        <p:txBody>
-          <a:bodyPr wrap="square" rtlCol="0">
-            <a:spAutoFit/>
-          </a:bodyPr>
-          <a:lstStyle/>
-          <a:p>
-            <a:r>
-              <a:rPr lang="en-US" sz="6000" b="1" dirty="0" smtClean="0"/>
-              <a:t>Module Interfaces</a:t>
-            </a:r>
-            <a:r>
-              <a:rPr lang="en-US" sz="6000" b="1" dirty="0" smtClean="0"/>
-              <a:t>: --TODO</a:t>
-            </a:r>
-            <a:endParaRPr lang="en-US" sz="6000" b="1" dirty="0" smtClean="0"/>
-          </a:p>
-          <a:p>
-            <a:r>
-              <a:rPr lang="en-US" sz="1800" b="1" dirty="0"/>
-              <a:t>GUI-Error Checking Interface</a:t>
-            </a:r>
-          </a:p>
-          <a:p>
-            <a:r>
-              <a:rPr lang="en-US" sz="1800" dirty="0"/>
-              <a:t>The GUI and Error Checking subsystem interact through an interface.  The GUI sends data that the user has placed on the form.  The error checker then checks the data and returns false if the data is incorrect.  </a:t>
-            </a:r>
-          </a:p>
-          <a:p>
-            <a:r>
-              <a:rPr lang="en-US" sz="1800" b="1" dirty="0"/>
-              <a:t>private </a:t>
-            </a:r>
-            <a:r>
-              <a:rPr lang="en-US" sz="1800" b="1" dirty="0" err="1"/>
-              <a:t>boolean</a:t>
-            </a:r>
-            <a:r>
-              <a:rPr lang="en-US" sz="1800" b="1" dirty="0"/>
-              <a:t> </a:t>
-            </a:r>
-            <a:r>
-              <a:rPr lang="en-US" sz="1800" b="1" dirty="0" err="1"/>
-              <a:t>checkInputs</a:t>
-            </a:r>
-            <a:r>
-              <a:rPr lang="en-US" sz="1800" b="1" dirty="0"/>
-              <a:t>(String[ ] data)</a:t>
-            </a:r>
-          </a:p>
-          <a:p>
-            <a:r>
-              <a:rPr lang="en-US" sz="1800" dirty="0"/>
-              <a:t>This method checks for invalid inputs from the user.</a:t>
-            </a:r>
-          </a:p>
-          <a:p>
-            <a:r>
-              <a:rPr lang="en-US" sz="1800" b="1" dirty="0"/>
-              <a:t>private String[ ] </a:t>
-            </a:r>
-            <a:r>
-              <a:rPr lang="en-US" sz="1800" b="1" dirty="0" err="1"/>
-              <a:t>getFile</a:t>
-            </a:r>
-            <a:r>
-              <a:rPr lang="en-US" sz="1800" b="1" dirty="0"/>
-              <a:t>(File </a:t>
-            </a:r>
-            <a:r>
-              <a:rPr lang="en-US" sz="1800" b="1" dirty="0" err="1"/>
-              <a:t>file</a:t>
-            </a:r>
-            <a:r>
-              <a:rPr lang="en-US" sz="1800" b="1" dirty="0"/>
-              <a:t>)</a:t>
-            </a:r>
-          </a:p>
-          <a:p>
-            <a:r>
-              <a:rPr lang="en-US" sz="1800" dirty="0"/>
-              <a:t>This method returns an array of the data in the file or null if the file is not found.</a:t>
-            </a:r>
-          </a:p>
-          <a:p>
-            <a:r>
-              <a:rPr lang="en-US" sz="1800" b="1" dirty="0"/>
-              <a:t>private Boolean </a:t>
-            </a:r>
-            <a:r>
-              <a:rPr lang="en-US" sz="1800" b="1" dirty="0" err="1"/>
-              <a:t>canCreateSchedule</a:t>
-            </a:r>
-            <a:r>
-              <a:rPr lang="en-US" sz="1800" b="1" dirty="0"/>
-              <a:t>(String[ ] data)</a:t>
-            </a:r>
-          </a:p>
-          <a:p>
-            <a:r>
-              <a:rPr lang="en-US" sz="1800" dirty="0"/>
-              <a:t>This method returns whether the data is complete enough to generate a schedule.</a:t>
-            </a:r>
-          </a:p>
-          <a:p>
-            <a:r>
-              <a:rPr lang="en-US" sz="1800" b="1" dirty="0"/>
-              <a:t>Error Checking-Map/Generator Interface</a:t>
-            </a:r>
-          </a:p>
-          <a:p>
-            <a:r>
-              <a:rPr lang="en-US" sz="1800" dirty="0"/>
-              <a:t>The error checking-map/generator interface allows the map and generator to have correct data ported to them.  The schedule generator will take the checked data from the user and create the proper list of directions for the user, sending them back to the GUI.  The map will take the validated waypoints and create the new waypoint painter to overlay the map with.</a:t>
-            </a:r>
-          </a:p>
-          <a:p>
-            <a:r>
-              <a:rPr lang="en-US" sz="1800" b="1" dirty="0"/>
-              <a:t> private void </a:t>
-            </a:r>
-            <a:r>
-              <a:rPr lang="en-US" sz="1800" b="1" dirty="0" err="1"/>
-              <a:t>mapError</a:t>
-            </a:r>
-            <a:r>
-              <a:rPr lang="en-US" sz="1800" b="1" dirty="0"/>
-              <a:t>()</a:t>
-            </a:r>
-          </a:p>
-          <a:p>
-            <a:r>
-              <a:rPr lang="en-US" sz="1800" dirty="0"/>
-              <a:t>Checks the data for error and if an error is found, halts the process and returns control back to user with an error statement asking him or her to input their data again.</a:t>
-            </a:r>
-          </a:p>
-          <a:p>
-            <a:r>
-              <a:rPr lang="en-US" sz="1800" b="1" dirty="0"/>
-              <a:t>Generator-Database Interface</a:t>
-            </a:r>
-          </a:p>
-          <a:p>
-            <a:r>
-              <a:rPr lang="en-US" sz="1800" dirty="0"/>
-              <a:t>This interface connects the generator to the database with all the information about the bus routes.  The database provides the information need to correctly from the path needed by the user.</a:t>
-            </a:r>
-          </a:p>
-          <a:p>
-            <a:r>
-              <a:rPr lang="en-US" sz="1800" b="1" dirty="0"/>
-              <a:t>private data </a:t>
-            </a:r>
-            <a:r>
-              <a:rPr lang="en-US" sz="1800" b="1" dirty="0" err="1"/>
-              <a:t>callDatabase</a:t>
-            </a:r>
-            <a:r>
-              <a:rPr lang="en-US" sz="1800" b="1" dirty="0"/>
-              <a:t>()</a:t>
-            </a:r>
-          </a:p>
-          <a:p>
-            <a:r>
-              <a:rPr lang="en-US" sz="1800" dirty="0"/>
-              <a:t>The method that makes the call to the database and then return the required data.  It should put the data in a usable form such as a string or integer.</a:t>
-            </a:r>
-          </a:p>
-          <a:p>
-            <a:r>
-              <a:rPr lang="en-US" sz="1800" b="1" dirty="0"/>
-              <a:t>Generator-Map Viewer Interface</a:t>
-            </a:r>
-          </a:p>
-          <a:p>
-            <a:r>
-              <a:rPr lang="en-US" sz="1800" dirty="0"/>
-              <a:t>The generator-map viewer interface is a way for the schedule generator and the map viewer to pass information from one to another.</a:t>
-            </a:r>
-          </a:p>
-          <a:p>
-            <a:r>
-              <a:rPr lang="en-US" sz="1800" b="1" dirty="0"/>
-              <a:t>private void </a:t>
-            </a:r>
-            <a:r>
-              <a:rPr lang="en-US" sz="1800" b="1" dirty="0" err="1"/>
-              <a:t>textViewer</a:t>
-            </a:r>
-            <a:r>
-              <a:rPr lang="en-US" sz="1800" b="1" dirty="0"/>
-              <a:t>(Collection&lt;</a:t>
-            </a:r>
-            <a:r>
-              <a:rPr lang="en-US" sz="1800" b="1" dirty="0" err="1"/>
-              <a:t>pathData</a:t>
-            </a:r>
-            <a:r>
-              <a:rPr lang="en-US" sz="1800" b="1" dirty="0"/>
-              <a:t>&gt; data)</a:t>
-            </a:r>
-          </a:p>
-          <a:p>
-            <a:r>
-              <a:rPr lang="en-US" sz="1800" dirty="0"/>
-              <a:t>A method of class viewer that is called by the generator.  Generator gives the method the collection of data that has all the paths that the user requires.  It holds the route, times, and locations, that are stored as strings.  The data is used by the viewer to create a viewable schedule.  </a:t>
-            </a:r>
-            <a:r>
-              <a:rPr lang="en-US" sz="1800" dirty="0" err="1"/>
-              <a:t>textViewer</a:t>
-            </a:r>
-            <a:r>
-              <a:rPr lang="en-US" sz="1800" dirty="0"/>
-              <a:t> also calls </a:t>
-            </a:r>
-            <a:r>
-              <a:rPr lang="en-US" sz="1800" dirty="0" err="1"/>
-              <a:t>viewChecker</a:t>
-            </a:r>
-            <a:r>
-              <a:rPr lang="en-US" sz="1800" dirty="0"/>
-              <a:t> that checks to see if the collection is set up properly and does not have any null values.</a:t>
-            </a:r>
-          </a:p>
-          <a:p>
-            <a:r>
-              <a:rPr lang="en-US" sz="1800" b="1" dirty="0"/>
-              <a:t>private </a:t>
-            </a:r>
-            <a:r>
-              <a:rPr lang="en-US" sz="1800" b="1" dirty="0" err="1"/>
-              <a:t>boolean</a:t>
-            </a:r>
-            <a:r>
-              <a:rPr lang="en-US" sz="1800" b="1" dirty="0"/>
-              <a:t> </a:t>
-            </a:r>
-            <a:r>
-              <a:rPr lang="en-US" sz="1800" b="1" dirty="0" err="1"/>
-              <a:t>viewChecker</a:t>
-            </a:r>
-            <a:r>
-              <a:rPr lang="en-US" sz="1800" b="1" dirty="0"/>
-              <a:t>(Collection&lt;</a:t>
-            </a:r>
-            <a:r>
-              <a:rPr lang="en-US" sz="1800" b="1" dirty="0" err="1"/>
-              <a:t>pathData</a:t>
-            </a:r>
-            <a:r>
-              <a:rPr lang="en-US" sz="1800" b="1" dirty="0"/>
-              <a:t>&gt; data)</a:t>
-            </a:r>
-          </a:p>
-          <a:p>
-            <a:r>
-              <a:rPr lang="en-US" sz="1800" dirty="0"/>
-              <a:t>This method checks to see if the collection is set up properly and does not have any null values.</a:t>
-            </a:r>
-          </a:p>
-          <a:p>
-            <a:r>
-              <a:rPr lang="en-US" sz="1800" b="1" dirty="0"/>
-              <a:t>Map-GUI Interface</a:t>
-            </a:r>
-          </a:p>
-          <a:p>
-            <a:r>
-              <a:rPr lang="en-US" sz="1800" dirty="0"/>
-              <a:t>Transfers the data from the map to the GUI interface that is viewed by the user.  Should display the correct routes for the user unless the user inputs incorrect data.</a:t>
-            </a:r>
-          </a:p>
-          <a:p>
-            <a:r>
-              <a:rPr lang="en-US" sz="1800" b="1" dirty="0"/>
-              <a:t>private void </a:t>
-            </a:r>
-            <a:r>
-              <a:rPr lang="en-US" sz="1800" b="1" dirty="0" err="1"/>
-              <a:t>displayMap</a:t>
-            </a:r>
-            <a:r>
-              <a:rPr lang="en-US" sz="1800" b="1" dirty="0"/>
-              <a:t>()</a:t>
-            </a:r>
-          </a:p>
-          <a:p>
-            <a:r>
-              <a:rPr lang="en-US" sz="1800" dirty="0"/>
-              <a:t>Should take the data from the map class and display a map with the routes the person should take to get to desired destinations.</a:t>
-            </a:r>
-          </a:p>
-          <a:p>
-            <a:r>
-              <a:rPr lang="en-US" sz="1800" b="1" dirty="0"/>
-              <a:t>private Waypoint </a:t>
-            </a:r>
-            <a:r>
-              <a:rPr lang="en-US" sz="1800" b="1" dirty="0" err="1"/>
-              <a:t>getStart</a:t>
-            </a:r>
-            <a:r>
-              <a:rPr lang="en-US" sz="1800" b="1" dirty="0"/>
-              <a:t>()</a:t>
-            </a:r>
-          </a:p>
-          <a:p>
-            <a:r>
-              <a:rPr lang="en-US" sz="1800" dirty="0"/>
-              <a:t>Returns a Waypoint containing the information of the starting position</a:t>
-            </a:r>
-          </a:p>
-          <a:p>
-            <a:r>
-              <a:rPr lang="en-US" sz="1800" b="1" dirty="0"/>
-              <a:t>private Waypoint </a:t>
-            </a:r>
-            <a:r>
-              <a:rPr lang="en-US" sz="1800" b="1" dirty="0" err="1"/>
-              <a:t>getEnd</a:t>
-            </a:r>
-            <a:r>
-              <a:rPr lang="en-US" sz="1800" b="1" dirty="0"/>
-              <a:t>()</a:t>
-            </a:r>
-          </a:p>
-          <a:p>
-            <a:r>
-              <a:rPr lang="en-US" sz="1800" dirty="0"/>
-              <a:t>Returns a Waypoint containing the information of the ending position</a:t>
-            </a:r>
-          </a:p>
-          <a:p>
-            <a:endParaRPr lang="en-US" sz="1800" dirty="0"/>
-          </a:p>
-          <a:p>
-            <a:endParaRPr lang="en-US" sz="1800" b="1" dirty="0" smtClean="0"/>
-          </a:p>
-          <a:p>
-            <a:r>
-              <a:rPr lang="en-US" sz="6000" b="1" dirty="0" smtClean="0"/>
-              <a:t>Design Decisions:</a:t>
-            </a:r>
-          </a:p>
-          <a:p>
-            <a:pPr>
-              <a:buFont typeface="Arial" pitchFamily="34" charset="0"/>
-              <a:buChar char="•"/>
-            </a:pPr>
-            <a:r>
-              <a:rPr lang="en-US" sz="2800" dirty="0" smtClean="0"/>
-              <a:t>Database of bus times</a:t>
-            </a:r>
-          </a:p>
-          <a:p>
-            <a:pPr>
-              <a:buFont typeface="Arial" pitchFamily="34" charset="0"/>
-              <a:buChar char="•"/>
-            </a:pPr>
-            <a:r>
-              <a:rPr lang="en-US" sz="2800" dirty="0" smtClean="0"/>
-              <a:t>Single threaded</a:t>
-            </a:r>
-          </a:p>
-          <a:p>
-            <a:pPr>
-              <a:buFont typeface="Arial" pitchFamily="34" charset="0"/>
-              <a:buChar char="•"/>
-            </a:pPr>
-            <a:r>
-              <a:rPr lang="en-US" sz="2800" dirty="0" smtClean="0"/>
-              <a:t>Modulated the generator to simplify the process</a:t>
-            </a:r>
-          </a:p>
-          <a:p>
-            <a:pPr>
-              <a:buFont typeface="Arial" pitchFamily="34" charset="0"/>
-              <a:buChar char="•"/>
-            </a:pPr>
-            <a:r>
-              <a:rPr lang="en-US" sz="2800" dirty="0" smtClean="0"/>
-              <a:t>Interactive Map</a:t>
-            </a:r>
-          </a:p>
-          <a:p>
-            <a:endParaRPr lang="en-US" sz="5400" dirty="0" smtClean="0"/>
-          </a:p>
-          <a:p>
-            <a:endParaRPr lang="en-US" sz="6000" b="1" dirty="0" smtClean="0"/>
-          </a:p>
-          <a:p>
-            <a:endParaRPr lang="en-US" sz="6000" b="1" dirty="0"/>
-          </a:p>
-        </p:txBody>
-      </p:sp>
       <p:pic>
         <p:nvPicPr>
-          <p:cNvPr id="1027" name="Picture 3"/>
+          <p:cNvPr id="1026" name="Picture 2" descr="C:\Users\yzhu\Desktop\school work\309 svn\Poster\Mobile main.PNG"/>
           <p:cNvPicPr>
             <a:picLocks noChangeAspect="1" noChangeArrowheads="1"/>
           </p:cNvPicPr>
           <p:nvPr/>
         </p:nvPicPr>
         <p:blipFill>
-          <a:blip r:embed="rId4"/>
+          <a:blip r:embed="rId4">
+            <a:extLst>
+              <a:ext uri="{28A0092B-C50C-407E-A947-70E740481C1C}">
+                <a14:useLocalDpi xmlns:a14="http://schemas.microsoft.com/office/drawing/2010/main" val="0"/>
+              </a:ext>
+            </a:extLst>
+          </a:blip>
           <a:srcRect/>
           <a:stretch>
             <a:fillRect/>
@@ -4512,32 +5089,40 @@
         </p:blipFill>
         <p:spPr bwMode="auto">
           <a:xfrm>
-            <a:off x="13258800" y="36423600"/>
-            <a:ext cx="4595831" cy="6096000"/>
+            <a:off x="1432875" y="4800600"/>
+            <a:ext cx="9798370" cy="5181600"/>
           </a:xfrm>
           <a:prstGeom prst="rect">
             <a:avLst/>
           </a:prstGeom>
           <a:noFill/>
-          <a:ln w="9525">
-            <a:noFill/>
-            <a:miter lim="800000"/>
-            <a:headEnd/>
-            <a:tailEnd/>
-          </a:ln>
-          <a:effectLst/>
+          <a:extLst>
+            <a:ext uri="{909E8E84-426E-40DD-AFC4-6F175D3DCCD1}">
+              <a14:hiddenFill xmlns:a14="http://schemas.microsoft.com/office/drawing/2010/main">
+                <a:solidFill>
+                  <a:srgbClr val="FFFFFF"/>
+                </a:solidFill>
+              </a14:hiddenFill>
+            </a:ext>
+          </a:extLst>
         </p:spPr>
       </p:pic>
       <p:pic>
         <p:nvPicPr>
-          <p:cNvPr id="1028" name="Picture 4"/>
+          <p:cNvPr id="3" name="Picture 3" descr="C:\Users\yzhu\Desktop\school work\309 svn\Poster\Mobile tardy checkin.PNG"/>
           <p:cNvPicPr>
             <a:picLocks noChangeAspect="1" noChangeArrowheads="1"/>
           </p:cNvPicPr>
           <p:nvPr/>
         </p:nvPicPr>
         <p:blipFill>
-          <a:blip r:embed="rId5"/>
+          <a:blip r:embed="rId5">
+            <a:extLst>
+              <a:ext uri="{28A0092B-C50C-407E-A947-70E740481C1C}">
+                <a14:useLocalDpi xmlns:a14="http://schemas.microsoft.com/office/drawing/2010/main" val="0"/>
+              </a:ext>
+            </a:extLst>
+          </a:blip>
           <a:srcRect/>
           <a:stretch>
             <a:fillRect/>
@@ -4545,32 +5130,40 @@
         </p:blipFill>
         <p:spPr bwMode="auto">
           <a:xfrm>
-            <a:off x="2057400" y="18897599"/>
-            <a:ext cx="7239000" cy="5821629"/>
+            <a:off x="21504093" y="4800600"/>
+            <a:ext cx="9719850" cy="5181600"/>
           </a:xfrm>
           <a:prstGeom prst="rect">
             <a:avLst/>
           </a:prstGeom>
           <a:noFill/>
-          <a:ln w="9525">
-            <a:noFill/>
-            <a:miter lim="800000"/>
-            <a:headEnd/>
-            <a:tailEnd/>
-          </a:ln>
-          <a:effectLst/>
+          <a:extLst>
+            <a:ext uri="{909E8E84-426E-40DD-AFC4-6F175D3DCCD1}">
+              <a14:hiddenFill xmlns:a14="http://schemas.microsoft.com/office/drawing/2010/main">
+                <a:solidFill>
+                  <a:srgbClr val="FFFFFF"/>
+                </a:solidFill>
+              </a14:hiddenFill>
+            </a:ext>
+          </a:extLst>
         </p:spPr>
       </p:pic>
       <p:pic>
         <p:nvPicPr>
-          <p:cNvPr id="1029" name="Picture 5"/>
+          <p:cNvPr id="4" name="Picture 4" descr="C:\Users\yzhu\Desktop\school work\309 svn\Poster\Web director.PNG"/>
           <p:cNvPicPr>
             <a:picLocks noChangeAspect="1" noChangeArrowheads="1"/>
           </p:cNvPicPr>
           <p:nvPr/>
         </p:nvPicPr>
         <p:blipFill>
-          <a:blip r:embed="rId6"/>
+          <a:blip r:embed="rId6">
+            <a:extLst>
+              <a:ext uri="{28A0092B-C50C-407E-A947-70E740481C1C}">
+                <a14:useLocalDpi xmlns:a14="http://schemas.microsoft.com/office/drawing/2010/main" val="0"/>
+              </a:ext>
+            </a:extLst>
+          </a:blip>
           <a:srcRect/>
           <a:stretch>
             <a:fillRect/>
@@ -4578,32 +5171,40 @@
         </p:blipFill>
         <p:spPr bwMode="auto">
           <a:xfrm>
-            <a:off x="22631400" y="22250400"/>
-            <a:ext cx="9067800" cy="6594709"/>
+            <a:off x="0" y="18745200"/>
+            <a:ext cx="11096664" cy="6842760"/>
           </a:xfrm>
           <a:prstGeom prst="rect">
             <a:avLst/>
           </a:prstGeom>
           <a:noFill/>
-          <a:ln w="9525">
-            <a:noFill/>
-            <a:miter lim="800000"/>
-            <a:headEnd/>
-            <a:tailEnd/>
-          </a:ln>
-          <a:effectLst/>
+          <a:extLst>
+            <a:ext uri="{909E8E84-426E-40DD-AFC4-6F175D3DCCD1}">
+              <a14:hiddenFill xmlns:a14="http://schemas.microsoft.com/office/drawing/2010/main">
+                <a:solidFill>
+                  <a:srgbClr val="FFFFFF"/>
+                </a:solidFill>
+              </a14:hiddenFill>
+            </a:ext>
+          </a:extLst>
         </p:spPr>
       </p:pic>
       <p:pic>
         <p:nvPicPr>
-          <p:cNvPr id="1030" name="Picture 6"/>
+          <p:cNvPr id="6" name="Picture 5" descr="C:\Users\yzhu\Desktop\school work\309 svn\Poster\Web director_forms.PNG"/>
           <p:cNvPicPr>
             <a:picLocks noChangeAspect="1" noChangeArrowheads="1"/>
           </p:cNvPicPr>
           <p:nvPr/>
         </p:nvPicPr>
         <p:blipFill>
-          <a:blip r:embed="rId7"/>
+          <a:blip r:embed="rId7">
+            <a:extLst>
+              <a:ext uri="{28A0092B-C50C-407E-A947-70E740481C1C}">
+                <a14:useLocalDpi xmlns:a14="http://schemas.microsoft.com/office/drawing/2010/main" val="0"/>
+              </a:ext>
+            </a:extLst>
+          </a:blip>
           <a:srcRect/>
           <a:stretch>
             <a:fillRect/>
@@ -4611,32 +5212,40 @@
         </p:blipFill>
         <p:spPr bwMode="auto">
           <a:xfrm>
-            <a:off x="3048000" y="4419600"/>
-            <a:ext cx="6970195" cy="6096000"/>
+            <a:off x="21488853" y="20481766"/>
+            <a:ext cx="10591347" cy="6874033"/>
           </a:xfrm>
           <a:prstGeom prst="rect">
             <a:avLst/>
           </a:prstGeom>
           <a:noFill/>
-          <a:ln w="9525">
-            <a:noFill/>
-            <a:miter lim="800000"/>
-            <a:headEnd/>
-            <a:tailEnd/>
-          </a:ln>
-          <a:effectLst/>
+          <a:extLst>
+            <a:ext uri="{909E8E84-426E-40DD-AFC4-6F175D3DCCD1}">
+              <a14:hiddenFill xmlns:a14="http://schemas.microsoft.com/office/drawing/2010/main">
+                <a:solidFill>
+                  <a:srgbClr val="FFFFFF"/>
+                </a:solidFill>
+              </a14:hiddenFill>
+            </a:ext>
+          </a:extLst>
         </p:spPr>
       </p:pic>
       <p:pic>
         <p:nvPicPr>
-          <p:cNvPr id="1031" name="Picture 7"/>
+          <p:cNvPr id="7" name="Picture 6" descr="C:\Users\yzhu\Desktop\school work\309 svn\Poster\Web student form.PNG"/>
           <p:cNvPicPr>
             <a:picLocks noChangeAspect="1" noChangeArrowheads="1"/>
           </p:cNvPicPr>
           <p:nvPr/>
         </p:nvPicPr>
         <p:blipFill>
-          <a:blip r:embed="rId8"/>
+          <a:blip r:embed="rId8">
+            <a:extLst>
+              <a:ext uri="{28A0092B-C50C-407E-A947-70E740481C1C}">
+                <a14:useLocalDpi xmlns:a14="http://schemas.microsoft.com/office/drawing/2010/main" val="0"/>
+              </a:ext>
+            </a:extLst>
+          </a:blip>
           <a:srcRect/>
           <a:stretch>
             <a:fillRect/>
@@ -4644,271 +5253,24 @@
         </p:blipFill>
         <p:spPr bwMode="auto">
           <a:xfrm>
-            <a:off x="24765000" y="4343400"/>
-            <a:ext cx="6013307" cy="6629400"/>
+            <a:off x="10591799" y="37539230"/>
+            <a:ext cx="7904387" cy="5990421"/>
           </a:xfrm>
           <a:prstGeom prst="rect">
             <a:avLst/>
           </a:prstGeom>
           <a:noFill/>
-          <a:ln w="9525">
-            <a:noFill/>
-            <a:miter lim="800000"/>
-            <a:headEnd/>
-            <a:tailEnd/>
-          </a:ln>
-          <a:effectLst/>
+          <a:extLst>
+            <a:ext uri="{909E8E84-426E-40DD-AFC4-6F175D3DCCD1}">
+              <a14:hiddenFill xmlns:a14="http://schemas.microsoft.com/office/drawing/2010/main">
+                <a:solidFill>
+                  <a:srgbClr val="FFFFFF"/>
+                </a:solidFill>
+              </a14:hiddenFill>
+            </a:ext>
+          </a:extLst>
         </p:spPr>
       </p:pic>
-      <p:sp>
-        <p:nvSpPr>
-          <p:cNvPr id="23" name="TextBox 22"/>
-          <p:cNvSpPr txBox="1"/>
-          <p:nvPr/>
-        </p:nvSpPr>
-        <p:spPr>
-          <a:xfrm>
-            <a:off x="17145000" y="27355800"/>
-            <a:ext cx="13411200" cy="27484447"/>
-          </a:xfrm>
-          <a:prstGeom prst="rect">
-            <a:avLst/>
-          </a:prstGeom>
-          <a:noFill/>
-        </p:spPr>
-        <p:txBody>
-          <a:bodyPr wrap="square" rtlCol="0">
-            <a:spAutoFit/>
-          </a:bodyPr>
-          <a:lstStyle/>
-          <a:p>
-            <a:r>
-              <a:rPr lang="en-US" sz="6600" b="1" dirty="0" smtClean="0"/>
-              <a:t>Team Info:</a:t>
-            </a:r>
-          </a:p>
-          <a:p>
-            <a:r>
-              <a:rPr lang="en-US" sz="4400" dirty="0" smtClean="0"/>
-              <a:t>Team </a:t>
-            </a:r>
-            <a:r>
-              <a:rPr lang="en-US" sz="4400" dirty="0" smtClean="0"/>
-              <a:t>B4</a:t>
-            </a:r>
-            <a:endParaRPr lang="en-US" sz="4400" dirty="0" smtClean="0"/>
-          </a:p>
-          <a:p>
-            <a:r>
-              <a:rPr lang="en-US" sz="4400" dirty="0"/>
-              <a:t>Yifei </a:t>
-            </a:r>
-            <a:r>
-              <a:rPr lang="en-US" sz="4400" dirty="0" smtClean="0"/>
-              <a:t>Zhu </a:t>
-            </a:r>
-            <a:r>
-              <a:rPr lang="en-US" sz="4400" dirty="0"/>
-              <a:t>–</a:t>
-            </a:r>
-            <a:r>
-              <a:rPr lang="en-US" sz="4400" dirty="0" smtClean="0"/>
-              <a:t>  CPR E</a:t>
-            </a:r>
-            <a:endParaRPr lang="en-US" sz="4400" dirty="0"/>
-          </a:p>
-          <a:p>
-            <a:r>
-              <a:rPr lang="en-US" sz="4400" dirty="0"/>
-              <a:t>Brandon </a:t>
-            </a:r>
-            <a:r>
-              <a:rPr lang="en-US" sz="4400" dirty="0" smtClean="0"/>
-              <a:t>Maxwell – COM S</a:t>
-            </a:r>
-            <a:endParaRPr lang="en-US" sz="4400" dirty="0"/>
-          </a:p>
-          <a:p>
-            <a:r>
-              <a:rPr lang="en-US" sz="4400" dirty="0"/>
-              <a:t>Curtis </a:t>
-            </a:r>
-            <a:r>
-              <a:rPr lang="en-US" sz="4400" dirty="0" err="1" smtClean="0"/>
-              <a:t>Ullerich</a:t>
-            </a:r>
-            <a:r>
-              <a:rPr lang="en-US" sz="4400" dirty="0" smtClean="0"/>
-              <a:t> – CPR E</a:t>
-            </a:r>
-            <a:endParaRPr lang="en-US" sz="4400" dirty="0"/>
-          </a:p>
-          <a:p>
-            <a:r>
-              <a:rPr lang="en-US" sz="4400" dirty="0"/>
-              <a:t>Todd </a:t>
-            </a:r>
-            <a:r>
-              <a:rPr lang="en-US" sz="4400" dirty="0" err="1" smtClean="0"/>
-              <a:t>Wegter</a:t>
-            </a:r>
-            <a:r>
-              <a:rPr lang="en-US" sz="4400" dirty="0" smtClean="0"/>
-              <a:t> – CPR E</a:t>
-            </a:r>
-            <a:endParaRPr lang="en-US" sz="4400" dirty="0"/>
-          </a:p>
-          <a:p>
-            <a:endParaRPr lang="en-US" sz="6600" b="1" dirty="0" smtClean="0"/>
-          </a:p>
-          <a:p>
-            <a:r>
-              <a:rPr lang="en-US" sz="6600" b="1" dirty="0" smtClean="0"/>
-              <a:t>What went wrong:</a:t>
-            </a:r>
-          </a:p>
-          <a:p>
-            <a:pPr>
-              <a:buFont typeface="Arial" pitchFamily="34" charset="0"/>
-              <a:buChar char="•"/>
-            </a:pPr>
-            <a:r>
-              <a:rPr lang="en-US" sz="4400" dirty="0" smtClean="0"/>
-              <a:t>We couldn’t </a:t>
-            </a:r>
-            <a:r>
-              <a:rPr lang="en-US" sz="4400" dirty="0"/>
-              <a:t>use polymorphism</a:t>
-            </a:r>
-            <a:endParaRPr lang="en-US" sz="4400" dirty="0" smtClean="0"/>
-          </a:p>
-          <a:p>
-            <a:pPr>
-              <a:buFont typeface="Arial" pitchFamily="34" charset="0"/>
-              <a:buChar char="•"/>
-            </a:pPr>
-            <a:endParaRPr lang="en-US" sz="4400" dirty="0" smtClean="0"/>
-          </a:p>
-          <a:p>
-            <a:endParaRPr lang="en-US" sz="6600" b="1" dirty="0" smtClean="0"/>
-          </a:p>
-          <a:p>
-            <a:r>
-              <a:rPr lang="en-US" sz="6600" b="1" dirty="0" smtClean="0"/>
-              <a:t>      What went right</a:t>
-            </a:r>
-            <a:r>
-              <a:rPr lang="en-US" sz="6600" b="1" dirty="0" smtClean="0"/>
-              <a:t>: --TODO</a:t>
-            </a:r>
-            <a:endParaRPr lang="en-US" sz="6600" b="1" dirty="0" smtClean="0"/>
-          </a:p>
-          <a:p>
-            <a:pPr lvl="1">
-              <a:buFont typeface="Arial" pitchFamily="34" charset="0"/>
-              <a:buChar char="•"/>
-            </a:pPr>
-            <a:r>
-              <a:rPr lang="en-US" sz="4400" dirty="0" smtClean="0"/>
-              <a:t>   Working complete project</a:t>
-            </a:r>
-          </a:p>
-          <a:p>
-            <a:pPr lvl="1">
-              <a:buFont typeface="Arial" pitchFamily="34" charset="0"/>
-              <a:buChar char="•"/>
-            </a:pPr>
-            <a:r>
-              <a:rPr lang="en-US" sz="4400" dirty="0" smtClean="0"/>
-              <a:t>   </a:t>
-            </a:r>
-            <a:r>
-              <a:rPr lang="en-US" sz="4400" dirty="0" smtClean="0"/>
-              <a:t>Tool can be able to use by ISU Marching Band</a:t>
-            </a:r>
-            <a:endParaRPr lang="en-US" sz="4400" dirty="0" smtClean="0"/>
-          </a:p>
-          <a:p>
-            <a:pPr lvl="1">
-              <a:buFont typeface="Arial" pitchFamily="34" charset="0"/>
-              <a:buChar char="•"/>
-            </a:pPr>
-            <a:r>
-              <a:rPr lang="en-US" sz="4400" dirty="0" smtClean="0"/>
-              <a:t>	</a:t>
-            </a:r>
-            <a:endParaRPr lang="en-US" sz="4400" dirty="0"/>
-          </a:p>
-          <a:p>
-            <a:r>
-              <a:rPr lang="en-US" sz="6600" b="1" dirty="0" smtClean="0"/>
-              <a:t>      </a:t>
-            </a:r>
-          </a:p>
-          <a:p>
-            <a:r>
-              <a:rPr lang="en-US" sz="6600" b="1" dirty="0" smtClean="0"/>
-              <a:t>      Lessons Learned:</a:t>
-            </a:r>
-          </a:p>
-          <a:p>
-            <a:pPr lvl="1">
-              <a:buFont typeface="Arial" pitchFamily="34" charset="0"/>
-              <a:buChar char="•"/>
-            </a:pPr>
-            <a:r>
-              <a:rPr lang="en-US" sz="4400" dirty="0" smtClean="0"/>
-              <a:t>     </a:t>
-            </a:r>
-            <a:r>
-              <a:rPr lang="en-US" sz="4400" dirty="0" smtClean="0"/>
-              <a:t>Database , </a:t>
-            </a:r>
-            <a:r>
-              <a:rPr lang="en-US" sz="4400" dirty="0" err="1" smtClean="0"/>
-              <a:t>Javascript</a:t>
-            </a:r>
-            <a:r>
-              <a:rPr lang="en-US" sz="4400" dirty="0" smtClean="0"/>
-              <a:t>, HTML, Google App Engine    </a:t>
-            </a:r>
-            <a:endParaRPr lang="en-US" sz="4400" dirty="0"/>
-          </a:p>
-          <a:p>
-            <a:endParaRPr lang="en-US" sz="6600" b="1" dirty="0"/>
-          </a:p>
-          <a:p>
-            <a:endParaRPr lang="en-US" sz="6600" b="1" dirty="0" smtClean="0"/>
-          </a:p>
-          <a:p>
-            <a:endParaRPr lang="en-US" sz="6600" b="1" dirty="0"/>
-          </a:p>
-          <a:p>
-            <a:endParaRPr lang="en-US" sz="6600" b="1" dirty="0" smtClean="0"/>
-          </a:p>
-          <a:p>
-            <a:endParaRPr lang="en-US" sz="6600" b="1" dirty="0"/>
-          </a:p>
-          <a:p>
-            <a:endParaRPr lang="en-US" sz="6600" b="1" dirty="0" smtClean="0"/>
-          </a:p>
-          <a:p>
-            <a:endParaRPr lang="en-US" sz="6600" b="1" dirty="0"/>
-          </a:p>
-          <a:p>
-            <a:endParaRPr lang="en-US" sz="6600" b="1" dirty="0" smtClean="0"/>
-          </a:p>
-          <a:p>
-            <a:endParaRPr lang="en-US" sz="6600" b="1" dirty="0"/>
-          </a:p>
-          <a:p>
-            <a:endParaRPr lang="en-US" sz="6600" b="1" dirty="0" smtClean="0"/>
-          </a:p>
-          <a:p>
-            <a:endParaRPr lang="en-US" b="1" dirty="0"/>
-          </a:p>
-        </p:txBody>
-      </p:sp>
     </p:spTree>
   </p:cSld>
   <p:clrMapOvr>

--- a/Poster/Assignment09_B4Poster.pptx
+++ b/Poster/Assignment09_B4Poster.pptx
@@ -192,7 +192,8 @@
           <a:p>
             <a:fld id="{DCA15321-D945-4C39-A0F1-0189193F3860}" type="datetimeFigureOut">
               <a:rPr lang="en-US" smtClean="0"/>
-              <a:t>4/18/2012</a:t>
+              <a:pPr/>
+              <a:t>4/19/2012</a:t>
             </a:fld>
             <a:endParaRPr lang="en-US"/>
           </a:p>
@@ -353,6 +354,7 @@
           <a:p>
             <a:fld id="{E4DFC77E-6122-4711-9FB6-8C1F6743A1BD}" type="slidenum">
               <a:rPr lang="en-US" smtClean="0"/>
+              <a:pPr/>
               <a:t>‹#›</a:t>
             </a:fld>
             <a:endParaRPr lang="en-US"/>
@@ -362,7 +364,7 @@
     </p:spTree>
     <p:extLst>
       <p:ext uri="{BB962C8B-B14F-4D97-AF65-F5344CB8AC3E}">
-        <p14:creationId xmlns:p14="http://schemas.microsoft.com/office/powerpoint/2010/main" val="614426530"/>
+        <p14:creationId xmlns:p14="http://schemas.microsoft.com/office/powerpoint/2010/main" xmlns="" val="614426530"/>
       </p:ext>
     </p:extLst>
   </p:cSld>
@@ -529,6 +531,7 @@
           <a:p>
             <a:fld id="{E4DFC77E-6122-4711-9FB6-8C1F6743A1BD}" type="slidenum">
               <a:rPr lang="en-US" smtClean="0"/>
+              <a:pPr/>
               <a:t>1</a:t>
             </a:fld>
             <a:endParaRPr lang="en-US"/>
@@ -725,7 +728,7 @@
             <a:fld id="{9876F7F0-7CB2-44DF-8187-F3931CF59CB8}" type="datetimeFigureOut">
               <a:rPr lang="en-US" smtClean="0"/>
               <a:pPr/>
-              <a:t>4/18/2012</a:t>
+              <a:t>4/19/2012</a:t>
             </a:fld>
             <a:endParaRPr lang="en-US"/>
           </a:p>
@@ -892,7 +895,7 @@
             <a:fld id="{9876F7F0-7CB2-44DF-8187-F3931CF59CB8}" type="datetimeFigureOut">
               <a:rPr lang="en-US" smtClean="0"/>
               <a:pPr/>
-              <a:t>4/18/2012</a:t>
+              <a:t>4/19/2012</a:t>
             </a:fld>
             <a:endParaRPr lang="en-US"/>
           </a:p>
@@ -1069,7 +1072,7 @@
             <a:fld id="{9876F7F0-7CB2-44DF-8187-F3931CF59CB8}" type="datetimeFigureOut">
               <a:rPr lang="en-US" smtClean="0"/>
               <a:pPr/>
-              <a:t>4/18/2012</a:t>
+              <a:t>4/19/2012</a:t>
             </a:fld>
             <a:endParaRPr lang="en-US"/>
           </a:p>
@@ -1236,7 +1239,7 @@
             <a:fld id="{9876F7F0-7CB2-44DF-8187-F3931CF59CB8}" type="datetimeFigureOut">
               <a:rPr lang="en-US" smtClean="0"/>
               <a:pPr/>
-              <a:t>4/18/2012</a:t>
+              <a:t>4/19/2012</a:t>
             </a:fld>
             <a:endParaRPr lang="en-US"/>
           </a:p>
@@ -1479,7 +1482,7 @@
             <a:fld id="{9876F7F0-7CB2-44DF-8187-F3931CF59CB8}" type="datetimeFigureOut">
               <a:rPr lang="en-US" smtClean="0"/>
               <a:pPr/>
-              <a:t>4/18/2012</a:t>
+              <a:t>4/19/2012</a:t>
             </a:fld>
             <a:endParaRPr lang="en-US"/>
           </a:p>
@@ -1764,7 +1767,7 @@
             <a:fld id="{9876F7F0-7CB2-44DF-8187-F3931CF59CB8}" type="datetimeFigureOut">
               <a:rPr lang="en-US" smtClean="0"/>
               <a:pPr/>
-              <a:t>4/18/2012</a:t>
+              <a:t>4/19/2012</a:t>
             </a:fld>
             <a:endParaRPr lang="en-US"/>
           </a:p>
@@ -2183,7 +2186,7 @@
             <a:fld id="{9876F7F0-7CB2-44DF-8187-F3931CF59CB8}" type="datetimeFigureOut">
               <a:rPr lang="en-US" smtClean="0"/>
               <a:pPr/>
-              <a:t>4/18/2012</a:t>
+              <a:t>4/19/2012</a:t>
             </a:fld>
             <a:endParaRPr lang="en-US"/>
           </a:p>
@@ -2298,7 +2301,7 @@
             <a:fld id="{9876F7F0-7CB2-44DF-8187-F3931CF59CB8}" type="datetimeFigureOut">
               <a:rPr lang="en-US" smtClean="0"/>
               <a:pPr/>
-              <a:t>4/18/2012</a:t>
+              <a:t>4/19/2012</a:t>
             </a:fld>
             <a:endParaRPr lang="en-US"/>
           </a:p>
@@ -2390,7 +2393,7 @@
             <a:fld id="{9876F7F0-7CB2-44DF-8187-F3931CF59CB8}" type="datetimeFigureOut">
               <a:rPr lang="en-US" smtClean="0"/>
               <a:pPr/>
-              <a:t>4/18/2012</a:t>
+              <a:t>4/19/2012</a:t>
             </a:fld>
             <a:endParaRPr lang="en-US"/>
           </a:p>
@@ -2664,7 +2667,7 @@
             <a:fld id="{9876F7F0-7CB2-44DF-8187-F3931CF59CB8}" type="datetimeFigureOut">
               <a:rPr lang="en-US" smtClean="0"/>
               <a:pPr/>
-              <a:t>4/18/2012</a:t>
+              <a:t>4/19/2012</a:t>
             </a:fld>
             <a:endParaRPr lang="en-US"/>
           </a:p>
@@ -2914,7 +2917,7 @@
             <a:fld id="{9876F7F0-7CB2-44DF-8187-F3931CF59CB8}" type="datetimeFigureOut">
               <a:rPr lang="en-US" smtClean="0"/>
               <a:pPr/>
-              <a:t>4/18/2012</a:t>
+              <a:t>4/19/2012</a:t>
             </a:fld>
             <a:endParaRPr lang="en-US"/>
           </a:p>
@@ -3124,7 +3127,7 @@
             <a:fld id="{9876F7F0-7CB2-44DF-8187-F3931CF59CB8}" type="datetimeFigureOut">
               <a:rPr lang="en-US" smtClean="0"/>
               <a:pPr/>
-              <a:t>4/18/2012</a:t>
+              <a:t>4/19/2012</a:t>
             </a:fld>
             <a:endParaRPr lang="en-US"/>
           </a:p>
@@ -3503,7 +3506,7 @@
         </p:nvSpPr>
         <p:spPr>
           <a:xfrm>
-            <a:off x="152400" y="838200"/>
+            <a:off x="0" y="533400"/>
             <a:ext cx="32918400" cy="6247864"/>
           </a:xfrm>
           <a:prstGeom prst="rect">
@@ -3512,6 +3515,9 @@
           <a:solidFill>
             <a:schemeClr val="bg1"/>
           </a:solidFill>
+          <a:ln>
+            <a:noFill/>
+          </a:ln>
         </p:spPr>
         <p:txBody>
           <a:bodyPr wrap="square" lIns="91440" tIns="45720" rIns="91440" bIns="45720">
@@ -3538,13 +3544,9 @@
             <a:pPr algn="ctr"/>
             <a:r>
               <a:rPr lang="en-US" sz="20000" b="1" dirty="0" smtClean="0">
-                <a:ln w="10541" cmpd="sng">
+                <a:ln w="57150" cmpd="sng">
                   <a:solidFill>
-                    <a:srgbClr val="7D7D7D">
-                      <a:tint val="100000"/>
-                      <a:shade val="100000"/>
-                      <a:satMod val="110000"/>
-                    </a:srgbClr>
+                    <a:schemeClr val="tx1"/>
                   </a:solidFill>
                   <a:prstDash val="solid"/>
                 </a:ln>
@@ -3587,13 +3589,9 @@
               <a:t>@10dance</a:t>
             </a:r>
             <a:endParaRPr lang="en-US" sz="9600" b="1" dirty="0">
-              <a:ln w="10541" cmpd="sng">
+              <a:ln w="57150" cmpd="sng">
                 <a:solidFill>
-                  <a:srgbClr val="7D7D7D">
-                    <a:tint val="100000"/>
-                    <a:shade val="100000"/>
-                    <a:satMod val="110000"/>
-                  </a:srgbClr>
+                  <a:schemeClr val="tx1"/>
                 </a:solidFill>
                 <a:prstDash val="solid"/>
               </a:ln>
@@ -3696,7 +3694,7 @@
         </p:nvSpPr>
         <p:spPr>
           <a:xfrm>
-            <a:off x="12503809" y="4029968"/>
+            <a:off x="12351409" y="3200400"/>
             <a:ext cx="8215582" cy="6955750"/>
           </a:xfrm>
           <a:prstGeom prst="rect">
@@ -3772,7 +3770,7 @@
         </p:nvSpPr>
         <p:spPr>
           <a:xfrm>
-            <a:off x="1295400" y="9982200"/>
+            <a:off x="1295400" y="9154274"/>
             <a:ext cx="14097000" cy="13716000"/>
           </a:xfrm>
           <a:prstGeom prst="roundRect">
@@ -3818,7 +3816,7 @@
         </p:nvSpPr>
         <p:spPr>
           <a:xfrm>
-            <a:off x="16611600" y="9906000"/>
+            <a:off x="16611600" y="9078074"/>
             <a:ext cx="14859000" cy="15697200"/>
           </a:xfrm>
           <a:prstGeom prst="roundRect">
@@ -3850,52 +3848,14 @@
       </p:sp>
       <p:sp>
         <p:nvSpPr>
-          <p:cNvPr id="11" name="Rounded Rectangle 10"/>
-          <p:cNvSpPr/>
-          <p:nvPr/>
-        </p:nvSpPr>
-        <p:spPr>
-          <a:xfrm>
-            <a:off x="8610600" y="16383000"/>
-            <a:ext cx="15316200" cy="16383000"/>
-          </a:xfrm>
-          <a:prstGeom prst="roundRect">
-            <a:avLst/>
-          </a:prstGeom>
-        </p:spPr>
-        <p:style>
-          <a:lnRef idx="1">
-            <a:schemeClr val="accent4"/>
-          </a:lnRef>
-          <a:fillRef idx="3">
-            <a:schemeClr val="accent4"/>
-          </a:fillRef>
-          <a:effectRef idx="2">
-            <a:schemeClr val="accent4"/>
-          </a:effectRef>
-          <a:fontRef idx="minor">
-            <a:schemeClr val="lt1"/>
-          </a:fontRef>
-        </p:style>
-        <p:txBody>
-          <a:bodyPr rtlCol="0" anchor="ctr"/>
-          <a:lstStyle/>
-          <a:p>
-            <a:pPr algn="ctr"/>
-            <a:endParaRPr lang="en-US"/>
-          </a:p>
-        </p:txBody>
-      </p:sp>
-      <p:sp>
-        <p:nvSpPr>
           <p:cNvPr id="14" name="TextBox 13"/>
           <p:cNvSpPr txBox="1"/>
           <p:nvPr/>
         </p:nvSpPr>
         <p:spPr>
           <a:xfrm>
-            <a:off x="2286000" y="10896600"/>
-            <a:ext cx="12573000" cy="10679847"/>
+            <a:off x="2362200" y="9677400"/>
+            <a:ext cx="12573000" cy="14896386"/>
           </a:xfrm>
           <a:prstGeom prst="rect">
             <a:avLst/>
@@ -3915,15 +3875,105 @@
           </a:p>
           <a:p>
             <a:r>
-              <a:rPr lang="en-US" sz="4400" dirty="0" smtClean="0"/>
-              <a:t>@10dance is designed for ISU Marching band to take attendance. TA can be able to take attendance during performance and rehearsal,  students can also be able to submit absence form, and the director can be able to  view and keep track of attendance from our system</a:t>
-            </a:r>
-          </a:p>
-          <a:p>
-            <a:pPr>
-              <a:buFont typeface="Arial" pitchFamily="34" charset="0"/>
-              <a:buChar char="•"/>
-            </a:pPr>
+              <a:rPr lang="en-US" sz="4000" dirty="0" smtClean="0"/>
+              <a:t>@10dance is designed </a:t>
+            </a:r>
+            <a:r>
+              <a:rPr lang="en-US" sz="4000" dirty="0" smtClean="0"/>
+              <a:t>for the </a:t>
+            </a:r>
+            <a:r>
+              <a:rPr lang="en-US" sz="4000" dirty="0" smtClean="0"/>
+              <a:t>ISU Marching band to take attendance. </a:t>
+            </a:r>
+            <a:r>
+              <a:rPr lang="en-US" sz="4000" dirty="0" smtClean="0"/>
+              <a:t>TAs can </a:t>
+            </a:r>
+            <a:r>
+              <a:rPr lang="en-US" sz="4000" dirty="0" smtClean="0"/>
+              <a:t>take attendance during </a:t>
+            </a:r>
+            <a:r>
+              <a:rPr lang="en-US" sz="4000" dirty="0" smtClean="0"/>
+              <a:t>performances </a:t>
+            </a:r>
+            <a:r>
+              <a:rPr lang="en-US" sz="4000" dirty="0" smtClean="0"/>
+              <a:t>and </a:t>
+            </a:r>
+            <a:r>
+              <a:rPr lang="en-US" sz="4000" dirty="0" smtClean="0"/>
+              <a:t>rehearsals,  </a:t>
+            </a:r>
+            <a:r>
+              <a:rPr lang="en-US" sz="4000" dirty="0" smtClean="0"/>
+              <a:t>students can </a:t>
+            </a:r>
+            <a:r>
+              <a:rPr lang="en-US" sz="4000" dirty="0" smtClean="0"/>
+              <a:t>submit </a:t>
+            </a:r>
+            <a:r>
+              <a:rPr lang="en-US" sz="4000" dirty="0" smtClean="0"/>
+              <a:t>absence </a:t>
+            </a:r>
+            <a:r>
+              <a:rPr lang="en-US" sz="4000" dirty="0" smtClean="0"/>
+              <a:t>forms, </a:t>
+            </a:r>
+            <a:r>
+              <a:rPr lang="en-US" sz="4000" dirty="0" smtClean="0"/>
+              <a:t>and the director can </a:t>
+            </a:r>
+            <a:r>
+              <a:rPr lang="en-US" sz="4000" dirty="0" smtClean="0"/>
+              <a:t>view </a:t>
+            </a:r>
+            <a:r>
+              <a:rPr lang="en-US" sz="4000" dirty="0" smtClean="0"/>
+              <a:t>and keep track </a:t>
+            </a:r>
+            <a:r>
+              <a:rPr lang="en-US" sz="4000" dirty="0" smtClean="0"/>
+              <a:t>of the band’s </a:t>
+            </a:r>
+            <a:r>
+              <a:rPr lang="en-US" sz="4000" dirty="0" smtClean="0"/>
+              <a:t>attendance from our </a:t>
+            </a:r>
+            <a:r>
+              <a:rPr lang="en-US" sz="4000" dirty="0" smtClean="0"/>
+              <a:t>system. @10dance automates the approving and denying  of absences and </a:t>
+            </a:r>
+            <a:r>
+              <a:rPr lang="en-US" sz="4000" dirty="0" err="1" smtClean="0"/>
+              <a:t>tardies</a:t>
+            </a:r>
+            <a:r>
+              <a:rPr lang="en-US" sz="4000" dirty="0" smtClean="0"/>
+              <a:t> based on submitted</a:t>
+            </a:r>
+          </a:p>
+          <a:p>
+            <a:r>
+              <a:rPr lang="en-US" sz="4000" dirty="0" smtClean="0"/>
+              <a:t>forms, making this system</a:t>
+            </a:r>
+          </a:p>
+          <a:p>
+            <a:r>
+              <a:rPr lang="en-US" sz="4000" dirty="0" smtClean="0"/>
+              <a:t>much simpler than the old</a:t>
+            </a:r>
+          </a:p>
+          <a:p>
+            <a:r>
+              <a:rPr lang="en-US" sz="4000" dirty="0" smtClean="0"/>
+              <a:t>manual paper system.</a:t>
+            </a:r>
+          </a:p>
+          <a:p>
             <a:endParaRPr lang="en-US" sz="1800" dirty="0"/>
           </a:p>
           <a:p>
@@ -3933,28 +3983,123 @@
             </a:r>
           </a:p>
           <a:p>
-            <a:r>
-              <a:rPr lang="en-US" sz="4400" dirty="0" smtClean="0"/>
-              <a:t>Students</a:t>
-            </a:r>
-          </a:p>
-          <a:p>
-            <a:r>
-              <a:rPr lang="en-US" sz="4400" dirty="0" smtClean="0"/>
-              <a:t>Director</a:t>
-            </a:r>
-          </a:p>
-          <a:p>
-            <a:r>
-              <a:rPr lang="en-US" sz="4400" dirty="0" smtClean="0"/>
-              <a:t>TA</a:t>
-            </a:r>
+            <a:pPr marL="533400" indent="-533400">
+              <a:tabLst>
+                <a:tab pos="533400" algn="l"/>
+              </a:tabLst>
+            </a:pPr>
+            <a:r>
+              <a:rPr lang="en-US" sz="3600" dirty="0" smtClean="0"/>
+              <a:t>Students – track attendance, submit forms,</a:t>
+            </a:r>
+          </a:p>
+          <a:p>
+            <a:pPr marL="533400" indent="-533400">
+              <a:tabLst>
+                <a:tab pos="533400" algn="l"/>
+              </a:tabLst>
+            </a:pPr>
+            <a:r>
+              <a:rPr lang="en-US" sz="3600" dirty="0" smtClean="0"/>
+              <a:t>	</a:t>
+            </a:r>
+            <a:r>
+              <a:rPr lang="en-US" sz="3600" dirty="0" smtClean="0"/>
+              <a:t>check in to events tardy</a:t>
+            </a:r>
+            <a:endParaRPr lang="en-US" sz="3600" dirty="0" smtClean="0"/>
+          </a:p>
+          <a:p>
+            <a:pPr marL="533400" indent="-533400"/>
+            <a:r>
+              <a:rPr lang="en-US" sz="3600" dirty="0" smtClean="0"/>
+              <a:t>Director – Monitor Attendance,  Approve and </a:t>
+            </a:r>
+          </a:p>
+          <a:p>
+            <a:pPr marL="533400" indent="-533400"/>
+            <a:r>
+              <a:rPr lang="en-US" sz="3600" dirty="0" smtClean="0"/>
+              <a:t>	</a:t>
+            </a:r>
+            <a:r>
+              <a:rPr lang="en-US" sz="3600" dirty="0" smtClean="0"/>
+              <a:t>Deny Forms, Absences, and </a:t>
+            </a:r>
+            <a:r>
+              <a:rPr lang="en-US" sz="3600" dirty="0" err="1" smtClean="0"/>
+              <a:t>Tardies</a:t>
+            </a:r>
+            <a:r>
+              <a:rPr lang="en-US" sz="3600" dirty="0" smtClean="0"/>
+              <a:t>, Check</a:t>
+            </a:r>
+          </a:p>
+          <a:p>
+            <a:pPr marL="533400" indent="-533400"/>
+            <a:r>
+              <a:rPr lang="en-US" sz="3600" dirty="0" smtClean="0"/>
+              <a:t>	Grades and Events</a:t>
+            </a:r>
+            <a:endParaRPr lang="en-US" sz="3600" dirty="0" smtClean="0"/>
+          </a:p>
+          <a:p>
+            <a:pPr marL="533400" indent="-533400"/>
+            <a:r>
+              <a:rPr lang="en-US" sz="3600" dirty="0" smtClean="0"/>
+              <a:t>TA – Submit Attendance, Submit Student Ranks</a:t>
+            </a:r>
+            <a:endParaRPr lang="en-US" sz="3600" dirty="0" smtClean="0"/>
           </a:p>
           <a:p>
             <a:endParaRPr lang="en-US" dirty="0"/>
           </a:p>
           <a:p>
             <a:endParaRPr lang="en-US" dirty="0"/>
+          </a:p>
+        </p:txBody>
+      </p:sp>
+      <p:sp>
+        <p:nvSpPr>
+          <p:cNvPr id="25" name="Rounded Rectangle 24"/>
+          <p:cNvSpPr/>
+          <p:nvPr/>
+        </p:nvSpPr>
+        <p:spPr>
+          <a:xfrm>
+            <a:off x="11582400" y="15544800"/>
+            <a:ext cx="11201400" cy="11887200"/>
+          </a:xfrm>
+          <a:prstGeom prst="roundRect">
+            <a:avLst/>
+          </a:prstGeom>
+          <a:solidFill>
+            <a:srgbClr val="7030A0"/>
+          </a:solidFill>
+          <a:ln>
+            <a:noFill/>
+          </a:ln>
+        </p:spPr>
+        <p:style>
+          <a:lnRef idx="3">
+            <a:schemeClr val="lt1"/>
+          </a:lnRef>
+          <a:fillRef idx="1">
+            <a:schemeClr val="accent5"/>
+          </a:fillRef>
+          <a:effectRef idx="1">
+            <a:schemeClr val="accent5"/>
+          </a:effectRef>
+          <a:fontRef idx="minor">
+            <a:schemeClr val="lt1"/>
+          </a:fontRef>
+        </p:style>
+        <p:txBody>
+          <a:bodyPr rtlCol="0" anchor="ctr"/>
+          <a:lstStyle/>
+          <a:p>
+            <a:pPr algn="ctr"/>
+            <a:endParaRPr lang="en-US"/>
           </a:p>
         </p:txBody>
       </p:sp>
@@ -3966,8 +4111,8 @@
         </p:nvSpPr>
         <p:spPr>
           <a:xfrm>
-            <a:off x="15316200" y="26441400"/>
-            <a:ext cx="15544800" cy="16154400"/>
+            <a:off x="15316200" y="26365200"/>
+            <a:ext cx="15544800" cy="16611600"/>
           </a:xfrm>
           <a:prstGeom prst="roundRect">
             <a:avLst/>
@@ -4004,8 +4149,8 @@
         </p:nvSpPr>
         <p:spPr>
           <a:xfrm>
-            <a:off x="1295400" y="25222200"/>
-            <a:ext cx="12115800" cy="16611600"/>
+            <a:off x="1295400" y="25984200"/>
+            <a:ext cx="12115800" cy="16992600"/>
           </a:xfrm>
           <a:prstGeom prst="roundRect">
             <a:avLst/>
@@ -4042,8 +4187,8 @@
         </p:nvSpPr>
         <p:spPr>
           <a:xfrm>
-            <a:off x="17602200" y="10515600"/>
-            <a:ext cx="12801600" cy="8556188"/>
+            <a:off x="17602200" y="9687674"/>
+            <a:ext cx="13563600" cy="13295948"/>
           </a:xfrm>
           <a:prstGeom prst="rect">
             <a:avLst/>
@@ -4062,69 +4207,167 @@
             </a:r>
           </a:p>
           <a:p>
-            <a:pPr>
+            <a:pPr marL="457200" indent="-457200">
               <a:buFont typeface="Arial" pitchFamily="34" charset="0"/>
               <a:buChar char="•"/>
             </a:pPr>
             <a:r>
               <a:rPr lang="en-US" sz="4400" b="1" dirty="0" smtClean="0"/>
-              <a:t>Take attendance</a:t>
-            </a:r>
-          </a:p>
-          <a:p>
+              <a:t> Take Attendance</a:t>
+            </a:r>
+            <a:endParaRPr lang="en-US" sz="4400" b="1" dirty="0" smtClean="0"/>
+          </a:p>
+          <a:p>
+            <a:pPr marL="457200" indent="-457200"/>
             <a:r>
               <a:rPr lang="en-US" sz="4400" dirty="0" smtClean="0"/>
-              <a:t>The TA can be able to take attendance before performance and rehearsal </a:t>
-            </a:r>
-          </a:p>
-          <a:p>
-            <a:pPr>
+              <a:t>	The </a:t>
+            </a:r>
+            <a:r>
+              <a:rPr lang="en-US" sz="4400" dirty="0" smtClean="0"/>
+              <a:t>TA </a:t>
+            </a:r>
+            <a:r>
+              <a:rPr lang="en-US" sz="4400" dirty="0" smtClean="0"/>
+              <a:t>can take </a:t>
+            </a:r>
+            <a:r>
+              <a:rPr lang="en-US" sz="4400" dirty="0" smtClean="0"/>
+              <a:t>attendance before </a:t>
+            </a:r>
+            <a:r>
+              <a:rPr lang="en-US" sz="4400" dirty="0" smtClean="0"/>
+              <a:t>performances </a:t>
+            </a:r>
+            <a:r>
+              <a:rPr lang="en-US" sz="4400" dirty="0" smtClean="0"/>
+              <a:t>and rehearsal </a:t>
+            </a:r>
+            <a:r>
+              <a:rPr lang="en-US" sz="4400" dirty="0" smtClean="0"/>
+              <a:t>s</a:t>
+            </a:r>
+            <a:endParaRPr lang="en-US" sz="4400" dirty="0" smtClean="0"/>
+          </a:p>
+          <a:p>
+            <a:pPr marL="457200" indent="-457200">
               <a:buFont typeface="Arial" pitchFamily="34" charset="0"/>
               <a:buChar char="•"/>
             </a:pPr>
             <a:r>
               <a:rPr lang="en-US" sz="4400" b="1" dirty="0" smtClean="0"/>
-              <a:t>Submit Tardy</a:t>
-            </a:r>
-          </a:p>
-          <a:p>
+              <a:t> Check In Tardy</a:t>
+            </a:r>
+            <a:endParaRPr lang="en-US" sz="4400" b="1" dirty="0" smtClean="0"/>
+          </a:p>
+          <a:p>
+            <a:pPr marL="457200" indent="-457200"/>
             <a:r>
               <a:rPr lang="en-US" sz="4400" dirty="0" smtClean="0"/>
-              <a:t>The student can be able to submit tardy</a:t>
-            </a:r>
-          </a:p>
-          <a:p>
-            <a:pPr>
+              <a:t>	The students can check in tardy</a:t>
+            </a:r>
+            <a:endParaRPr lang="en-US" sz="4400" dirty="0" smtClean="0"/>
+          </a:p>
+          <a:p>
+            <a:pPr marL="457200" indent="-457200">
               <a:buFont typeface="Arial" pitchFamily="34" charset="0"/>
               <a:buChar char="•"/>
             </a:pPr>
             <a:r>
               <a:rPr lang="en-US" sz="4400" b="1" dirty="0" smtClean="0"/>
-              <a:t>Submit Form</a:t>
-            </a:r>
-          </a:p>
-          <a:p>
+              <a:t> Submit Forms</a:t>
+            </a:r>
+            <a:endParaRPr lang="en-US" sz="4400" b="1" dirty="0" smtClean="0"/>
+          </a:p>
+          <a:p>
+            <a:pPr marL="457200" indent="-457200"/>
             <a:r>
               <a:rPr lang="en-US" sz="4400" dirty="0" smtClean="0"/>
-              <a:t>The student can be able to submit forms online</a:t>
-            </a:r>
-          </a:p>
-          <a:p>
-            <a:pPr lvl="3">
+              <a:t>	The students </a:t>
+            </a:r>
+            <a:r>
+              <a:rPr lang="en-US" sz="4400" dirty="0" smtClean="0"/>
+              <a:t>can </a:t>
+            </a:r>
+            <a:r>
+              <a:rPr lang="en-US" sz="4400" dirty="0" smtClean="0"/>
+              <a:t>submit absence request </a:t>
+            </a:r>
+            <a:r>
+              <a:rPr lang="en-US" sz="4400" dirty="0" smtClean="0"/>
+              <a:t>forms online</a:t>
+            </a:r>
+          </a:p>
+          <a:p>
+            <a:pPr marL="5943600" lvl="3" indent="-457200">
               <a:buFont typeface="Arial" pitchFamily="34" charset="0"/>
               <a:buChar char="•"/>
             </a:pPr>
             <a:r>
               <a:rPr lang="en-US" sz="4400" b="1" dirty="0" smtClean="0"/>
-              <a:t>Approve Form</a:t>
-            </a:r>
-          </a:p>
-          <a:p>
+              <a:t> Approve Forms</a:t>
+            </a:r>
+          </a:p>
+          <a:p>
+            <a:pPr marL="5943600" lvl="3" indent="-457200"/>
             <a:r>
               <a:rPr lang="en-US" sz="4400" dirty="0" smtClean="0"/>
-              <a:t>	                 The Director can be able 	                  to approve students’ 	                  forms</a:t>
-            </a:r>
-            <a:endParaRPr lang="en-US" sz="4400" dirty="0"/>
+              <a:t>	The </a:t>
+            </a:r>
+            <a:r>
+              <a:rPr lang="en-US" sz="4400" dirty="0" smtClean="0"/>
+              <a:t>Director can approve </a:t>
+            </a:r>
+            <a:r>
+              <a:rPr lang="en-US" sz="4400" dirty="0" smtClean="0"/>
+              <a:t>students’ forms</a:t>
+            </a:r>
+            <a:endParaRPr lang="en-US" sz="4400" b="1" dirty="0" smtClean="0"/>
+          </a:p>
+          <a:p>
+            <a:pPr marL="5943600" lvl="3" indent="-457200">
+              <a:buFont typeface="Arial" pitchFamily="34" charset="0"/>
+              <a:buChar char="•"/>
+            </a:pPr>
+            <a:r>
+              <a:rPr lang="en-US" sz="4400" b="1" dirty="0" smtClean="0"/>
+              <a:t> Full Control</a:t>
+            </a:r>
+            <a:endParaRPr lang="en-US" sz="4400" b="1" dirty="0" smtClean="0"/>
+          </a:p>
+          <a:p>
+            <a:pPr marL="5943600" indent="-457200"/>
+            <a:r>
+              <a:rPr lang="en-US" sz="4400" dirty="0" smtClean="0"/>
+              <a:t>	The Director has full control over the entire system</a:t>
+            </a:r>
+            <a:endParaRPr lang="en-US" sz="4400" dirty="0" smtClean="0"/>
+          </a:p>
+          <a:p>
+            <a:pPr marL="5943600" indent="-457200">
+              <a:buFont typeface="Arial" pitchFamily="34" charset="0"/>
+              <a:buChar char="•"/>
+            </a:pPr>
+            <a:r>
+              <a:rPr lang="en-US" sz="4400" b="1" dirty="0" smtClean="0"/>
+              <a:t>Messaging</a:t>
+            </a:r>
+            <a:endParaRPr lang="en-US" sz="4400" dirty="0" smtClean="0"/>
+          </a:p>
+          <a:p>
+            <a:pPr marL="5943600" indent="-457200"/>
+            <a:r>
+              <a:rPr lang="en-US" sz="4400" b="1" dirty="0" smtClean="0"/>
+              <a:t>	</a:t>
+            </a:r>
+            <a:r>
+              <a:rPr lang="en-US" sz="4400" dirty="0" smtClean="0"/>
+              <a:t>Students and Directors can message each other about events and forms</a:t>
+            </a:r>
+          </a:p>
+          <a:p>
+            <a:pPr marL="5943600" indent="-457200"/>
+            <a:endParaRPr lang="en-US" sz="4400" b="1" dirty="0" smtClean="0"/>
           </a:p>
         </p:txBody>
       </p:sp>
@@ -4136,8 +4379,8 @@
         </p:nvSpPr>
         <p:spPr>
           <a:xfrm>
-            <a:off x="2133600" y="25527000"/>
-            <a:ext cx="10668000" cy="17420153"/>
+            <a:off x="2133600" y="26390620"/>
+            <a:ext cx="10668000" cy="16281380"/>
           </a:xfrm>
           <a:prstGeom prst="rect">
             <a:avLst/>
@@ -4643,7 +4886,29 @@
             </a:r>
             <a:r>
               <a:rPr lang="en-US" sz="1800" dirty="0"/>
-              <a:t> using the interface defined in 5.1.1 above. We use a standard interface for servlets for pushing data to the server using an HTML POST request: </a:t>
+              <a:t> </a:t>
+            </a:r>
+            <a:endParaRPr lang="en-US" sz="1800" dirty="0" smtClean="0"/>
+          </a:p>
+          <a:p>
+            <a:r>
+              <a:rPr lang="en-US" sz="1800" dirty="0" smtClean="0"/>
+              <a:t>using </a:t>
+            </a:r>
+            <a:r>
+              <a:rPr lang="en-US" sz="1800" dirty="0"/>
+              <a:t>the interface defined in 5.1.1 above. We use a standard interface for servlets for pushing </a:t>
+            </a:r>
+            <a:endParaRPr lang="en-US" sz="1800" dirty="0" smtClean="0"/>
+          </a:p>
+          <a:p>
+            <a:r>
+              <a:rPr lang="en-US" sz="1800" dirty="0" smtClean="0"/>
+              <a:t>data </a:t>
+            </a:r>
+            <a:r>
+              <a:rPr lang="en-US" sz="1800" dirty="0"/>
+              <a:t>to the server using an HTML POST request: </a:t>
             </a:r>
             <a:endParaRPr lang="en-US" sz="1800" dirty="0" smtClean="0"/>
           </a:p>
@@ -4705,10 +4970,45 @@
             </a:r>
             <a:r>
               <a:rPr lang="en-US" sz="1800" dirty="0"/>
-              <a:t>each type of servlet necessary (in which we send various types of data and handle the POST differently), we use this method to accept data. Each servlet class extends </a:t>
-            </a:r>
-            <a:r>
-              <a:rPr lang="en-US" sz="1800" dirty="0" err="1"/>
+              <a:t>each type of servlet necessary (in which we send various types of </a:t>
+            </a:r>
+            <a:r>
+              <a:rPr lang="en-US" sz="1800" dirty="0" smtClean="0"/>
+              <a:t>data and </a:t>
+            </a:r>
+            <a:r>
+              <a:rPr lang="en-US" sz="1800" dirty="0"/>
+              <a:t>handle the </a:t>
+            </a:r>
+            <a:endParaRPr lang="en-US" sz="1800" dirty="0" smtClean="0"/>
+          </a:p>
+          <a:p>
+            <a:r>
+              <a:rPr lang="en-US" sz="1800" dirty="0" smtClean="0"/>
+              <a:t>POST </a:t>
+            </a:r>
+            <a:r>
+              <a:rPr lang="en-US" sz="1800" dirty="0"/>
+              <a:t>differently), we use this method to accept data. Each </a:t>
+            </a:r>
+            <a:r>
+              <a:rPr lang="en-US" sz="1800" dirty="0" err="1" smtClean="0"/>
+              <a:t>servlet</a:t>
+            </a:r>
+            <a:r>
+              <a:rPr lang="en-US" sz="1800" dirty="0" smtClean="0"/>
+              <a:t> </a:t>
+            </a:r>
+            <a:r>
+              <a:rPr lang="en-US" sz="1800" dirty="0"/>
+              <a:t>class </a:t>
+            </a:r>
+            <a:r>
+              <a:rPr lang="en-US" sz="1800" dirty="0" smtClean="0"/>
+              <a:t>extends </a:t>
+            </a:r>
+            <a:r>
+              <a:rPr lang="en-US" sz="1800" dirty="0" err="1" smtClean="0"/>
               <a:t>HttpServlet</a:t>
             </a:r>
             <a:r>
@@ -4724,7 +5024,34 @@
             </a:r>
             <a:r>
               <a:rPr lang="en-US" sz="1800" dirty="0"/>
-              <a:t>the HTML page, a POST is done as the method of a standard HTML form and sends the values of all form fields to the servlet, where they are processed in our </a:t>
+              <a:t>the HTML page, a POST is done </a:t>
+            </a:r>
+            <a:r>
+              <a:rPr lang="en-US" sz="1800" dirty="0" smtClean="0"/>
+              <a:t>as the </a:t>
+            </a:r>
+            <a:r>
+              <a:rPr lang="en-US" sz="1800" dirty="0"/>
+              <a:t>method of a standard HTML form and sends the </a:t>
+            </a:r>
+            <a:endParaRPr lang="en-US" sz="1800" dirty="0" smtClean="0"/>
+          </a:p>
+          <a:p>
+            <a:r>
+              <a:rPr lang="en-US" sz="1800" dirty="0" smtClean="0"/>
+              <a:t>values </a:t>
+            </a:r>
+            <a:r>
+              <a:rPr lang="en-US" sz="1800" dirty="0"/>
+              <a:t>of all form fields </a:t>
+            </a:r>
+            <a:r>
+              <a:rPr lang="en-US" sz="1800" dirty="0" smtClean="0"/>
+              <a:t>to </a:t>
+            </a:r>
+            <a:r>
+              <a:rPr lang="en-US" sz="1800" dirty="0"/>
+              <a:t>the servlet, where they are processed in our </a:t>
             </a:r>
             <a:r>
               <a:rPr lang="en-US" sz="1800" dirty="0" err="1"/>
@@ -4749,9 +5076,12 @@
             </a:pPr>
             <a:r>
               <a:rPr lang="en-US" sz="2800" dirty="0"/>
-              <a:t>Google App Engine. </a:t>
-            </a:r>
-            <a:endParaRPr lang="en-US" sz="2800" dirty="0" smtClean="0"/>
+              <a:t>Google App </a:t>
+            </a:r>
+            <a:r>
+              <a:rPr lang="en-US" sz="2800" dirty="0" smtClean="0"/>
+              <a:t>Engine for Hosting the Server</a:t>
+            </a:r>
           </a:p>
           <a:p>
             <a:pPr>
@@ -4759,13 +5089,32 @@
               <a:buChar char="•"/>
             </a:pPr>
             <a:r>
-              <a:rPr lang="en-US" sz="2800" dirty="0"/>
-              <a:t>Java </a:t>
-            </a:r>
-            <a:r>
               <a:rPr lang="en-US" sz="2800" dirty="0" smtClean="0"/>
-              <a:t> and  html5</a:t>
-            </a:r>
+              <a:t>Flattening the Java Hierarchy</a:t>
+            </a:r>
+          </a:p>
+          <a:p>
+            <a:r>
+              <a:rPr lang="en-US" sz="2800" dirty="0" smtClean="0"/>
+              <a:t>         (GAE </a:t>
+            </a:r>
+            <a:r>
+              <a:rPr lang="en-US" sz="2800" dirty="0" err="1" smtClean="0"/>
+              <a:t>Datastore</a:t>
+            </a:r>
+            <a:r>
+              <a:rPr lang="en-US" sz="2800" dirty="0" smtClean="0"/>
+              <a:t> </a:t>
+            </a:r>
+            <a:r>
+              <a:rPr lang="en-US" sz="2800" dirty="0" err="1" smtClean="0"/>
+              <a:t>Compatability</a:t>
+            </a:r>
+            <a:r>
+              <a:rPr lang="en-US" sz="2800" dirty="0" smtClean="0"/>
+              <a:t>)</a:t>
+            </a:r>
+            <a:endParaRPr lang="en-US" sz="2800" dirty="0" smtClean="0"/>
           </a:p>
           <a:p>
             <a:pPr>
@@ -4773,24 +5122,16 @@
               <a:buChar char="•"/>
             </a:pPr>
             <a:r>
+              <a:rPr lang="en-US" sz="2800" dirty="0"/>
+              <a:t>Java </a:t>
+            </a:r>
+            <a:r>
               <a:rPr lang="en-US" sz="2800" dirty="0" smtClean="0"/>
-              <a:t>common </a:t>
-            </a:r>
-            <a:r>
-              <a:rPr lang="en-US" sz="2800" dirty="0"/>
-              <a:t>methods </a:t>
+              <a:t> and  </a:t>
             </a:r>
             <a:r>
               <a:rPr lang="en-US" sz="2800" dirty="0" smtClean="0"/>
-              <a:t>in  </a:t>
-            </a:r>
-            <a:r>
-              <a:rPr lang="en-US" sz="2800" dirty="0"/>
-              <a:t>all the sub-classes</a:t>
-            </a:r>
-            <a:r>
-              <a:rPr lang="en-US" sz="2800" dirty="0" smtClean="0"/>
-              <a:t> </a:t>
+              <a:t>html5 for Mobile App</a:t>
             </a:r>
           </a:p>
           <a:p>
@@ -4799,20 +5140,22 @@
               <a:buChar char="•"/>
             </a:pPr>
             <a:r>
-              <a:rPr lang="en-US" sz="2800" dirty="0"/>
-              <a:t>store the information in the </a:t>
-            </a:r>
-            <a:r>
               <a:rPr lang="en-US" sz="2800" dirty="0" smtClean="0"/>
-              <a:t> KEY</a:t>
-            </a:r>
-            <a:endParaRPr lang="en-US" sz="5400" dirty="0" smtClean="0"/>
-          </a:p>
-          <a:p>
-            <a:endParaRPr lang="en-US" sz="6000" b="1" dirty="0" smtClean="0"/>
-          </a:p>
-          <a:p>
-            <a:endParaRPr lang="en-US" sz="6000" b="1" dirty="0"/>
+              <a:t>Store Information in Key of </a:t>
+            </a:r>
+            <a:r>
+              <a:rPr lang="en-US" sz="2800" dirty="0" err="1" smtClean="0"/>
+              <a:t>localStorage</a:t>
+            </a:r>
+            <a:r>
+              <a:rPr lang="en-US" sz="2800" dirty="0" smtClean="0"/>
+              <a:t> </a:t>
+            </a:r>
+            <a:r>
+              <a:rPr lang="en-US" sz="2800" dirty="0" smtClean="0"/>
+              <a:t>Entries</a:t>
+            </a:r>
+            <a:endParaRPr lang="en-US" sz="2800" dirty="0" smtClean="0"/>
           </a:p>
         </p:txBody>
       </p:sp>
@@ -4824,8 +5167,8 @@
         </p:nvSpPr>
         <p:spPr>
           <a:xfrm>
-            <a:off x="17145000" y="27355800"/>
-            <a:ext cx="13411200" cy="26130230"/>
+            <a:off x="17145000" y="26802219"/>
+            <a:ext cx="13411200" cy="27299781"/>
           </a:xfrm>
           <a:prstGeom prst="rect">
             <a:avLst/>
@@ -4892,18 +5235,48 @@
             </a:r>
             <a:r>
               <a:rPr lang="en-US" sz="4400" dirty="0" smtClean="0"/>
-              <a:t> – CPR E</a:t>
+              <a:t> – CPR </a:t>
+            </a:r>
+            <a:r>
+              <a:rPr lang="en-US" sz="4400" dirty="0" smtClean="0"/>
+              <a:t>E</a:t>
             </a:r>
             <a:endParaRPr lang="en-US" sz="4400" dirty="0"/>
           </a:p>
           <a:p>
-            <a:endParaRPr lang="en-US" sz="6600" b="1" dirty="0" smtClean="0"/>
+            <a:endParaRPr lang="en-US" sz="1600" b="1" dirty="0" smtClean="0"/>
           </a:p>
           <a:p>
             <a:r>
               <a:rPr lang="en-US" sz="6600" b="1" dirty="0" smtClean="0"/>
               <a:t>What went wrong:</a:t>
             </a:r>
+          </a:p>
+          <a:p>
+            <a:pPr>
+              <a:buFont typeface="Arial" pitchFamily="34" charset="0"/>
+              <a:buChar char="•"/>
+              <a:tabLst>
+                <a:tab pos="228600" algn="l"/>
+              </a:tabLst>
+            </a:pPr>
+            <a:r>
+              <a:rPr lang="en-US" sz="4400" dirty="0" smtClean="0"/>
+              <a:t>We couldn’t </a:t>
+            </a:r>
+            <a:r>
+              <a:rPr lang="en-US" sz="4400" dirty="0"/>
+              <a:t>use </a:t>
+            </a:r>
+            <a:r>
+              <a:rPr lang="en-US" sz="4400" dirty="0" smtClean="0"/>
+              <a:t>polymorphism or inheritance with GAE 	</a:t>
+            </a:r>
+            <a:r>
+              <a:rPr lang="en-US" sz="4400" dirty="0" err="1" smtClean="0"/>
+              <a:t>Datastore</a:t>
+            </a:r>
+            <a:endParaRPr lang="en-US" sz="4400" dirty="0" smtClean="0"/>
           </a:p>
           <a:p>
             <a:pPr>
@@ -4912,16 +5285,28 @@
             </a:pPr>
             <a:r>
               <a:rPr lang="en-US" sz="4400" dirty="0" smtClean="0"/>
-              <a:t>We couldn’t </a:t>
-            </a:r>
-            <a:r>
-              <a:rPr lang="en-US" sz="4400" dirty="0"/>
-              <a:t>use polymorphism</a:t>
+              <a:t>Made N</a:t>
+            </a:r>
+            <a:r>
+              <a:rPr lang="en-US" sz="4400" baseline="30000" dirty="0" smtClean="0"/>
+              <a:t>3 </a:t>
+            </a:r>
+            <a:r>
+              <a:rPr lang="en-US" sz="4400" dirty="0" smtClean="0"/>
+              <a:t>calls to the </a:t>
+            </a:r>
+            <a:r>
+              <a:rPr lang="en-US" sz="4400" dirty="0" err="1" smtClean="0"/>
+              <a:t>Datastore</a:t>
+            </a:r>
+            <a:r>
+              <a:rPr lang="en-US" sz="4400" dirty="0" smtClean="0"/>
+              <a:t> in some functions</a:t>
             </a:r>
             <a:endParaRPr lang="en-US" sz="4400" dirty="0" smtClean="0"/>
           </a:p>
           <a:p>
-            <a:endParaRPr lang="en-US" sz="6600" b="1" dirty="0" smtClean="0"/>
+            <a:endParaRPr lang="en-US" sz="1600" b="1" dirty="0" smtClean="0"/>
           </a:p>
           <a:p>
             <a:r>
@@ -4946,38 +5331,119 @@
             </a:pPr>
             <a:r>
               <a:rPr lang="en-US" sz="4400" dirty="0" smtClean="0"/>
-              <a:t>   Tool can be able to use by ISU Marching Band</a:t>
+              <a:t>   Tool </a:t>
+            </a:r>
+            <a:r>
+              <a:rPr lang="en-US" sz="4400" dirty="0" smtClean="0"/>
+              <a:t>be used by </a:t>
+            </a:r>
+            <a:r>
+              <a:rPr lang="en-US" sz="4400" dirty="0" smtClean="0"/>
+              <a:t>ISU Marching </a:t>
+            </a:r>
+            <a:r>
+              <a:rPr lang="en-US" sz="4400" dirty="0" smtClean="0"/>
+              <a:t>Band</a:t>
+            </a:r>
+            <a:endParaRPr lang="en-US" sz="1600" dirty="0" smtClean="0"/>
+          </a:p>
+          <a:p>
+            <a:pPr lvl="1"/>
+            <a:r>
+              <a:rPr lang="en-US" sz="1600" dirty="0" smtClean="0"/>
+              <a:t> </a:t>
             </a:r>
             <a:endParaRPr lang="en-US" sz="4400" dirty="0"/>
           </a:p>
           <a:p>
+            <a:pPr>
+              <a:tabLst>
+                <a:tab pos="1085850" algn="l"/>
+              </a:tabLst>
+            </a:pPr>
             <a:r>
               <a:rPr lang="en-US" sz="6600" b="1" dirty="0" smtClean="0"/>
-              <a:t>      </a:t>
-            </a:r>
-          </a:p>
-          <a:p>
+              <a:t>	</a:t>
+            </a:r>
             <a:r>
               <a:rPr lang="en-US" sz="6600" b="1" dirty="0" smtClean="0"/>
-              <a:t>      Lessons Learned:</a:t>
-            </a:r>
-          </a:p>
-          <a:p>
-            <a:pPr lvl="1">
+              <a:t>Lessons </a:t>
+            </a:r>
+            <a:r>
+              <a:rPr lang="en-US" sz="6600" b="1" dirty="0" smtClean="0"/>
+              <a:t>Learned:</a:t>
+            </a:r>
+          </a:p>
+          <a:p>
+            <a:pPr marL="2193925" lvl="1" indent="549275">
+              <a:buFont typeface="Arial" pitchFamily="34" charset="0"/>
+              <a:buChar char="•"/>
+              <a:tabLst>
+                <a:tab pos="2743200" algn="l"/>
+              </a:tabLst>
+            </a:pPr>
+            <a:r>
+              <a:rPr lang="en-US" sz="4400" dirty="0" smtClean="0"/>
+              <a:t>Database </a:t>
+            </a:r>
+          </a:p>
+          <a:p>
+            <a:pPr marL="2193925" lvl="1" indent="549275">
+              <a:buFont typeface="Arial" pitchFamily="34" charset="0"/>
+              <a:buChar char="•"/>
+              <a:tabLst>
+                <a:tab pos="2743200" algn="l"/>
+              </a:tabLst>
+            </a:pPr>
+            <a:r>
+              <a:rPr lang="en-US" sz="4400" dirty="0" err="1" smtClean="0"/>
+              <a:t>Javascript</a:t>
+            </a:r>
+            <a:endParaRPr lang="en-US" sz="4400" dirty="0" smtClean="0"/>
+          </a:p>
+          <a:p>
+            <a:pPr marL="2193925" lvl="1" indent="549275">
+              <a:buFont typeface="Arial" pitchFamily="34" charset="0"/>
+              <a:buChar char="•"/>
+              <a:tabLst>
+                <a:tab pos="2743200" algn="l"/>
+              </a:tabLst>
+            </a:pPr>
+            <a:r>
+              <a:rPr lang="en-US" sz="4400" dirty="0" smtClean="0"/>
+              <a:t>HTML</a:t>
+            </a:r>
+            <a:endParaRPr lang="en-US" sz="4400" dirty="0" smtClean="0"/>
+          </a:p>
+          <a:p>
+            <a:pPr marL="2193925" lvl="1" indent="549275">
+              <a:buFont typeface="Arial" pitchFamily="34" charset="0"/>
+              <a:buChar char="•"/>
+              <a:tabLst>
+                <a:tab pos="2743200" algn="l"/>
+              </a:tabLst>
+            </a:pPr>
+            <a:r>
+              <a:rPr lang="en-US" sz="4400" dirty="0" smtClean="0"/>
+              <a:t>Google </a:t>
+            </a:r>
+            <a:r>
+              <a:rPr lang="en-US" sz="4400" dirty="0" smtClean="0"/>
+              <a:t>App </a:t>
+            </a:r>
+            <a:r>
+              <a:rPr lang="en-US" sz="4400" dirty="0" smtClean="0"/>
+              <a:t>Engine    </a:t>
+            </a:r>
+          </a:p>
+          <a:p>
+            <a:pPr marL="2193925" lvl="1" indent="549275">
               <a:buFont typeface="Arial" pitchFamily="34" charset="0"/>
               <a:buChar char="•"/>
             </a:pPr>
             <a:r>
               <a:rPr lang="en-US" sz="4400" dirty="0" smtClean="0"/>
-              <a:t>     Database , </a:t>
-            </a:r>
-            <a:r>
-              <a:rPr lang="en-US" sz="4400" dirty="0" err="1" smtClean="0"/>
-              <a:t>Javascript</a:t>
-            </a:r>
-            <a:r>
-              <a:rPr lang="en-US" sz="4400" dirty="0" smtClean="0"/>
-              <a:t>, HTML, Google App Engine    </a:t>
+              <a:t>Team Work</a:t>
             </a:r>
             <a:endParaRPr lang="en-US" sz="4400" dirty="0"/>
           </a:p>
@@ -5018,20 +5484,14 @@
       </p:sp>
       <p:pic>
         <p:nvPicPr>
-          <p:cNvPr id="2" name="Picture 2" descr="C:\Users\yzhu\Desktop\delete\Capture.PNG"/>
+          <p:cNvPr id="16" name="Picture 2" descr="C:\Users\Todd\Desktop\B4\Poster\Mobile main.PNG"/>
           <p:cNvPicPr>
             <a:picLocks noChangeAspect="1" noChangeArrowheads="1"/>
           </p:cNvPicPr>
           <p:nvPr/>
         </p:nvPicPr>
         <p:blipFill>
-          <a:blip r:embed="rId3">
-            <a:extLst>
-              <a:ext uri="{28A0092B-C50C-407E-A947-70E740481C1C}">
-                <a14:useLocalDpi xmlns:a14="http://schemas.microsoft.com/office/drawing/2010/main" val="0"/>
-              </a:ext>
-            </a:extLst>
-          </a:blip>
+          <a:blip r:embed="rId3" cstate="print"/>
           <a:srcRect/>
           <a:stretch>
             <a:fillRect/>
@@ -5039,49 +5499,30 @@
         </p:blipFill>
         <p:spPr bwMode="auto">
           <a:xfrm>
-            <a:off x="11261725" y="16748120"/>
-            <a:ext cx="9861550" cy="10120585"/>
+            <a:off x="685800" y="4800600"/>
+            <a:ext cx="11255939" cy="4572000"/>
           </a:xfrm>
           <a:prstGeom prst="rect">
             <a:avLst/>
           </a:prstGeom>
+          <a:noFill/>
           <a:ln>
-            <a:noFill/>
+            <a:solidFill>
+              <a:schemeClr val="tx1"/>
+            </a:solidFill>
           </a:ln>
-          <a:effectLst>
-            <a:outerShdw blurRad="190500" algn="tl" rotWithShape="0">
-              <a:srgbClr val="000000">
-                <a:alpha val="70000"/>
-              </a:srgbClr>
-            </a:outerShdw>
-          </a:effectLst>
-          <a:extLst>
-            <a:ext uri="{909E8E84-426E-40DD-AFC4-6F175D3DCCD1}">
-              <a14:hiddenFill xmlns:a14="http://schemas.microsoft.com/office/drawing/2010/main">
-                <a:solidFill>
-                  <a:srgbClr val="FFFFFF"/>
-                </a:solidFill>
-              </a14:hiddenFill>
-            </a:ext>
-          </a:extLst>
         </p:spPr>
       </p:pic>
       <p:pic>
         <p:nvPicPr>
-          <p:cNvPr id="1026" name="Picture 2" descr="C:\Users\yzhu\Desktop\school work\309 svn\Poster\Mobile main.PNG"/>
+          <p:cNvPr id="1027" name="Picture 3" descr="C:\Users\Todd\Desktop\B4\Poster\Mobile tardy checkin.PNG"/>
           <p:cNvPicPr>
             <a:picLocks noChangeAspect="1" noChangeArrowheads="1"/>
           </p:cNvPicPr>
           <p:nvPr/>
         </p:nvPicPr>
         <p:blipFill>
-          <a:blip r:embed="rId4">
-            <a:extLst>
-              <a:ext uri="{28A0092B-C50C-407E-A947-70E740481C1C}">
-                <a14:useLocalDpi xmlns:a14="http://schemas.microsoft.com/office/drawing/2010/main" val="0"/>
-              </a:ext>
-            </a:extLst>
-          </a:blip>
+          <a:blip r:embed="rId4" cstate="print"/>
           <a:srcRect/>
           <a:stretch>
             <a:fillRect/>
@@ -5089,40 +5530,30 @@
         </p:blipFill>
         <p:spPr bwMode="auto">
           <a:xfrm>
-            <a:off x="1432875" y="4800600"/>
-            <a:ext cx="9798370" cy="5181600"/>
+            <a:off x="20726597" y="4800600"/>
+            <a:ext cx="11734603" cy="4648200"/>
           </a:xfrm>
           <a:prstGeom prst="rect">
             <a:avLst/>
           </a:prstGeom>
           <a:noFill/>
-          <a:extLst>
-            <a:ext uri="{909E8E84-426E-40DD-AFC4-6F175D3DCCD1}">
-              <a14:hiddenFill xmlns:a14="http://schemas.microsoft.com/office/drawing/2010/main">
-                <a:solidFill>
-                  <a:srgbClr val="FFFFFF"/>
-                </a:solidFill>
-              </a14:hiddenFill>
-            </a:ext>
-          </a:extLst>
+          <a:ln>
+            <a:solidFill>
+              <a:schemeClr val="tx1"/>
+            </a:solidFill>
+          </a:ln>
         </p:spPr>
       </p:pic>
       <p:pic>
         <p:nvPicPr>
-          <p:cNvPr id="3" name="Picture 3" descr="C:\Users\yzhu\Desktop\school work\309 svn\Poster\Mobile tardy checkin.PNG"/>
+          <p:cNvPr id="1028" name="Picture 4" descr="C:\Users\Todd\Desktop\B4\Poster\Web director.PNG"/>
           <p:cNvPicPr>
             <a:picLocks noChangeAspect="1" noChangeArrowheads="1"/>
           </p:cNvPicPr>
           <p:nvPr/>
         </p:nvPicPr>
         <p:blipFill>
-          <a:blip r:embed="rId5">
-            <a:extLst>
-              <a:ext uri="{28A0092B-C50C-407E-A947-70E740481C1C}">
-                <a14:useLocalDpi xmlns:a14="http://schemas.microsoft.com/office/drawing/2010/main" val="0"/>
-              </a:ext>
-            </a:extLst>
-          </a:blip>
+          <a:blip r:embed="rId5" cstate="print"/>
           <a:srcRect/>
           <a:stretch>
             <a:fillRect/>
@@ -5130,40 +5561,30 @@
         </p:blipFill>
         <p:spPr bwMode="auto">
           <a:xfrm>
-            <a:off x="21504093" y="4800600"/>
-            <a:ext cx="9719850" cy="5181600"/>
+            <a:off x="21850820" y="22631400"/>
+            <a:ext cx="10500986" cy="3810000"/>
           </a:xfrm>
           <a:prstGeom prst="rect">
             <a:avLst/>
           </a:prstGeom>
           <a:noFill/>
-          <a:extLst>
-            <a:ext uri="{909E8E84-426E-40DD-AFC4-6F175D3DCCD1}">
-              <a14:hiddenFill xmlns:a14="http://schemas.microsoft.com/office/drawing/2010/main">
-                <a:solidFill>
-                  <a:srgbClr val="FFFFFF"/>
-                </a:solidFill>
-              </a14:hiddenFill>
-            </a:ext>
-          </a:extLst>
+          <a:ln>
+            <a:solidFill>
+              <a:schemeClr val="tx1"/>
+            </a:solidFill>
+          </a:ln>
         </p:spPr>
       </p:pic>
       <p:pic>
         <p:nvPicPr>
-          <p:cNvPr id="4" name="Picture 4" descr="C:\Users\yzhu\Desktop\school work\309 svn\Poster\Web director.PNG"/>
+          <p:cNvPr id="1029" name="Picture 5" descr="C:\Users\Todd\Desktop\B4\Poster\Web director_forms.PNG"/>
           <p:cNvPicPr>
             <a:picLocks noChangeAspect="1" noChangeArrowheads="1"/>
           </p:cNvPicPr>
           <p:nvPr/>
         </p:nvPicPr>
         <p:blipFill>
-          <a:blip r:embed="rId6">
-            <a:extLst>
-              <a:ext uri="{28A0092B-C50C-407E-A947-70E740481C1C}">
-                <a14:useLocalDpi xmlns:a14="http://schemas.microsoft.com/office/drawing/2010/main" val="0"/>
-              </a:ext>
-            </a:extLst>
-          </a:blip>
+          <a:blip r:embed="rId6" cstate="print"/>
           <a:srcRect/>
           <a:stretch>
             <a:fillRect/>
@@ -5171,40 +5592,30 @@
         </p:blipFill>
         <p:spPr bwMode="auto">
           <a:xfrm>
-            <a:off x="0" y="18745200"/>
-            <a:ext cx="11096664" cy="6842760"/>
+            <a:off x="838200" y="21412200"/>
+            <a:ext cx="11509287" cy="4724400"/>
           </a:xfrm>
           <a:prstGeom prst="rect">
             <a:avLst/>
           </a:prstGeom>
           <a:noFill/>
-          <a:extLst>
-            <a:ext uri="{909E8E84-426E-40DD-AFC4-6F175D3DCCD1}">
-              <a14:hiddenFill xmlns:a14="http://schemas.microsoft.com/office/drawing/2010/main">
-                <a:solidFill>
-                  <a:srgbClr val="FFFFFF"/>
-                </a:solidFill>
-              </a14:hiddenFill>
-            </a:ext>
-          </a:extLst>
+          <a:ln>
+            <a:solidFill>
+              <a:schemeClr val="tx1"/>
+            </a:solidFill>
+          </a:ln>
         </p:spPr>
       </p:pic>
       <p:pic>
         <p:nvPicPr>
-          <p:cNvPr id="6" name="Picture 5" descr="C:\Users\yzhu\Desktop\school work\309 svn\Poster\Web director_forms.PNG"/>
+          <p:cNvPr id="1030" name="Picture 6" descr="C:\Users\Todd\Desktop\B4\Poster\Web student form.PNG"/>
           <p:cNvPicPr>
             <a:picLocks noChangeAspect="1" noChangeArrowheads="1"/>
           </p:cNvPicPr>
           <p:nvPr/>
         </p:nvPicPr>
         <p:blipFill>
-          <a:blip r:embed="rId7">
-            <a:extLst>
-              <a:ext uri="{28A0092B-C50C-407E-A947-70E740481C1C}">
-                <a14:useLocalDpi xmlns:a14="http://schemas.microsoft.com/office/drawing/2010/main" val="0"/>
-              </a:ext>
-            </a:extLst>
-          </a:blip>
+          <a:blip r:embed="rId7" cstate="print"/>
           <a:srcRect/>
           <a:stretch>
             <a:fillRect/>
@@ -5212,40 +5623,30 @@
         </p:blipFill>
         <p:spPr bwMode="auto">
           <a:xfrm>
-            <a:off x="21488853" y="20481766"/>
-            <a:ext cx="10591347" cy="6874033"/>
+            <a:off x="11353800" y="36347400"/>
+            <a:ext cx="6781800" cy="7086600"/>
           </a:xfrm>
           <a:prstGeom prst="rect">
             <a:avLst/>
           </a:prstGeom>
           <a:noFill/>
-          <a:extLst>
-            <a:ext uri="{909E8E84-426E-40DD-AFC4-6F175D3DCCD1}">
-              <a14:hiddenFill xmlns:a14="http://schemas.microsoft.com/office/drawing/2010/main">
-                <a:solidFill>
-                  <a:srgbClr val="FFFFFF"/>
-                </a:solidFill>
-              </a14:hiddenFill>
-            </a:ext>
-          </a:extLst>
+          <a:ln>
+            <a:solidFill>
+              <a:schemeClr val="tx1"/>
+            </a:solidFill>
+          </a:ln>
         </p:spPr>
       </p:pic>
       <p:pic>
         <p:nvPicPr>
-          <p:cNvPr id="7" name="Picture 6" descr="C:\Users\yzhu\Desktop\school work\309 svn\Poster\Web student form.PNG"/>
+          <p:cNvPr id="1031" name="Picture 7" descr="C:\Users\Todd\Desktop\B4\Poster\archti diagram.PNG"/>
           <p:cNvPicPr>
             <a:picLocks noChangeAspect="1" noChangeArrowheads="1"/>
           </p:cNvPicPr>
           <p:nvPr/>
         </p:nvPicPr>
         <p:blipFill>
-          <a:blip r:embed="rId8">
-            <a:extLst>
-              <a:ext uri="{28A0092B-C50C-407E-A947-70E740481C1C}">
-                <a14:useLocalDpi xmlns:a14="http://schemas.microsoft.com/office/drawing/2010/main" val="0"/>
-              </a:ext>
-            </a:extLst>
-          </a:blip>
+          <a:blip r:embed="rId8" cstate="print"/>
           <a:srcRect/>
           <a:stretch>
             <a:fillRect/>
@@ -5253,22 +5654,18 @@
         </p:blipFill>
         <p:spPr bwMode="auto">
           <a:xfrm>
-            <a:off x="10591799" y="37539230"/>
-            <a:ext cx="7904387" cy="5990421"/>
+            <a:off x="12954000" y="15964818"/>
+            <a:ext cx="8458200" cy="10095582"/>
           </a:xfrm>
           <a:prstGeom prst="rect">
             <a:avLst/>
           </a:prstGeom>
           <a:noFill/>
-          <a:extLst>
-            <a:ext uri="{909E8E84-426E-40DD-AFC4-6F175D3DCCD1}">
-              <a14:hiddenFill xmlns:a14="http://schemas.microsoft.com/office/drawing/2010/main">
-                <a:solidFill>
-                  <a:srgbClr val="FFFFFF"/>
-                </a:solidFill>
-              </a14:hiddenFill>
-            </a:ext>
-          </a:extLst>
+          <a:ln>
+            <a:solidFill>
+              <a:schemeClr val="tx1"/>
+            </a:solidFill>
+          </a:ln>
         </p:spPr>
       </p:pic>
     </p:spTree>

--- a/Poster/Assignment09_B4Poster.pptx
+++ b/Poster/Assignment09_B4Poster.pptx
@@ -193,7 +193,7 @@
             <a:fld id="{DCA15321-D945-4C39-A0F1-0189193F3860}" type="datetimeFigureOut">
               <a:rPr lang="en-US" smtClean="0"/>
               <a:pPr/>
-              <a:t>4/19/2012</a:t>
+              <a:t>4/24/2012</a:t>
             </a:fld>
             <a:endParaRPr lang="en-US"/>
           </a:p>
@@ -364,7 +364,7 @@
     </p:spTree>
     <p:extLst>
       <p:ext uri="{BB962C8B-B14F-4D97-AF65-F5344CB8AC3E}">
-        <p14:creationId xmlns:p14="http://schemas.microsoft.com/office/powerpoint/2010/main" xmlns="" val="614426530"/>
+        <p14:creationId xmlns="" xmlns:p14="http://schemas.microsoft.com/office/powerpoint/2010/main" val="614426530"/>
       </p:ext>
     </p:extLst>
   </p:cSld>
@@ -728,7 +728,7 @@
             <a:fld id="{9876F7F0-7CB2-44DF-8187-F3931CF59CB8}" type="datetimeFigureOut">
               <a:rPr lang="en-US" smtClean="0"/>
               <a:pPr/>
-              <a:t>4/19/2012</a:t>
+              <a:t>4/24/2012</a:t>
             </a:fld>
             <a:endParaRPr lang="en-US"/>
           </a:p>
@@ -895,7 +895,7 @@
             <a:fld id="{9876F7F0-7CB2-44DF-8187-F3931CF59CB8}" type="datetimeFigureOut">
               <a:rPr lang="en-US" smtClean="0"/>
               <a:pPr/>
-              <a:t>4/19/2012</a:t>
+              <a:t>4/24/2012</a:t>
             </a:fld>
             <a:endParaRPr lang="en-US"/>
           </a:p>
@@ -1072,7 +1072,7 @@
             <a:fld id="{9876F7F0-7CB2-44DF-8187-F3931CF59CB8}" type="datetimeFigureOut">
               <a:rPr lang="en-US" smtClean="0"/>
               <a:pPr/>
-              <a:t>4/19/2012</a:t>
+              <a:t>4/24/2012</a:t>
             </a:fld>
             <a:endParaRPr lang="en-US"/>
           </a:p>
@@ -1239,7 +1239,7 @@
             <a:fld id="{9876F7F0-7CB2-44DF-8187-F3931CF59CB8}" type="datetimeFigureOut">
               <a:rPr lang="en-US" smtClean="0"/>
               <a:pPr/>
-              <a:t>4/19/2012</a:t>
+              <a:t>4/24/2012</a:t>
             </a:fld>
             <a:endParaRPr lang="en-US"/>
           </a:p>
@@ -1482,7 +1482,7 @@
             <a:fld id="{9876F7F0-7CB2-44DF-8187-F3931CF59CB8}" type="datetimeFigureOut">
               <a:rPr lang="en-US" smtClean="0"/>
               <a:pPr/>
-              <a:t>4/19/2012</a:t>
+              <a:t>4/24/2012</a:t>
             </a:fld>
             <a:endParaRPr lang="en-US"/>
           </a:p>
@@ -1767,7 +1767,7 @@
             <a:fld id="{9876F7F0-7CB2-44DF-8187-F3931CF59CB8}" type="datetimeFigureOut">
               <a:rPr lang="en-US" smtClean="0"/>
               <a:pPr/>
-              <a:t>4/19/2012</a:t>
+              <a:t>4/24/2012</a:t>
             </a:fld>
             <a:endParaRPr lang="en-US"/>
           </a:p>
@@ -2186,7 +2186,7 @@
             <a:fld id="{9876F7F0-7CB2-44DF-8187-F3931CF59CB8}" type="datetimeFigureOut">
               <a:rPr lang="en-US" smtClean="0"/>
               <a:pPr/>
-              <a:t>4/19/2012</a:t>
+              <a:t>4/24/2012</a:t>
             </a:fld>
             <a:endParaRPr lang="en-US"/>
           </a:p>
@@ -2301,7 +2301,7 @@
             <a:fld id="{9876F7F0-7CB2-44DF-8187-F3931CF59CB8}" type="datetimeFigureOut">
               <a:rPr lang="en-US" smtClean="0"/>
               <a:pPr/>
-              <a:t>4/19/2012</a:t>
+              <a:t>4/24/2012</a:t>
             </a:fld>
             <a:endParaRPr lang="en-US"/>
           </a:p>
@@ -2393,7 +2393,7 @@
             <a:fld id="{9876F7F0-7CB2-44DF-8187-F3931CF59CB8}" type="datetimeFigureOut">
               <a:rPr lang="en-US" smtClean="0"/>
               <a:pPr/>
-              <a:t>4/19/2012</a:t>
+              <a:t>4/24/2012</a:t>
             </a:fld>
             <a:endParaRPr lang="en-US"/>
           </a:p>
@@ -2667,7 +2667,7 @@
             <a:fld id="{9876F7F0-7CB2-44DF-8187-F3931CF59CB8}" type="datetimeFigureOut">
               <a:rPr lang="en-US" smtClean="0"/>
               <a:pPr/>
-              <a:t>4/19/2012</a:t>
+              <a:t>4/24/2012</a:t>
             </a:fld>
             <a:endParaRPr lang="en-US"/>
           </a:p>
@@ -2917,7 +2917,7 @@
             <a:fld id="{9876F7F0-7CB2-44DF-8187-F3931CF59CB8}" type="datetimeFigureOut">
               <a:rPr lang="en-US" smtClean="0"/>
               <a:pPr/>
-              <a:t>4/19/2012</a:t>
+              <a:t>4/24/2012</a:t>
             </a:fld>
             <a:endParaRPr lang="en-US"/>
           </a:p>
@@ -3127,7 +3127,7 @@
             <a:fld id="{9876F7F0-7CB2-44DF-8187-F3931CF59CB8}" type="datetimeFigureOut">
               <a:rPr lang="en-US" smtClean="0"/>
               <a:pPr/>
-              <a:t>4/19/2012</a:t>
+              <a:t>4/24/2012</a:t>
             </a:fld>
             <a:endParaRPr lang="en-US"/>
           </a:p>
@@ -3694,8 +3694,8 @@
         </p:nvSpPr>
         <p:spPr>
           <a:xfrm>
-            <a:off x="12351409" y="3200400"/>
-            <a:ext cx="8215582" cy="6955750"/>
+            <a:off x="12566949" y="3200400"/>
+            <a:ext cx="7784502" cy="6955750"/>
           </a:xfrm>
           <a:prstGeom prst="rect">
             <a:avLst/>
@@ -3753,7 +3753,19 @@
             <a:pPr algn="ctr"/>
             <a:r>
               <a:rPr lang="en-US" sz="7200" dirty="0" smtClean="0"/>
-              <a:t>COM S 309 SPR 2012 </a:t>
+              <a:t>CS </a:t>
+            </a:r>
+            <a:r>
+              <a:rPr lang="en-US" sz="7200" dirty="0" smtClean="0"/>
+              <a:t>309 </a:t>
+            </a:r>
+            <a:r>
+              <a:rPr lang="en-US" sz="7200" dirty="0" smtClean="0"/>
+              <a:t>Spring </a:t>
+            </a:r>
+            <a:r>
+              <a:rPr lang="en-US" sz="7200" dirty="0" smtClean="0"/>
+              <a:t>2012 </a:t>
             </a:r>
           </a:p>
           <a:p>
@@ -3855,7 +3867,7 @@
         <p:spPr>
           <a:xfrm>
             <a:off x="2362200" y="9677400"/>
-            <a:ext cx="12573000" cy="14896386"/>
+            <a:ext cx="12573000" cy="14342388"/>
           </a:xfrm>
           <a:prstGeom prst="rect">
             <a:avLst/>
@@ -3876,43 +3888,31 @@
           <a:p>
             <a:r>
               <a:rPr lang="en-US" sz="4000" dirty="0" smtClean="0"/>
-              <a:t>@10dance is designed </a:t>
+              <a:t>@10dance is designed for the ISU </a:t>
             </a:r>
             <a:r>
               <a:rPr lang="en-US" sz="4000" dirty="0" smtClean="0"/>
-              <a:t>for the </a:t>
+              <a:t>marching </a:t>
             </a:r>
             <a:r>
               <a:rPr lang="en-US" sz="4000" dirty="0" smtClean="0"/>
-              <a:t>ISU Marching band to take attendance. </a:t>
+              <a:t>band </a:t>
             </a:r>
             <a:r>
               <a:rPr lang="en-US" sz="4000" dirty="0" smtClean="0"/>
-              <a:t>TAs can </a:t>
+              <a:t>in order to automate their attendance system and make it paperless</a:t>
             </a:r>
             <a:r>
               <a:rPr lang="en-US" sz="4000" dirty="0" smtClean="0"/>
-              <a:t>take attendance during </a:t>
+              <a:t>. TAs take </a:t>
             </a:r>
             <a:r>
               <a:rPr lang="en-US" sz="4000" dirty="0" smtClean="0"/>
-              <a:t>performances </a:t>
+              <a:t>attendance during performances and </a:t>
             </a:r>
             <a:r>
               <a:rPr lang="en-US" sz="4000" dirty="0" smtClean="0"/>
-              <a:t>and </a:t>
-            </a:r>
-            <a:r>
-              <a:rPr lang="en-US" sz="4000" dirty="0" smtClean="0"/>
-              <a:t>rehearsals,  </a:t>
-            </a:r>
-            <a:r>
-              <a:rPr lang="en-US" sz="4000" dirty="0" smtClean="0"/>
-              <a:t>students can </a:t>
-            </a:r>
-            <a:r>
-              <a:rPr lang="en-US" sz="4000" dirty="0" smtClean="0"/>
-              <a:t>submit </a:t>
+              <a:t>rehearsals using a mobile HTML5 app, students submit </a:t>
             </a:r>
             <a:r>
               <a:rPr lang="en-US" sz="4000" dirty="0" smtClean="0"/>
@@ -3920,31 +3920,27 @@
             </a:r>
             <a:r>
               <a:rPr lang="en-US" sz="4000" dirty="0" smtClean="0"/>
-              <a:t>forms, </a:t>
+              <a:t>forms and view their own attendance, </a:t>
             </a:r>
             <a:r>
               <a:rPr lang="en-US" sz="4000" dirty="0" smtClean="0"/>
-              <a:t>and the director can </a:t>
+              <a:t>and the director can view and keep track of the band’s attendance from our </a:t>
             </a:r>
             <a:r>
               <a:rPr lang="en-US" sz="4000" dirty="0" smtClean="0"/>
-              <a:t>view </a:t>
+              <a:t>online system</a:t>
             </a:r>
             <a:r>
               <a:rPr lang="en-US" sz="4000" dirty="0" smtClean="0"/>
-              <a:t>and keep track </a:t>
+              <a:t>. @10dance automates the </a:t>
             </a:r>
             <a:r>
               <a:rPr lang="en-US" sz="4000" dirty="0" smtClean="0"/>
-              <a:t>of the band’s </a:t>
+              <a:t>approval and denial  </a:t>
             </a:r>
             <a:r>
               <a:rPr lang="en-US" sz="4000" dirty="0" smtClean="0"/>
-              <a:t>attendance from our </a:t>
-            </a:r>
-            <a:r>
-              <a:rPr lang="en-US" sz="4000" dirty="0" smtClean="0"/>
-              <a:t>system. @10dance automates the approving and denying  of absences and </a:t>
+              <a:t>of absences and </a:t>
             </a:r>
             <a:r>
               <a:rPr lang="en-US" sz="4000" dirty="0" err="1" smtClean="0"/>
@@ -3952,19 +3948,23 @@
             </a:r>
             <a:r>
               <a:rPr lang="en-US" sz="4000" dirty="0" smtClean="0"/>
-              <a:t> based on submitted</a:t>
-            </a:r>
-          </a:p>
-          <a:p>
+              <a:t> based on </a:t>
+            </a:r>
             <a:r>
               <a:rPr lang="en-US" sz="4000" dirty="0" smtClean="0"/>
-              <a:t>forms, making this system</a:t>
-            </a:r>
-          </a:p>
-          <a:p>
+              <a:t>submitted forms</a:t>
+            </a:r>
             <a:r>
               <a:rPr lang="en-US" sz="4000" dirty="0" smtClean="0"/>
-              <a:t>much simpler than the old</a:t>
+              <a:t>, making this </a:t>
+            </a:r>
+            <a:r>
+              <a:rPr lang="en-US" sz="4000" dirty="0" smtClean="0"/>
+              <a:t>system much </a:t>
+            </a:r>
+            <a:r>
+              <a:rPr lang="en-US" sz="4000" dirty="0" smtClean="0"/>
+              <a:t>simpler than the old</a:t>
             </a:r>
           </a:p>
           <a:p>
@@ -4001,53 +4001,79 @@
             </a:pPr>
             <a:r>
               <a:rPr lang="en-US" sz="3600" dirty="0" smtClean="0"/>
-              <a:t>	</a:t>
-            </a:r>
+              <a:t>	check in to events tardy</a:t>
+            </a:r>
+          </a:p>
+          <a:p>
+            <a:pPr marL="533400" indent="-533400"/>
             <a:r>
               <a:rPr lang="en-US" sz="3600" dirty="0" smtClean="0"/>
-              <a:t>check in to events tardy</a:t>
-            </a:r>
-            <a:endParaRPr lang="en-US" sz="3600" dirty="0" smtClean="0"/>
+              <a:t>Director – monitor attendance, approve and </a:t>
+            </a:r>
           </a:p>
           <a:p>
             <a:pPr marL="533400" indent="-533400"/>
             <a:r>
               <a:rPr lang="en-US" sz="3600" dirty="0" smtClean="0"/>
-              <a:t>Director – Monitor Attendance,  Approve and </a:t>
+              <a:t>	deny forms, absences, and </a:t>
+            </a:r>
+            <a:r>
+              <a:rPr lang="en-US" sz="3600" dirty="0" err="1" smtClean="0"/>
+              <a:t>tardies</a:t>
+            </a:r>
+            <a:r>
+              <a:rPr lang="en-US" sz="3600" dirty="0" smtClean="0"/>
+              <a:t>, check</a:t>
             </a:r>
           </a:p>
           <a:p>
             <a:pPr marL="533400" indent="-533400"/>
             <a:r>
               <a:rPr lang="en-US" sz="3600" dirty="0" smtClean="0"/>
-              <a:t>	</a:t>
-            </a:r>
+              <a:t>	grades and events</a:t>
+            </a:r>
+          </a:p>
+          <a:p>
+            <a:pPr marL="533400" indent="-533400"/>
             <a:r>
               <a:rPr lang="en-US" sz="3600" dirty="0" smtClean="0"/>
-              <a:t>Deny Forms, Absences, and </a:t>
-            </a:r>
-            <a:r>
-              <a:rPr lang="en-US" sz="3600" dirty="0" err="1" smtClean="0"/>
-              <a:t>Tardies</a:t>
+              <a:t>TA </a:t>
             </a:r>
             <a:r>
               <a:rPr lang="en-US" sz="3600" dirty="0" smtClean="0"/>
-              <a:t>, Check</a:t>
-            </a:r>
-          </a:p>
-          <a:p>
-            <a:pPr marL="533400" indent="-533400"/>
+              <a:t>– </a:t>
+            </a:r>
             <a:r>
               <a:rPr lang="en-US" sz="3600" dirty="0" smtClean="0"/>
-              <a:t>	Grades and Events</a:t>
-            </a:r>
-            <a:endParaRPr lang="en-US" sz="3600" dirty="0" smtClean="0"/>
-          </a:p>
-          <a:p>
-            <a:pPr marL="533400" indent="-533400"/>
+              <a:t>s</a:t>
+            </a:r>
             <a:r>
               <a:rPr lang="en-US" sz="3600" dirty="0" smtClean="0"/>
-              <a:t>TA – Submit Attendance, Submit Student Ranks</a:t>
+              <a:t>ubmit attendance</a:t>
+            </a:r>
+            <a:r>
+              <a:rPr lang="en-US" sz="3600" dirty="0" smtClean="0"/>
+              <a:t>, </a:t>
+            </a:r>
+            <a:r>
+              <a:rPr lang="en-US" sz="3600" dirty="0" smtClean="0"/>
+              <a:t>submit </a:t>
+            </a:r>
+            <a:r>
+              <a:rPr lang="en-US" sz="3600" dirty="0" smtClean="0"/>
+              <a:t>s</a:t>
+            </a:r>
+            <a:r>
+              <a:rPr lang="en-US" sz="3600" dirty="0" smtClean="0"/>
+              <a:t>tudent </a:t>
+            </a:r>
+            <a:r>
+              <a:rPr lang="en-US" sz="3600" dirty="0" smtClean="0"/>
+              <a:t>r</a:t>
+            </a:r>
+            <a:r>
+              <a:rPr lang="en-US" sz="3600" dirty="0" smtClean="0"/>
+              <a:t>anks</a:t>
             </a:r>
             <a:endParaRPr lang="en-US" sz="3600" dirty="0" smtClean="0"/>
           </a:p>
@@ -4187,8 +4213,8 @@
         </p:nvSpPr>
         <p:spPr>
           <a:xfrm>
-            <a:off x="17602200" y="9687674"/>
-            <a:ext cx="13563600" cy="13295948"/>
+            <a:off x="17602200" y="9677400"/>
+            <a:ext cx="13563600" cy="15327273"/>
           </a:xfrm>
           <a:prstGeom prst="rect">
             <a:avLst/>
@@ -4203,8 +4229,13 @@
           <a:p>
             <a:r>
               <a:rPr lang="en-US" sz="6600" b="1" dirty="0" smtClean="0"/>
-              <a:t>User Interfaces</a:t>
-            </a:r>
+              <a:t>User </a:t>
+            </a:r>
+            <a:r>
+              <a:rPr lang="en-US" sz="6600" b="1" dirty="0" smtClean="0"/>
+              <a:t>Interfaces</a:t>
+            </a:r>
+            <a:endParaRPr lang="en-US" sz="6600" b="1" dirty="0" smtClean="0"/>
           </a:p>
           <a:p>
             <a:pPr marL="457200" indent="-457200">
@@ -4213,40 +4244,27 @@
             </a:pPr>
             <a:r>
               <a:rPr lang="en-US" sz="4400" b="1" dirty="0" smtClean="0"/>
-              <a:t> Take Attendance</a:t>
-            </a:r>
-            <a:endParaRPr lang="en-US" sz="4400" b="1" dirty="0" smtClean="0"/>
+              <a:t> Take </a:t>
+            </a:r>
+            <a:r>
+              <a:rPr lang="en-US" sz="4400" b="1" dirty="0" smtClean="0"/>
+              <a:t>Attendance – </a:t>
+            </a:r>
+            <a:r>
+              <a:rPr lang="en-US" sz="4400" dirty="0" smtClean="0"/>
+              <a:t>The TA </a:t>
+            </a:r>
+            <a:r>
+              <a:rPr lang="en-US" sz="4400" dirty="0" smtClean="0"/>
+              <a:t>can take attendance before performances and </a:t>
+            </a:r>
+            <a:r>
+              <a:rPr lang="en-US" sz="4400" dirty="0" smtClean="0"/>
+              <a:t>rehearsals</a:t>
+            </a:r>
           </a:p>
           <a:p>
             <a:pPr marL="457200" indent="-457200"/>
-            <a:r>
-              <a:rPr lang="en-US" sz="4400" dirty="0" smtClean="0"/>
-              <a:t>	The </a:t>
-            </a:r>
-            <a:r>
-              <a:rPr lang="en-US" sz="4400" dirty="0" smtClean="0"/>
-              <a:t>TA </a:t>
-            </a:r>
-            <a:r>
-              <a:rPr lang="en-US" sz="4400" dirty="0" smtClean="0"/>
-              <a:t>can take </a:t>
-            </a:r>
-            <a:r>
-              <a:rPr lang="en-US" sz="4400" dirty="0" smtClean="0"/>
-              <a:t>attendance before </a:t>
-            </a:r>
-            <a:r>
-              <a:rPr lang="en-US" sz="4400" dirty="0" smtClean="0"/>
-              <a:t>performances </a:t>
-            </a:r>
-            <a:r>
-              <a:rPr lang="en-US" sz="4400" dirty="0" smtClean="0"/>
-              <a:t>and rehearsal </a:t>
-            </a:r>
-            <a:r>
-              <a:rPr lang="en-US" sz="4400" dirty="0" smtClean="0"/>
-              <a:t>s</a:t>
-            </a:r>
             <a:endParaRPr lang="en-US" sz="4400" dirty="0" smtClean="0"/>
           </a:p>
           <a:p>
@@ -4256,16 +4274,27 @@
             </a:pPr>
             <a:r>
               <a:rPr lang="en-US" sz="4400" b="1" dirty="0" smtClean="0"/>
-              <a:t> Check In Tardy</a:t>
-            </a:r>
-            <a:endParaRPr lang="en-US" sz="4400" b="1" dirty="0" smtClean="0"/>
+              <a:t> Check </a:t>
+            </a:r>
+            <a:r>
+              <a:rPr lang="en-US" sz="4400" b="1" dirty="0" smtClean="0"/>
+              <a:t>In – </a:t>
+            </a:r>
+            <a:r>
+              <a:rPr lang="en-US" sz="4400" dirty="0" smtClean="0"/>
+              <a:t>students </a:t>
+            </a:r>
+            <a:r>
+              <a:rPr lang="en-US" sz="4400" dirty="0" smtClean="0"/>
+              <a:t>can check in </a:t>
+            </a:r>
+            <a:r>
+              <a:rPr lang="en-US" sz="4400" dirty="0" smtClean="0"/>
+              <a:t>tardy</a:t>
+            </a:r>
           </a:p>
           <a:p>
             <a:pPr marL="457200" indent="-457200"/>
-            <a:r>
-              <a:rPr lang="en-US" sz="4400" dirty="0" smtClean="0"/>
-              <a:t>	The students can check in tardy</a:t>
-            </a:r>
             <a:endParaRPr lang="en-US" sz="4400" dirty="0" smtClean="0"/>
           </a:p>
           <a:p>
@@ -4275,28 +4304,43 @@
             </a:pPr>
             <a:r>
               <a:rPr lang="en-US" sz="4400" b="1" dirty="0" smtClean="0"/>
-              <a:t> Submit Forms</a:t>
-            </a:r>
-            <a:endParaRPr lang="en-US" sz="4400" b="1" dirty="0" smtClean="0"/>
-          </a:p>
-          <a:p>
-            <a:pPr marL="457200" indent="-457200"/>
+              <a:t> </a:t>
+            </a:r>
+            <a:r>
+              <a:rPr lang="en-US" sz="4400" b="1" dirty="0" smtClean="0"/>
+              <a:t>Forms – </a:t>
+            </a:r>
             <a:r>
               <a:rPr lang="en-US" sz="4400" dirty="0" smtClean="0"/>
-              <a:t>	The students </a:t>
+              <a:t>students </a:t>
             </a:r>
             <a:r>
               <a:rPr lang="en-US" sz="4400" dirty="0" smtClean="0"/>
-              <a:t>can </a:t>
+              <a:t>can submit </a:t>
             </a:r>
             <a:r>
               <a:rPr lang="en-US" sz="4400" dirty="0" smtClean="0"/>
-              <a:t>submit absence request </a:t>
+              <a:t>absence </a:t>
             </a:r>
             <a:r>
               <a:rPr lang="en-US" sz="4400" dirty="0" smtClean="0"/>
-              <a:t>forms online</a:t>
-            </a:r>
+              <a:t>request forms </a:t>
+            </a:r>
+            <a:r>
+              <a:rPr lang="en-US" sz="4400" dirty="0" smtClean="0"/>
+              <a:t>online,  </a:t>
+            </a:r>
+            <a:r>
+              <a:rPr lang="en-US" sz="4400" dirty="0" smtClean="0"/>
+              <a:t>and the Director approves them</a:t>
+            </a:r>
+          </a:p>
+          <a:p>
+            <a:pPr marL="457200" indent="-457200">
+              <a:buFont typeface="Arial" pitchFamily="34" charset="0"/>
+              <a:buChar char="•"/>
+            </a:pPr>
+            <a:endParaRPr lang="en-US" sz="4400" dirty="0" smtClean="0"/>
           </a:p>
           <a:p>
             <a:pPr marL="5943600" lvl="3" indent="-457200">
@@ -4305,42 +4349,30 @@
             </a:pPr>
             <a:r>
               <a:rPr lang="en-US" sz="4400" b="1" dirty="0" smtClean="0"/>
-              <a:t> Approve Forms</a:t>
-            </a:r>
-          </a:p>
-          <a:p>
-            <a:pPr marL="5943600" lvl="3" indent="-457200"/>
+              <a:t>Full Control – </a:t>
+            </a:r>
             <a:r>
               <a:rPr lang="en-US" sz="4400" dirty="0" smtClean="0"/>
-              <a:t>	The </a:t>
+              <a:t>The </a:t>
             </a:r>
             <a:r>
               <a:rPr lang="en-US" sz="4400" dirty="0" smtClean="0"/>
-              <a:t>Director can approve </a:t>
+              <a:t>Director </a:t>
             </a:r>
             <a:r>
               <a:rPr lang="en-US" sz="4400" dirty="0" smtClean="0"/>
-              <a:t>students’ forms</a:t>
-            </a:r>
-            <a:endParaRPr lang="en-US" sz="4400" b="1" dirty="0" smtClean="0"/>
+              <a:t>can edit any event in</a:t>
+            </a:r>
+            <a:r>
+              <a:rPr lang="en-US" sz="4400" dirty="0" smtClean="0"/>
+              <a:t> the system</a:t>
+            </a:r>
           </a:p>
           <a:p>
             <a:pPr marL="5943600" lvl="3" indent="-457200">
               <a:buFont typeface="Arial" pitchFamily="34" charset="0"/>
               <a:buChar char="•"/>
             </a:pPr>
-            <a:r>
-              <a:rPr lang="en-US" sz="4400" b="1" dirty="0" smtClean="0"/>
-              <a:t> Full Control</a:t>
-            </a:r>
-            <a:endParaRPr lang="en-US" sz="4400" b="1" dirty="0" smtClean="0"/>
-          </a:p>
-          <a:p>
-            <a:pPr marL="5943600" indent="-457200"/>
-            <a:r>
-              <a:rPr lang="en-US" sz="4400" dirty="0" smtClean="0"/>
-              <a:t>	The Director has full control over the entire system</a:t>
-            </a:r>
             <a:endParaRPr lang="en-US" sz="4400" dirty="0" smtClean="0"/>
           </a:p>
           <a:p>
@@ -4352,18 +4384,56 @@
               <a:rPr lang="en-US" sz="4400" b="1" dirty="0" smtClean="0"/>
               <a:t>Messaging</a:t>
             </a:r>
+            <a:r>
+              <a:rPr lang="en-US" sz="4400" b="1" dirty="0" smtClean="0"/>
+              <a:t> </a:t>
+            </a:r>
+            <a:r>
+              <a:rPr lang="en-US" sz="4400" b="1" dirty="0" smtClean="0"/>
+              <a:t>– </a:t>
+            </a:r>
+            <a:r>
+              <a:rPr lang="en-US" sz="4400" dirty="0" smtClean="0"/>
+              <a:t>Students </a:t>
+            </a:r>
+            <a:r>
+              <a:rPr lang="en-US" sz="4400" dirty="0" smtClean="0"/>
+              <a:t>and Directors can message each other about events and </a:t>
+            </a:r>
+            <a:r>
+              <a:rPr lang="en-US" sz="4400" dirty="0" smtClean="0"/>
+              <a:t>forms</a:t>
+            </a:r>
+          </a:p>
+          <a:p>
+            <a:pPr marL="5943600" indent="-457200">
+              <a:buFont typeface="Arial" pitchFamily="34" charset="0"/>
+              <a:buChar char="•"/>
+            </a:pPr>
             <a:endParaRPr lang="en-US" sz="4400" dirty="0" smtClean="0"/>
           </a:p>
           <a:p>
+            <a:pPr marL="5943600" indent="-457200">
+              <a:buFont typeface="Arial" pitchFamily="34" charset="0"/>
+              <a:buChar char="•"/>
+            </a:pPr>
+            <a:r>
+              <a:rPr lang="en-US" sz="4400" b="1" dirty="0" smtClean="0"/>
+              <a:t>Overview – </a:t>
+            </a:r>
+            <a:r>
+              <a:rPr lang="en-US" sz="4400" dirty="0" smtClean="0"/>
+              <a:t>Directors have a comprehensive view of every student’s attendance and grade</a:t>
+            </a:r>
+            <a:endParaRPr lang="en-US" sz="4400" dirty="0" smtClean="0"/>
+          </a:p>
+          <a:p>
             <a:pPr marL="5943600" indent="-457200"/>
-            <a:r>
-              <a:rPr lang="en-US" sz="4400" b="1" dirty="0" smtClean="0"/>
-              <a:t>	</a:t>
-            </a:r>
-            <a:r>
-              <a:rPr lang="en-US" sz="4400" dirty="0" smtClean="0"/>
-              <a:t>Students and Directors can message each other about events and forms</a:t>
-            </a:r>
+            <a:endParaRPr lang="en-US" sz="4400" dirty="0" smtClean="0"/>
+          </a:p>
+          <a:p>
+            <a:pPr marL="5943600" indent="-457200"/>
+            <a:endParaRPr lang="en-US" sz="4400" dirty="0" smtClean="0"/>
           </a:p>
           <a:p>
             <a:pPr marL="5943600" indent="-457200"/>
@@ -4395,8 +4465,13 @@
           <a:p>
             <a:r>
               <a:rPr lang="en-US" sz="6000" b="1" dirty="0" smtClean="0"/>
-              <a:t>Module Interfaces: </a:t>
-            </a:r>
+              <a:t>Module </a:t>
+            </a:r>
+            <a:r>
+              <a:rPr lang="en-US" sz="6000" b="1" dirty="0" smtClean="0"/>
+              <a:t>Interfaces</a:t>
+            </a:r>
+            <a:endParaRPr lang="en-US" sz="6000" b="1" dirty="0" smtClean="0"/>
           </a:p>
           <a:p>
             <a:r>
@@ -4563,6 +4638,9 @@
             <a:endParaRPr lang="en-US" sz="1800" dirty="0" smtClean="0"/>
           </a:p>
           <a:p>
+            <a:endParaRPr lang="en-US" sz="1800" dirty="0" smtClean="0"/>
+          </a:p>
+          <a:p>
             <a:r>
               <a:rPr lang="en-US" sz="1800" dirty="0" smtClean="0"/>
               <a:t>We </a:t>
@@ -4623,7 +4701,11 @@
             </a:r>
             <a:r>
               <a:rPr lang="en-US" sz="1800" b="1" dirty="0"/>
-              <a:t>(User guy</a:t>
+              <a:t>(User </a:t>
+            </a:r>
+            <a:r>
+              <a:rPr lang="en-US" sz="1800" b="1" dirty="0" err="1" smtClean="0"/>
+              <a:t>user</a:t>
             </a:r>
             <a:r>
               <a:rPr lang="en-US" sz="1800" b="1" dirty="0" smtClean="0"/>
@@ -4645,8 +4727,333 @@
               <a:t>(Event </a:t>
             </a:r>
             <a:r>
+              <a:rPr lang="en-US" sz="1800" b="1" dirty="0" err="1" smtClean="0"/>
+              <a:t>event</a:t>
+            </a:r>
+            <a:r>
+              <a:rPr lang="en-US" sz="1800" b="1" dirty="0" smtClean="0"/>
+              <a:t>) </a:t>
+            </a:r>
+            <a:endParaRPr lang="en-US" sz="1800" b="1" dirty="0" smtClean="0"/>
+          </a:p>
+          <a:p>
+            <a:r>
+              <a:rPr lang="en-US" sz="1800" b="1" dirty="0" smtClean="0"/>
+              <a:t>public </a:t>
+            </a:r>
+            <a:r>
+              <a:rPr lang="en-US" sz="1800" b="1" dirty="0"/>
+              <a:t>static String[] </a:t>
+            </a:r>
+            <a:r>
               <a:rPr lang="en-US" sz="1800" b="1" dirty="0" err="1"/>
-              <a:t>toAdd</a:t>
+              <a:t>listAllUsers</a:t>
+            </a:r>
+            <a:r>
+              <a:rPr lang="en-US" sz="1800" b="1" dirty="0" smtClean="0"/>
+              <a:t>()</a:t>
+            </a:r>
+          </a:p>
+          <a:p>
+            <a:endParaRPr lang="en-US" sz="1800" b="1" dirty="0"/>
+          </a:p>
+          <a:p>
+            <a:r>
+              <a:rPr lang="en-US" sz="1800" b="1" dirty="0" smtClean="0"/>
+              <a:t>1.2 http</a:t>
+            </a:r>
+            <a:r>
+              <a:rPr lang="en-US" sz="1800" b="1" dirty="0"/>
+              <a:t>:// Communication Between Mobile Application and Server</a:t>
+            </a:r>
+          </a:p>
+          <a:p>
+            <a:r>
+              <a:rPr lang="en-US" sz="1800" dirty="0"/>
+              <a:t>This is accomplished through a data serialization interface. The mobile app needs to send all relevant data currently stored in </a:t>
+            </a:r>
+            <a:r>
+              <a:rPr lang="en-US" sz="1800" dirty="0" err="1"/>
+              <a:t>localStorage</a:t>
+            </a:r>
+            <a:r>
+              <a:rPr lang="en-US" sz="1800" dirty="0"/>
+              <a:t> to the server. It concatenates the keys of all absences, </a:t>
+            </a:r>
+            <a:r>
+              <a:rPr lang="en-US" sz="1800" dirty="0" err="1"/>
+              <a:t>tardies</a:t>
+            </a:r>
+            <a:r>
+              <a:rPr lang="en-US" sz="1800" dirty="0"/>
+              <a:t>, and events stored in </a:t>
+            </a:r>
+            <a:r>
+              <a:rPr lang="en-US" sz="1800" dirty="0" err="1"/>
+              <a:t>localStorage</a:t>
+            </a:r>
+            <a:r>
+              <a:rPr lang="en-US" sz="1800" dirty="0"/>
+              <a:t> (both as described above) into a comma-delimited string that is sent to the server via an HTML POST request and parsed using a servlet's </a:t>
+            </a:r>
+            <a:r>
+              <a:rPr lang="en-US" sz="1800" dirty="0" err="1"/>
+              <a:t>doPost</a:t>
+            </a:r>
+            <a:r>
+              <a:rPr lang="en-US" sz="1800" dirty="0"/>
+              <a:t> method. This interface for serialization makes parsing easy, as two calls to </a:t>
+            </a:r>
+            <a:r>
+              <a:rPr lang="en-US" sz="1800" dirty="0" err="1"/>
+              <a:t>String.split</a:t>
+            </a:r>
+            <a:r>
+              <a:rPr lang="en-US" sz="1800" dirty="0"/>
+              <a:t>(char delimiter) can create a 2D array of everything that was previously stored in </a:t>
+            </a:r>
+            <a:r>
+              <a:rPr lang="en-US" sz="1800" dirty="0" err="1"/>
+              <a:t>localStorage</a:t>
+            </a:r>
+            <a:r>
+              <a:rPr lang="en-US" sz="1800" dirty="0"/>
+              <a:t> at the client side</a:t>
+            </a:r>
+            <a:r>
+              <a:rPr lang="en-US" sz="1800" dirty="0" smtClean="0"/>
+              <a:t>.</a:t>
+            </a:r>
+          </a:p>
+          <a:p>
+            <a:endParaRPr lang="en-US" sz="1800" b="1" dirty="0" smtClean="0"/>
+          </a:p>
+          <a:p>
+            <a:r>
+              <a:rPr lang="en-US" sz="1800" b="1" dirty="0" smtClean="0"/>
+              <a:t>1.3 Mobile </a:t>
+            </a:r>
+            <a:r>
+              <a:rPr lang="en-US" sz="1800" b="1" dirty="0"/>
+              <a:t>Application html5 </a:t>
+            </a:r>
+            <a:r>
+              <a:rPr lang="en-US" sz="1800" b="1" dirty="0" err="1" smtClean="0"/>
+              <a:t>localStorage</a:t>
+            </a:r>
+            <a:endParaRPr lang="en-US" sz="1800" b="1" dirty="0" smtClean="0"/>
+          </a:p>
+          <a:p>
+            <a:r>
+              <a:rPr lang="en-US" sz="1800" dirty="0"/>
+              <a:t>HTML5 </a:t>
+            </a:r>
+            <a:r>
+              <a:rPr lang="en-US" sz="1800" dirty="0" err="1"/>
+              <a:t>localStorage</a:t>
+            </a:r>
+            <a:r>
+              <a:rPr lang="en-US" sz="1800" dirty="0"/>
+              <a:t> is a key-value map that deals only with Strings. Because of the many types of data we store in </a:t>
+            </a:r>
+            <a:r>
+              <a:rPr lang="en-US" sz="1800" dirty="0" err="1"/>
+              <a:t>localStorage</a:t>
+            </a:r>
+            <a:r>
+              <a:rPr lang="en-US" sz="1800" dirty="0"/>
+              <a:t>, we defined an interface for the common serialization of four different data types: </a:t>
+            </a:r>
+            <a:r>
+              <a:rPr lang="en-US" sz="1800" dirty="0" smtClean="0"/>
+              <a:t>User, </a:t>
+            </a:r>
+            <a:r>
+              <a:rPr lang="en-US" sz="1800" dirty="0" smtClean="0"/>
+              <a:t>E</a:t>
+            </a:r>
+            <a:r>
+              <a:rPr lang="en-US" sz="1800" dirty="0" smtClean="0"/>
+              <a:t>vent, </a:t>
+            </a:r>
+            <a:r>
+              <a:rPr lang="en-US" sz="1800" dirty="0" smtClean="0"/>
+              <a:t>T</a:t>
+            </a:r>
+            <a:r>
+              <a:rPr lang="en-US" sz="1800" dirty="0" smtClean="0"/>
+              <a:t>ardy, </a:t>
+            </a:r>
+            <a:r>
+              <a:rPr lang="en-US" sz="1800" dirty="0"/>
+              <a:t>and </a:t>
+            </a:r>
+            <a:r>
+              <a:rPr lang="en-US" sz="1800" dirty="0" smtClean="0"/>
+              <a:t>Absence.</a:t>
+            </a:r>
+            <a:endParaRPr lang="en-US" sz="1800" b="1" dirty="0"/>
+          </a:p>
+          <a:p>
+            <a:r>
+              <a:rPr lang="en-US" sz="1800" b="1" dirty="0"/>
+              <a:t>Example for an absence: "</a:t>
+            </a:r>
+            <a:r>
+              <a:rPr lang="en-US" sz="1800" b="1" dirty="0" err="1"/>
+              <a:t>absentStudentRehearsal</a:t>
+            </a:r>
+            <a:r>
+              <a:rPr lang="en-US" sz="1800" b="1" dirty="0"/>
+              <a:t> Curtis </a:t>
+            </a:r>
+            <a:r>
+              <a:rPr lang="en-US" sz="1800" b="1" dirty="0" err="1"/>
+              <a:t>Ullerich</a:t>
+            </a:r>
+            <a:r>
+              <a:rPr lang="en-US" sz="1800" b="1" dirty="0"/>
+              <a:t> </a:t>
+            </a:r>
+            <a:r>
+              <a:rPr lang="en-US" sz="1800" b="1" dirty="0" err="1"/>
+              <a:t>curtisu</a:t>
+            </a:r>
+            <a:r>
+              <a:rPr lang="en-US" sz="1800" b="1" dirty="0"/>
+              <a:t> 2012-3-28 1630 1750 000001" </a:t>
+            </a:r>
+            <a:endParaRPr lang="en-US" sz="1800" b="1" dirty="0" smtClean="0"/>
+          </a:p>
+          <a:p>
+            <a:r>
+              <a:rPr lang="en-US" sz="1800" dirty="0" smtClean="0"/>
+              <a:t>This </a:t>
+            </a:r>
+            <a:r>
+              <a:rPr lang="en-US" sz="1800" dirty="0"/>
+              <a:t>allows for </a:t>
+            </a:r>
+            <a:r>
+              <a:rPr lang="en-US" sz="1800" dirty="0" err="1"/>
+              <a:t>util</a:t>
+            </a:r>
+            <a:r>
+              <a:rPr lang="en-US" sz="1800" dirty="0"/>
+              <a:t> functions for storing and retrieving items from </a:t>
+            </a:r>
+            <a:r>
+              <a:rPr lang="en-US" sz="1800" dirty="0" err="1"/>
+              <a:t>localstorage</a:t>
+            </a:r>
+            <a:r>
+              <a:rPr lang="en-US" sz="1800" dirty="0"/>
+              <a:t>, as well as searching and aggregating entities of a particular type for sorting, storing, </a:t>
+            </a:r>
+            <a:r>
+              <a:rPr lang="en-US" sz="1800" dirty="0" err="1"/>
+              <a:t>POSTing</a:t>
+            </a:r>
+            <a:r>
+              <a:rPr lang="en-US" sz="1800" dirty="0"/>
+              <a:t>, etc</a:t>
+            </a:r>
+            <a:r>
+              <a:rPr lang="en-US" sz="1800" dirty="0" smtClean="0"/>
+              <a:t>.</a:t>
+            </a:r>
+          </a:p>
+          <a:p>
+            <a:endParaRPr lang="en-US" sz="1800" b="1" dirty="0"/>
+          </a:p>
+          <a:p>
+            <a:r>
+              <a:rPr lang="en-US" sz="1800" b="1" dirty="0" smtClean="0"/>
+              <a:t>1.4 JSP-Backend </a:t>
+            </a:r>
+            <a:endParaRPr lang="en-US" sz="1800" b="1" dirty="0"/>
+          </a:p>
+          <a:p>
+            <a:r>
+              <a:rPr lang="en-US" sz="1800" dirty="0"/>
+              <a:t>The JSPs that comprise the GUI for our web application pull user information from the </a:t>
+            </a:r>
+            <a:r>
+              <a:rPr lang="en-US" sz="1800" dirty="0" err="1"/>
+              <a:t>datastore</a:t>
+            </a:r>
+            <a:r>
+              <a:rPr lang="en-US" sz="1800" dirty="0"/>
+              <a:t> </a:t>
+            </a:r>
+            <a:endParaRPr lang="en-US" sz="1800" dirty="0" smtClean="0"/>
+          </a:p>
+          <a:p>
+            <a:r>
+              <a:rPr lang="en-US" sz="1800" dirty="0" smtClean="0"/>
+              <a:t>using </a:t>
+            </a:r>
+            <a:r>
+              <a:rPr lang="en-US" sz="1800" dirty="0"/>
+              <a:t>the interface defined in 5.1.1 above. We use a standard interface for servlets for pushing </a:t>
+            </a:r>
+            <a:endParaRPr lang="en-US" sz="1800" dirty="0" smtClean="0"/>
+          </a:p>
+          <a:p>
+            <a:r>
+              <a:rPr lang="en-US" sz="1800" dirty="0" smtClean="0"/>
+              <a:t>data </a:t>
+            </a:r>
+            <a:r>
+              <a:rPr lang="en-US" sz="1800" dirty="0"/>
+              <a:t>to the server using an HTML POST request: </a:t>
+            </a:r>
+            <a:endParaRPr lang="en-US" sz="1800" dirty="0" smtClean="0"/>
+          </a:p>
+          <a:p>
+            <a:r>
+              <a:rPr lang="en-US" sz="1800" b="1" dirty="0" smtClean="0"/>
+              <a:t>public </a:t>
+            </a:r>
+            <a:r>
+              <a:rPr lang="en-US" sz="1800" b="1" dirty="0"/>
+              <a:t>void </a:t>
+            </a:r>
+            <a:r>
+              <a:rPr lang="en-US" sz="1800" b="1" dirty="0" err="1"/>
+              <a:t>doPost</a:t>
+            </a:r>
+            <a:r>
+              <a:rPr lang="en-US" sz="1800" b="1" dirty="0"/>
+              <a:t>(</a:t>
+            </a:r>
+            <a:r>
+              <a:rPr lang="en-US" sz="1800" b="1" dirty="0" err="1"/>
+              <a:t>HttpServletRequest</a:t>
+            </a:r>
+            <a:r>
+              <a:rPr lang="en-US" sz="1800" b="1" dirty="0"/>
+              <a:t> </a:t>
+            </a:r>
+            <a:r>
+              <a:rPr lang="en-US" sz="1800" b="1" dirty="0" err="1"/>
+              <a:t>req</a:t>
+            </a:r>
+            <a:r>
+              <a:rPr lang="en-US" sz="1800" b="1" dirty="0"/>
+              <a:t>, </a:t>
+            </a:r>
+            <a:r>
+              <a:rPr lang="en-US" sz="1800" b="1" dirty="0" err="1"/>
+              <a:t>HttpServletResponse</a:t>
+            </a:r>
+            <a:r>
+              <a:rPr lang="en-US" sz="1800" b="1" dirty="0"/>
+              <a:t> </a:t>
+            </a:r>
+            <a:r>
+              <a:rPr lang="en-US" sz="1800" b="1" dirty="0" err="1"/>
+              <a:t>resp</a:t>
             </a:r>
             <a:r>
               <a:rPr lang="en-US" sz="1800" b="1" dirty="0"/>
@@ -4656,63 +5063,93 @@
           </a:p>
           <a:p>
             <a:r>
-              <a:rPr lang="en-US" sz="1800" b="1" dirty="0" smtClean="0"/>
-              <a:t>public </a:t>
-            </a:r>
-            <a:r>
-              <a:rPr lang="en-US" sz="1800" b="1" dirty="0"/>
-              <a:t>static String[] </a:t>
-            </a:r>
-            <a:r>
-              <a:rPr lang="en-US" sz="1800" b="1" dirty="0" err="1"/>
-              <a:t>listAllUsers</a:t>
-            </a:r>
-            <a:r>
-              <a:rPr lang="en-US" sz="1800" b="1" dirty="0" smtClean="0"/>
-              <a:t>()</a:t>
-            </a:r>
-          </a:p>
-          <a:p>
-            <a:endParaRPr lang="en-US" sz="1800" b="1" dirty="0"/>
-          </a:p>
-          <a:p>
-            <a:r>
-              <a:rPr lang="en-US" sz="1800" b="1" dirty="0" smtClean="0"/>
-              <a:t>1.2 http</a:t>
-            </a:r>
-            <a:r>
-              <a:rPr lang="en-US" sz="1800" b="1" dirty="0"/>
-              <a:t>:// Communication Between Mobile Application and Server</a:t>
-            </a:r>
-          </a:p>
-          <a:p>
+              <a:rPr lang="en-US" sz="1800" dirty="0" smtClean="0"/>
+              <a:t>For </a:t>
+            </a:r>
             <a:r>
               <a:rPr lang="en-US" sz="1800" dirty="0"/>
-              <a:t>This is accomplished through a data serialization interface. The mobile app needs to send all relevant data currently stored in </a:t>
-            </a:r>
-            <a:r>
-              <a:rPr lang="en-US" sz="1800" dirty="0" err="1"/>
-              <a:t>localStorage</a:t>
+              <a:t>each type of servlet necessary (in which we send various types of </a:t>
+            </a:r>
+            <a:r>
+              <a:rPr lang="en-US" sz="1800" dirty="0" smtClean="0"/>
+              <a:t>data and </a:t>
             </a:r>
             <a:r>
               <a:rPr lang="en-US" sz="1800" dirty="0"/>
-              <a:t> to the server. It concatenates the keys of all absences, </a:t>
-            </a:r>
-            <a:r>
-              <a:rPr lang="en-US" sz="1800" dirty="0" err="1"/>
-              <a:t>tardies</a:t>
+              <a:t>handle the </a:t>
+            </a:r>
+            <a:endParaRPr lang="en-US" sz="1800" dirty="0" smtClean="0"/>
+          </a:p>
+          <a:p>
+            <a:r>
+              <a:rPr lang="en-US" sz="1800" dirty="0" smtClean="0"/>
+              <a:t>POST </a:t>
             </a:r>
             <a:r>
               <a:rPr lang="en-US" sz="1800" dirty="0"/>
-              <a:t>, and events stored in </a:t>
-            </a:r>
-            <a:r>
-              <a:rPr lang="en-US" sz="1800" dirty="0" err="1"/>
-              <a:t>localStorage</a:t>
+              <a:t>differently), we use this method to accept data. Each </a:t>
+            </a:r>
+            <a:r>
+              <a:rPr lang="en-US" sz="1800" dirty="0" err="1" smtClean="0"/>
+              <a:t>servlet</a:t>
+            </a:r>
+            <a:r>
+              <a:rPr lang="en-US" sz="1800" dirty="0" smtClean="0"/>
+              <a:t> </a:t>
             </a:r>
             <a:r>
               <a:rPr lang="en-US" sz="1800" dirty="0"/>
-              <a:t> (both as described above) into a comma-delimited string that is sent to the server via an HTML POST request and parsed using a servlet's </a:t>
+              <a:t>class </a:t>
+            </a:r>
+            <a:r>
+              <a:rPr lang="en-US" sz="1800" dirty="0" smtClean="0"/>
+              <a:t>extends </a:t>
+            </a:r>
+            <a:r>
+              <a:rPr lang="en-US" sz="1800" dirty="0" err="1" smtClean="0"/>
+              <a:t>HttpServlet</a:t>
+            </a:r>
+            <a:r>
+              <a:rPr lang="en-US" sz="1800" dirty="0"/>
+              <a:t>. </a:t>
+            </a:r>
+            <a:endParaRPr lang="en-US" sz="1800" dirty="0" smtClean="0"/>
+          </a:p>
+          <a:p>
+            <a:r>
+              <a:rPr lang="en-US" sz="1800" dirty="0" smtClean="0"/>
+              <a:t>From </a:t>
+            </a:r>
+            <a:r>
+              <a:rPr lang="en-US" sz="1800" dirty="0"/>
+              <a:t>the HTML page, a POST is done </a:t>
+            </a:r>
+            <a:r>
+              <a:rPr lang="en-US" sz="1800" dirty="0" smtClean="0"/>
+              <a:t>as the </a:t>
+            </a:r>
+            <a:r>
+              <a:rPr lang="en-US" sz="1800" dirty="0"/>
+              <a:t>method of a standard HTML form and sends the </a:t>
+            </a:r>
+            <a:endParaRPr lang="en-US" sz="1800" dirty="0" smtClean="0"/>
+          </a:p>
+          <a:p>
+            <a:r>
+              <a:rPr lang="en-US" sz="1800" dirty="0" smtClean="0"/>
+              <a:t>values </a:t>
+            </a:r>
+            <a:r>
+              <a:rPr lang="en-US" sz="1800" dirty="0"/>
+              <a:t>of all form fields </a:t>
+            </a:r>
+            <a:r>
+              <a:rPr lang="en-US" sz="1800" dirty="0" smtClean="0"/>
+              <a:t>to </a:t>
+            </a:r>
+            <a:r>
+              <a:rPr lang="en-US" sz="1800" dirty="0"/>
+              <a:t>the servlet, where they are processed in our </a:t>
             </a:r>
             <a:r>
               <a:rPr lang="en-US" sz="1800" dirty="0" err="1"/>
@@ -4720,354 +5157,20 @@
             </a:r>
             <a:r>
               <a:rPr lang="en-US" sz="1800" dirty="0"/>
-              <a:t> method. This interface for serialization makes parsing easy, as two calls to </a:t>
-            </a:r>
-            <a:r>
-              <a:rPr lang="en-US" sz="1800" dirty="0" err="1"/>
-              <a:t>String.split</a:t>
-            </a:r>
-            <a:r>
-              <a:rPr lang="en-US" sz="1800" dirty="0"/>
-              <a:t>(char delimiter) can create a 2D array of everything that was previously stored in </a:t>
-            </a:r>
-            <a:r>
-              <a:rPr lang="en-US" sz="1800" dirty="0" err="1"/>
-              <a:t>localStorage</a:t>
-            </a:r>
-            <a:r>
-              <a:rPr lang="en-US" sz="1800" dirty="0"/>
-              <a:t> at the client side</a:t>
-            </a:r>
-            <a:r>
-              <a:rPr lang="en-US" sz="1800" dirty="0" smtClean="0"/>
-              <a:t>.</a:t>
-            </a:r>
-          </a:p>
-          <a:p>
+              <a:t> method.</a:t>
+            </a:r>
             <a:endParaRPr lang="en-US" sz="1800" b="1" dirty="0" smtClean="0"/>
           </a:p>
           <a:p>
             <a:r>
-              <a:rPr lang="en-US" sz="1800" b="1" dirty="0" smtClean="0"/>
-              <a:t>1.3 Mobile </a:t>
-            </a:r>
-            <a:r>
-              <a:rPr lang="en-US" sz="1800" b="1" dirty="0"/>
-              <a:t>Application html5 </a:t>
-            </a:r>
-            <a:r>
-              <a:rPr lang="en-US" sz="1800" b="1" dirty="0" err="1" smtClean="0"/>
-              <a:t>localStorage</a:t>
-            </a:r>
-            <a:endParaRPr lang="en-US" sz="1800" b="1" dirty="0" smtClean="0"/>
-          </a:p>
-          <a:p>
-            <a:r>
-              <a:rPr lang="en-US" sz="1800" dirty="0"/>
-              <a:t>HTML5 </a:t>
-            </a:r>
-            <a:r>
-              <a:rPr lang="en-US" sz="1800" dirty="0" err="1"/>
-              <a:t>localStorage</a:t>
-            </a:r>
-            <a:r>
-              <a:rPr lang="en-US" sz="1800" dirty="0"/>
-              <a:t> is a key-value map that deals only with Strings. Because of the many types of data we store in </a:t>
-            </a:r>
-            <a:r>
-              <a:rPr lang="en-US" sz="1800" dirty="0" err="1"/>
-              <a:t>localStorage</a:t>
-            </a:r>
-            <a:r>
-              <a:rPr lang="en-US" sz="1800" dirty="0"/>
-              <a:t>, we defined an interface for the common serialization of four different data types: Users, events, </a:t>
-            </a:r>
-            <a:r>
-              <a:rPr lang="en-US" sz="1800" dirty="0" err="1"/>
-              <a:t>tardies</a:t>
-            </a:r>
-            <a:r>
-              <a:rPr lang="en-US" sz="1800" dirty="0"/>
-              <a:t>, and absences</a:t>
-            </a:r>
-            <a:r>
-              <a:rPr lang="en-US" sz="1800" dirty="0" smtClean="0"/>
-              <a:t>.</a:t>
-            </a:r>
-            <a:endParaRPr lang="en-US" sz="1800" b="1" dirty="0"/>
-          </a:p>
-          <a:p>
-            <a:r>
-              <a:rPr lang="en-US" sz="1800" b="1" dirty="0"/>
-              <a:t>Example for an absence: "</a:t>
-            </a:r>
-            <a:r>
-              <a:rPr lang="en-US" sz="1800" b="1" dirty="0" err="1"/>
-              <a:t>absentStudentRehearsal</a:t>
-            </a:r>
-            <a:r>
-              <a:rPr lang="en-US" sz="1800" b="1" dirty="0"/>
-              <a:t> Curtis </a:t>
-            </a:r>
-            <a:r>
-              <a:rPr lang="en-US" sz="1800" b="1" dirty="0" err="1"/>
-              <a:t>Ullerich</a:t>
-            </a:r>
-            <a:r>
-              <a:rPr lang="en-US" sz="1800" b="1" dirty="0"/>
-              <a:t> </a:t>
-            </a:r>
-            <a:r>
-              <a:rPr lang="en-US" sz="1800" b="1" dirty="0" err="1"/>
-              <a:t>curtisu</a:t>
-            </a:r>
-            <a:r>
-              <a:rPr lang="en-US" sz="1800" b="1" dirty="0"/>
-              <a:t> 2012-3-28 1630 1750 000001" </a:t>
-            </a:r>
-            <a:endParaRPr lang="en-US" sz="1800" b="1" dirty="0" smtClean="0"/>
-          </a:p>
-          <a:p>
-            <a:r>
-              <a:rPr lang="en-US" sz="1800" dirty="0" smtClean="0"/>
-              <a:t>This </a:t>
-            </a:r>
-            <a:r>
-              <a:rPr lang="en-US" sz="1800" dirty="0"/>
-              <a:t>allows for </a:t>
-            </a:r>
-            <a:r>
-              <a:rPr lang="en-US" sz="1800" dirty="0" err="1"/>
-              <a:t>util</a:t>
-            </a:r>
-            <a:r>
-              <a:rPr lang="en-US" sz="1800" dirty="0"/>
-              <a:t> functions for storing and retrieving items from </a:t>
-            </a:r>
-            <a:r>
-              <a:rPr lang="en-US" sz="1800" dirty="0" err="1"/>
-              <a:t>localstorage</a:t>
-            </a:r>
-            <a:r>
-              <a:rPr lang="en-US" sz="1800" dirty="0"/>
-              <a:t>, as well as searching and aggregating entities of a particular type for sorting, storing, </a:t>
-            </a:r>
-            <a:r>
-              <a:rPr lang="en-US" sz="1800" dirty="0" err="1"/>
-              <a:t>POSTing</a:t>
-            </a:r>
-            <a:r>
-              <a:rPr lang="en-US" sz="1800" dirty="0"/>
-              <a:t>, etc</a:t>
-            </a:r>
-            <a:r>
-              <a:rPr lang="en-US" sz="1800" dirty="0" smtClean="0"/>
-              <a:t>.</a:t>
-            </a:r>
-          </a:p>
-          <a:p>
-            <a:endParaRPr lang="en-US" sz="1800" b="1" dirty="0"/>
-          </a:p>
-          <a:p>
-            <a:r>
-              <a:rPr lang="en-US" sz="1800" b="1" dirty="0" smtClean="0"/>
-              <a:t>1.4 JSP-Backend </a:t>
-            </a:r>
-            <a:endParaRPr lang="en-US" sz="1800" b="1" dirty="0"/>
-          </a:p>
-          <a:p>
-            <a:r>
-              <a:rPr lang="en-US" sz="1800" dirty="0"/>
-              <a:t>The JSPs that comprise the GUI for our web application pull user information from the </a:t>
-            </a:r>
-            <a:r>
-              <a:rPr lang="en-US" sz="1800" dirty="0" err="1"/>
-              <a:t>datastore</a:t>
-            </a:r>
-            <a:r>
-              <a:rPr lang="en-US" sz="1800" dirty="0"/>
-              <a:t> </a:t>
-            </a:r>
-            <a:endParaRPr lang="en-US" sz="1800" dirty="0" smtClean="0"/>
-          </a:p>
-          <a:p>
-            <a:r>
-              <a:rPr lang="en-US" sz="1800" dirty="0" smtClean="0"/>
-              <a:t>using </a:t>
-            </a:r>
-            <a:r>
-              <a:rPr lang="en-US" sz="1800" dirty="0"/>
-              <a:t>the interface defined in 5.1.1 above. We use a standard interface for servlets for pushing </a:t>
-            </a:r>
-            <a:endParaRPr lang="en-US" sz="1800" dirty="0" smtClean="0"/>
-          </a:p>
-          <a:p>
-            <a:r>
-              <a:rPr lang="en-US" sz="1800" dirty="0" smtClean="0"/>
-              <a:t>data </a:t>
-            </a:r>
-            <a:r>
-              <a:rPr lang="en-US" sz="1800" dirty="0"/>
-              <a:t>to the server using an HTML POST request: </a:t>
-            </a:r>
-            <a:endParaRPr lang="en-US" sz="1800" dirty="0" smtClean="0"/>
-          </a:p>
-          <a:p>
-            <a:r>
-              <a:rPr lang="en-US" sz="1800" b="1" dirty="0" smtClean="0"/>
-              <a:t>public </a:t>
-            </a:r>
-            <a:r>
-              <a:rPr lang="en-US" sz="1800" b="1" dirty="0"/>
-              <a:t>void </a:t>
-            </a:r>
-            <a:r>
-              <a:rPr lang="en-US" sz="1800" b="1" dirty="0" err="1"/>
-              <a:t>doPost</a:t>
-            </a:r>
-            <a:r>
-              <a:rPr lang="en-US" sz="1800" b="1" dirty="0"/>
-              <a:t>(</a:t>
-            </a:r>
-            <a:r>
-              <a:rPr lang="en-US" sz="1800" b="1" dirty="0" err="1"/>
-              <a:t>HttpServletRequest</a:t>
-            </a:r>
-            <a:r>
-              <a:rPr lang="en-US" sz="1800" b="1" dirty="0"/>
-              <a:t> </a:t>
-            </a:r>
-            <a:r>
-              <a:rPr lang="en-US" sz="1800" b="1" dirty="0" err="1"/>
-              <a:t>req</a:t>
-            </a:r>
-            <a:r>
-              <a:rPr lang="en-US" sz="1800" b="1" dirty="0"/>
-              <a:t>, </a:t>
-            </a:r>
-            <a:r>
-              <a:rPr lang="en-US" sz="1800" b="1" dirty="0" err="1"/>
-              <a:t>HttpServletResponse</a:t>
-            </a:r>
-            <a:r>
-              <a:rPr lang="en-US" sz="1800" b="1" dirty="0"/>
-              <a:t> </a:t>
-            </a:r>
-            <a:r>
-              <a:rPr lang="en-US" sz="1800" b="1" dirty="0" err="1"/>
-              <a:t>resp</a:t>
-            </a:r>
-            <a:r>
-              <a:rPr lang="en-US" sz="1800" b="1" dirty="0"/>
-              <a:t>) </a:t>
-            </a:r>
-            <a:endParaRPr lang="en-US" sz="1800" b="1" dirty="0" smtClean="0"/>
-          </a:p>
-          <a:p>
-            <a:r>
-              <a:rPr lang="en-US" sz="1800" dirty="0" smtClean="0"/>
-              <a:t>For </a:t>
-            </a:r>
-            <a:r>
-              <a:rPr lang="en-US" sz="1800" dirty="0"/>
-              <a:t>each type of servlet necessary (in which we send various types of </a:t>
-            </a:r>
-            <a:r>
-              <a:rPr lang="en-US" sz="1800" dirty="0" smtClean="0"/>
-              <a:t>data and </a:t>
-            </a:r>
-            <a:r>
-              <a:rPr lang="en-US" sz="1800" dirty="0"/>
-              <a:t>handle the </a:t>
-            </a:r>
-            <a:endParaRPr lang="en-US" sz="1800" dirty="0" smtClean="0"/>
-          </a:p>
-          <a:p>
-            <a:r>
-              <a:rPr lang="en-US" sz="1800" dirty="0" smtClean="0"/>
-              <a:t>POST </a:t>
-            </a:r>
-            <a:r>
-              <a:rPr lang="en-US" sz="1800" dirty="0"/>
-              <a:t>differently), we use this method to accept data. Each </a:t>
-            </a:r>
-            <a:r>
-              <a:rPr lang="en-US" sz="1800" dirty="0" err="1" smtClean="0"/>
-              <a:t>servlet</a:t>
-            </a:r>
-            <a:r>
-              <a:rPr lang="en-US" sz="1800" dirty="0" smtClean="0"/>
-              <a:t> </a:t>
-            </a:r>
-            <a:r>
-              <a:rPr lang="en-US" sz="1800" dirty="0"/>
-              <a:t>class </a:t>
-            </a:r>
-            <a:r>
-              <a:rPr lang="en-US" sz="1800" dirty="0" smtClean="0"/>
-              <a:t>extends </a:t>
-            </a:r>
-            <a:r>
-              <a:rPr lang="en-US" sz="1800" dirty="0" err="1" smtClean="0"/>
-              <a:t>HttpServlet</a:t>
-            </a:r>
-            <a:r>
-              <a:rPr lang="en-US" sz="1800" dirty="0"/>
-              <a:t>. </a:t>
-            </a:r>
-            <a:endParaRPr lang="en-US" sz="1800" dirty="0" smtClean="0"/>
-          </a:p>
-          <a:p>
-            <a:r>
-              <a:rPr lang="en-US" sz="1800" dirty="0" smtClean="0"/>
-              <a:t>From </a:t>
-            </a:r>
-            <a:r>
-              <a:rPr lang="en-US" sz="1800" dirty="0"/>
-              <a:t>the HTML page, a POST is done </a:t>
-            </a:r>
-            <a:r>
-              <a:rPr lang="en-US" sz="1800" dirty="0" smtClean="0"/>
-              <a:t>as the </a:t>
-            </a:r>
-            <a:r>
-              <a:rPr lang="en-US" sz="1800" dirty="0"/>
-              <a:t>method of a standard HTML form and sends the </a:t>
-            </a:r>
-            <a:endParaRPr lang="en-US" sz="1800" dirty="0" smtClean="0"/>
-          </a:p>
-          <a:p>
-            <a:r>
-              <a:rPr lang="en-US" sz="1800" dirty="0" smtClean="0"/>
-              <a:t>values </a:t>
-            </a:r>
-            <a:r>
-              <a:rPr lang="en-US" sz="1800" dirty="0"/>
-              <a:t>of all form fields </a:t>
-            </a:r>
-            <a:r>
-              <a:rPr lang="en-US" sz="1800" dirty="0" smtClean="0"/>
-              <a:t>to </a:t>
-            </a:r>
-            <a:r>
-              <a:rPr lang="en-US" sz="1800" dirty="0"/>
-              <a:t>the servlet, where they are processed in our </a:t>
-            </a:r>
-            <a:r>
-              <a:rPr lang="en-US" sz="1800" dirty="0" err="1"/>
-              <a:t>doPost</a:t>
-            </a:r>
-            <a:r>
-              <a:rPr lang="en-US" sz="1800" dirty="0"/>
-              <a:t> method.</a:t>
-            </a:r>
-            <a:endParaRPr lang="en-US" sz="1800" b="1" dirty="0" smtClean="0"/>
-          </a:p>
-          <a:p>
-            <a:r>
               <a:rPr lang="en-US" sz="6000" b="1" dirty="0" smtClean="0"/>
-              <a:t>Design Decisions:</a:t>
-            </a:r>
+              <a:t>Design </a:t>
+            </a:r>
+            <a:r>
+              <a:rPr lang="en-US" sz="6000" b="1" dirty="0" smtClean="0"/>
+              <a:t>Decisions</a:t>
+            </a:r>
+            <a:endParaRPr lang="en-US" sz="6000" b="1" dirty="0" smtClean="0"/>
           </a:p>
           <a:p>
             <a:pPr>
@@ -5080,7 +5183,7 @@
             </a:r>
             <a:r>
               <a:rPr lang="en-US" sz="2800" dirty="0" smtClean="0"/>
-              <a:t>Engine for Hosting the Server</a:t>
+              <a:t>Engine as a server framework</a:t>
             </a:r>
           </a:p>
           <a:p>
@@ -5090,7 +5193,11 @@
             </a:pPr>
             <a:r>
               <a:rPr lang="en-US" sz="2800" dirty="0" smtClean="0"/>
-              <a:t>Flattening the Java Hierarchy</a:t>
+              <a:t>Flattening </a:t>
+            </a:r>
+            <a:r>
+              <a:rPr lang="en-US" sz="2800" dirty="0" smtClean="0"/>
+              <a:t>the Java Hierarchy</a:t>
             </a:r>
           </a:p>
           <a:p>
@@ -5114,7 +5221,6 @@
               <a:rPr lang="en-US" sz="2800" dirty="0" smtClean="0"/>
               <a:t>)</a:t>
             </a:r>
-            <a:endParaRPr lang="en-US" sz="2800" dirty="0" smtClean="0"/>
           </a:p>
           <a:p>
             <a:pPr>
@@ -5131,7 +5237,15 @@
             </a:r>
             <a:r>
               <a:rPr lang="en-US" sz="2800" dirty="0" smtClean="0"/>
-              <a:t>html5 for Mobile App</a:t>
+              <a:t>HTML</a:t>
+            </a:r>
+            <a:r>
+              <a:rPr lang="en-US" sz="2800" dirty="0" smtClean="0"/>
+              <a:t>5 </a:t>
+            </a:r>
+            <a:r>
+              <a:rPr lang="en-US" sz="2800" dirty="0" smtClean="0"/>
+              <a:t>for Mobile App</a:t>
             </a:r>
           </a:p>
           <a:p>
@@ -5141,7 +5255,23 @@
             </a:pPr>
             <a:r>
               <a:rPr lang="en-US" sz="2800" dirty="0" smtClean="0"/>
-              <a:t>Store Information in Key of </a:t>
+              <a:t>Store </a:t>
+            </a:r>
+            <a:r>
+              <a:rPr lang="en-US" sz="2800" dirty="0" smtClean="0"/>
+              <a:t>information </a:t>
+            </a:r>
+            <a:r>
+              <a:rPr lang="en-US" sz="2800" dirty="0" smtClean="0"/>
+              <a:t>in </a:t>
+            </a:r>
+            <a:r>
+              <a:rPr lang="en-US" sz="2800" dirty="0" smtClean="0"/>
+              <a:t>key </a:t>
+            </a:r>
+            <a:r>
+              <a:rPr lang="en-US" sz="2800" dirty="0" smtClean="0"/>
+              <a:t>of </a:t>
             </a:r>
             <a:r>
               <a:rPr lang="en-US" sz="2800" dirty="0" err="1" smtClean="0"/>
@@ -5153,7 +5283,7 @@
             </a:r>
             <a:r>
               <a:rPr lang="en-US" sz="2800" dirty="0" smtClean="0"/>
-              <a:t>Entries</a:t>
+              <a:t>entries</a:t>
             </a:r>
             <a:endParaRPr lang="en-US" sz="2800" dirty="0" smtClean="0"/>
           </a:p>
@@ -5183,8 +5313,9 @@
           <a:p>
             <a:r>
               <a:rPr lang="en-US" sz="6600" b="1" dirty="0" smtClean="0"/>
-              <a:t>Team Info:</a:t>
-            </a:r>
+              <a:t>The Team</a:t>
+            </a:r>
+            <a:endParaRPr lang="en-US" sz="6600" b="1" dirty="0" smtClean="0"/>
           </a:p>
           <a:p>
             <a:r>
@@ -5235,11 +5366,7 @@
             </a:r>
             <a:r>
               <a:rPr lang="en-US" sz="4400" dirty="0" smtClean="0"/>
-              <a:t> – CPR </a:t>
-            </a:r>
-            <a:r>
-              <a:rPr lang="en-US" sz="4400" dirty="0" smtClean="0"/>
-              <a:t>E</a:t>
+              <a:t> – CPR E</a:t>
             </a:r>
             <a:endParaRPr lang="en-US" sz="4400" dirty="0"/>
           </a:p>
@@ -5249,8 +5376,13 @@
           <a:p>
             <a:r>
               <a:rPr lang="en-US" sz="6600" b="1" dirty="0" smtClean="0"/>
-              <a:t>What went wrong:</a:t>
-            </a:r>
+              <a:t>What went </a:t>
+            </a:r>
+            <a:r>
+              <a:rPr lang="en-US" sz="6600" b="1" dirty="0" smtClean="0"/>
+              <a:t>poorly</a:t>
+            </a:r>
+            <a:endParaRPr lang="en-US" sz="6600" b="1" dirty="0" smtClean="0"/>
           </a:p>
           <a:p>
             <a:pPr>
@@ -5270,7 +5402,31 @@
             </a:r>
             <a:r>
               <a:rPr lang="en-US" sz="4400" dirty="0" smtClean="0"/>
-              <a:t>polymorphism or inheritance with GAE 	</a:t>
+              <a:t>polymorphism </a:t>
+            </a:r>
+            <a:endParaRPr lang="en-US" sz="4400" dirty="0" smtClean="0"/>
+          </a:p>
+          <a:p>
+            <a:pPr>
+              <a:tabLst>
+                <a:tab pos="228600" algn="l"/>
+              </a:tabLst>
+            </a:pPr>
+            <a:r>
+              <a:rPr lang="en-US" sz="4400" dirty="0" smtClean="0"/>
+              <a:t>	</a:t>
+            </a:r>
+            <a:r>
+              <a:rPr lang="en-US" sz="4400" dirty="0" smtClean="0"/>
+              <a:t>o</a:t>
+            </a:r>
+            <a:r>
+              <a:rPr lang="en-US" sz="4400" dirty="0" smtClean="0"/>
+              <a:t>r </a:t>
+            </a:r>
+            <a:r>
+              <a:rPr lang="en-US" sz="4400" dirty="0" smtClean="0"/>
+              <a:t>inheritance with GAE 	</a:t>
             </a:r>
             <a:r>
               <a:rPr lang="en-US" sz="4400" dirty="0" err="1" smtClean="0"/>
@@ -5297,13 +5453,31 @@
             </a:r>
             <a:r>
               <a:rPr lang="en-US" sz="4400" dirty="0" err="1" smtClean="0"/>
-              <a:t>Datastore</a:t>
+              <a:t>d</a:t>
+            </a:r>
+            <a:r>
+              <a:rPr lang="en-US" sz="4400" dirty="0" err="1" smtClean="0"/>
+              <a:t>atastore</a:t>
             </a:r>
             <a:r>
               <a:rPr lang="en-US" sz="4400" dirty="0" smtClean="0"/>
-              <a:t> in some functions</a:t>
-            </a:r>
-            <a:endParaRPr lang="en-US" sz="4400" dirty="0" smtClean="0"/>
+              <a:t> </a:t>
+            </a:r>
+          </a:p>
+          <a:p>
+            <a:pPr>
+              <a:tabLst>
+                <a:tab pos="228600" algn="l"/>
+              </a:tabLst>
+            </a:pPr>
+            <a:r>
+              <a:rPr lang="en-US" sz="4400" dirty="0" smtClean="0"/>
+              <a:t>	in </a:t>
+            </a:r>
+            <a:r>
+              <a:rPr lang="en-US" sz="4400" dirty="0" smtClean="0"/>
+              <a:t>some functions</a:t>
+            </a:r>
           </a:p>
           <a:p>
             <a:endParaRPr lang="en-US" sz="1600" b="1" dirty="0" smtClean="0"/>
@@ -5311,8 +5485,17 @@
           <a:p>
             <a:r>
               <a:rPr lang="en-US" sz="6600" b="1" dirty="0" smtClean="0"/>
-              <a:t>      What went right: </a:t>
-            </a:r>
+              <a:t>      What went </a:t>
+            </a:r>
+            <a:r>
+              <a:rPr lang="en-US" sz="6600" b="1" dirty="0" smtClean="0"/>
+              <a:t>well</a:t>
+            </a:r>
+            <a:r>
+              <a:rPr lang="en-US" sz="6600" b="1" dirty="0" smtClean="0"/>
+              <a:t> </a:t>
+            </a:r>
+            <a:endParaRPr lang="en-US" sz="6600" b="1" dirty="0" smtClean="0"/>
           </a:p>
           <a:p>
             <a:pPr lvl="1">
@@ -5321,7 +5504,15 @@
             </a:pPr>
             <a:r>
               <a:rPr lang="en-US" sz="4400" dirty="0" smtClean="0"/>
-              <a:t>   Working complete project</a:t>
+              <a:t>   </a:t>
+            </a:r>
+            <a:r>
+              <a:rPr lang="en-US" sz="4400" dirty="0" smtClean="0"/>
+              <a:t>Working, </a:t>
+            </a:r>
+            <a:r>
+              <a:rPr lang="en-US" sz="4400" dirty="0" smtClean="0"/>
+              <a:t>complete project</a:t>
             </a:r>
           </a:p>
           <a:p>
@@ -5335,15 +5526,11 @@
             </a:r>
             <a:r>
               <a:rPr lang="en-US" sz="4400" dirty="0" smtClean="0"/>
-              <a:t>be used by </a:t>
+              <a:t>will be </a:t>
             </a:r>
             <a:r>
               <a:rPr lang="en-US" sz="4400" dirty="0" smtClean="0"/>
-              <a:t>ISU Marching </a:t>
-            </a:r>
-            <a:r>
-              <a:rPr lang="en-US" sz="4400" dirty="0" smtClean="0"/>
-              <a:t>Band</a:t>
+              <a:t>used by ISU Marching Band</a:t>
             </a:r>
             <a:endParaRPr lang="en-US" sz="1600" dirty="0" smtClean="0"/>
           </a:p>
@@ -5363,16 +5550,13 @@
             </a:pPr>
             <a:r>
               <a:rPr lang="en-US" sz="6600" b="1" dirty="0" smtClean="0"/>
-              <a:t>	</a:t>
+              <a:t>	Lessons </a:t>
             </a:r>
             <a:r>
               <a:rPr lang="en-US" sz="6600" b="1" dirty="0" smtClean="0"/>
-              <a:t>Lessons </a:t>
-            </a:r>
-            <a:r>
-              <a:rPr lang="en-US" sz="6600" b="1" dirty="0" smtClean="0"/>
-              <a:t>Learned:</a:t>
-            </a:r>
+              <a:t>Learned</a:t>
+            </a:r>
+            <a:endParaRPr lang="en-US" sz="6600" b="1" dirty="0" smtClean="0"/>
           </a:p>
           <a:p>
             <a:pPr marL="2193925" lvl="1" indent="549275">
@@ -5384,8 +5568,9 @@
             </a:pPr>
             <a:r>
               <a:rPr lang="en-US" sz="4400" dirty="0" smtClean="0"/>
-              <a:t>Database </a:t>
-            </a:r>
+              <a:t>Databases </a:t>
+            </a:r>
+            <a:endParaRPr lang="en-US" sz="4400" dirty="0" smtClean="0"/>
           </a:p>
           <a:p>
             <a:pPr marL="2193925" lvl="1" indent="549275">
@@ -5413,7 +5598,6 @@
               <a:rPr lang="en-US" sz="4400" dirty="0" smtClean="0"/>
               <a:t>HTML</a:t>
             </a:r>
-            <a:endParaRPr lang="en-US" sz="4400" dirty="0" smtClean="0"/>
           </a:p>
           <a:p>
             <a:pPr marL="2193925" lvl="1" indent="549275">
@@ -5425,15 +5609,7 @@
             </a:pPr>
             <a:r>
               <a:rPr lang="en-US" sz="4400" dirty="0" smtClean="0"/>
-              <a:t>Google </a:t>
-            </a:r>
-            <a:r>
-              <a:rPr lang="en-US" sz="4400" dirty="0" smtClean="0"/>
-              <a:t>App </a:t>
-            </a:r>
-            <a:r>
-              <a:rPr lang="en-US" sz="4400" dirty="0" smtClean="0"/>
-              <a:t>Engine    </a:t>
+              <a:t>Google App Engine    </a:t>
             </a:r>
           </a:p>
           <a:p>
@@ -5443,7 +5619,7 @@
             </a:pPr>
             <a:r>
               <a:rPr lang="en-US" sz="4400" dirty="0" smtClean="0"/>
-              <a:t>Team Work</a:t>
+              <a:t>Teamwork</a:t>
             </a:r>
             <a:endParaRPr lang="en-US" sz="4400" dirty="0"/>
           </a:p>
@@ -5561,7 +5737,7 @@
         </p:blipFill>
         <p:spPr bwMode="auto">
           <a:xfrm>
-            <a:off x="21850820" y="22631400"/>
+            <a:off x="21807814" y="23012400"/>
             <a:ext cx="10500986" cy="3810000"/>
           </a:xfrm>
           <a:prstGeom prst="rect">
@@ -5623,8 +5799,8 @@
         </p:blipFill>
         <p:spPr bwMode="auto">
           <a:xfrm>
-            <a:off x="11353800" y="36347400"/>
-            <a:ext cx="6781800" cy="7086600"/>
+            <a:off x="11506200" y="36586273"/>
+            <a:ext cx="6553200" cy="6847726"/>
           </a:xfrm>
           <a:prstGeom prst="rect">
             <a:avLst/>
@@ -5664,6 +5840,37 @@
           <a:ln>
             <a:solidFill>
               <a:schemeClr val="tx1"/>
+            </a:solidFill>
+          </a:ln>
+        </p:spPr>
+      </p:pic>
+      <p:pic>
+        <p:nvPicPr>
+          <p:cNvPr id="1026" name="Picture 2" descr="F:\DCIM\273___04\IMG_0571.JPG"/>
+          <p:cNvPicPr>
+            <a:picLocks noChangeAspect="1" noChangeArrowheads="1"/>
+          </p:cNvPicPr>
+          <p:nvPr/>
+        </p:nvPicPr>
+        <p:blipFill>
+          <a:blip r:embed="rId9" cstate="print"/>
+          <a:srcRect l="2250" t="9500" r="13750" b="8375"/>
+          <a:stretch>
+            <a:fillRect/>
+          </a:stretch>
+        </p:blipFill>
+        <p:spPr bwMode="auto">
+          <a:xfrm>
+            <a:off x="24917400" y="27432000"/>
+            <a:ext cx="6629400" cy="8641897"/>
+          </a:xfrm>
+          <a:prstGeom prst="rect">
+            <a:avLst/>
+          </a:prstGeom>
+          <a:noFill/>
+          <a:ln>
+            <a:solidFill>
+              <a:srgbClr val="000000"/>
             </a:solidFill>
           </a:ln>
         </p:spPr>
